--- a/docs/CIS9440_DW_Group3_Presentation.pptx
+++ b/docs/CIS9440_DW_Group3_Presentation.pptx
@@ -2,26 +2,31 @@
 <file path=ppt/presentation.xml><?xml version="1.0" encoding="utf-8"?>
 <p:presentation xmlns:a="http://schemas.openxmlformats.org/drawingml/2006/main" xmlns:r="http://schemas.openxmlformats.org/officeDocument/2006/relationships" xmlns:p="http://schemas.openxmlformats.org/presentationml/2006/main" saveSubsetFonts="1">
   <p:sldMasterIdLst>
-    <p:sldMasterId id="2147483648" r:id="rId1"/>
+    <p:sldMasterId id="2147483648" r:id="rId4"/>
   </p:sldMasterIdLst>
   <p:notesMasterIdLst>
-    <p:notesMasterId r:id="rId13"/>
+    <p:notesMasterId r:id="rId21"/>
   </p:notesMasterIdLst>
   <p:handoutMasterIdLst>
-    <p:handoutMasterId r:id="rId14"/>
+    <p:handoutMasterId r:id="rId22"/>
   </p:handoutMasterIdLst>
   <p:sldIdLst>
-    <p:sldId id="256" r:id="rId2"/>
-    <p:sldId id="257" r:id="rId3"/>
-    <p:sldId id="258" r:id="rId4"/>
-    <p:sldId id="260" r:id="rId5"/>
-    <p:sldId id="259" r:id="rId6"/>
-    <p:sldId id="261" r:id="rId7"/>
-    <p:sldId id="262" r:id="rId8"/>
-    <p:sldId id="263" r:id="rId9"/>
-    <p:sldId id="264" r:id="rId10"/>
-    <p:sldId id="265" r:id="rId11"/>
-    <p:sldId id="266" r:id="rId12"/>
+    <p:sldId id="256" r:id="rId5"/>
+    <p:sldId id="257" r:id="rId6"/>
+    <p:sldId id="258" r:id="rId7"/>
+    <p:sldId id="260" r:id="rId8"/>
+    <p:sldId id="267" r:id="rId9"/>
+    <p:sldId id="268" r:id="rId10"/>
+    <p:sldId id="270" r:id="rId11"/>
+    <p:sldId id="269" r:id="rId12"/>
+    <p:sldId id="274" r:id="rId13"/>
+    <p:sldId id="272" r:id="rId14"/>
+    <p:sldId id="275" r:id="rId15"/>
+    <p:sldId id="264" r:id="rId16"/>
+    <p:sldId id="276" r:id="rId17"/>
+    <p:sldId id="277" r:id="rId18"/>
+    <p:sldId id="262" r:id="rId19"/>
+    <p:sldId id="266" r:id="rId20"/>
   </p:sldIdLst>
   <p:sldSz cx="12192000" cy="6858000"/>
   <p:notesSz cx="6858000" cy="9144000"/>
@@ -142,1162 +147,25 @@
 </p:presentation>
 </file>
 
-<file path=ppt/charts/chart1.xml><?xml version="1.0" encoding="utf-8"?>
-<c:chartSpace xmlns:c="http://schemas.openxmlformats.org/drawingml/2006/chart" xmlns:a="http://schemas.openxmlformats.org/drawingml/2006/main" xmlns:r="http://schemas.openxmlformats.org/officeDocument/2006/relationships" xmlns:c16r2="http://schemas.microsoft.com/office/drawing/2015/06/chart">
-  <c:date1904 val="0"/>
-  <c:lang val="en-US"/>
-  <c:roundedCorners val="0"/>
-  <mc:AlternateContent xmlns:mc="http://schemas.openxmlformats.org/markup-compatibility/2006">
-    <mc:Choice xmlns:c14="http://schemas.microsoft.com/office/drawing/2007/8/2/chart" Requires="c14">
-      <c14:style val="102"/>
-    </mc:Choice>
-    <mc:Fallback>
-      <c:style val="2"/>
-    </mc:Fallback>
-  </mc:AlternateContent>
-  <c:chart>
-    <c:autoTitleDeleted val="1"/>
-    <c:plotArea>
-      <c:layout/>
-      <c:barChart>
-        <c:barDir val="col"/>
-        <c:grouping val="clustered"/>
-        <c:varyColors val="0"/>
-        <c:ser>
-          <c:idx val="0"/>
-          <c:order val="0"/>
-          <c:tx>
-            <c:strRef>
-              <c:f>Sheet1!$B$1</c:f>
-              <c:strCache>
-                <c:ptCount val="1"/>
-                <c:pt idx="0">
-                  <c:v>Series 1</c:v>
-                </c:pt>
-              </c:strCache>
-            </c:strRef>
-          </c:tx>
-          <c:spPr>
-            <a:solidFill>
-              <a:schemeClr val="accent1"/>
-            </a:solidFill>
-            <a:ln>
-              <a:noFill/>
-            </a:ln>
-            <a:effectLst/>
-          </c:spPr>
-          <c:invertIfNegative val="0"/>
-          <c:dLbls>
-            <c:spPr>
-              <a:noFill/>
-              <a:ln>
-                <a:noFill/>
-              </a:ln>
-              <a:effectLst/>
-            </c:spPr>
-            <c:txPr>
-              <a:bodyPr rot="-5400000" spcFirstLastPara="1" vertOverflow="clip" horzOverflow="clip" wrap="square" lIns="38100" tIns="19050" rIns="38100" bIns="19050" anchor="ctr" anchorCtr="1">
-                <a:spAutoFit/>
-              </a:bodyPr>
-              <a:lstStyle/>
-              <a:p>
-                <a:pPr>
-                  <a:defRPr sz="1064" b="0" i="0" u="none" strike="noStrike" kern="1200" baseline="0">
-                    <a:solidFill>
-                      <a:schemeClr val="tx1">
-                        <a:lumMod val="50000"/>
-                        <a:lumOff val="50000"/>
-                      </a:schemeClr>
-                    </a:solidFill>
-                    <a:latin typeface="+mn-lt"/>
-                    <a:ea typeface="+mn-ea"/>
-                    <a:cs typeface="+mn-cs"/>
-                  </a:defRPr>
-                </a:pPr>
-                <a:endParaRPr lang="en-US"/>
-              </a:p>
-            </c:txPr>
-            <c:dLblPos val="outEnd"/>
-            <c:showLegendKey val="0"/>
-            <c:showVal val="1"/>
-            <c:showCatName val="0"/>
-            <c:showSerName val="0"/>
-            <c:showPercent val="0"/>
-            <c:showBubbleSize val="0"/>
-            <c:showLeaderLines val="0"/>
-            <c:extLst>
-              <c:ext xmlns:c15="http://schemas.microsoft.com/office/drawing/2012/chart" uri="{CE6537A1-D6FC-4f65-9D91-7224C49458BB}">
-                <c15:spPr xmlns:c15="http://schemas.microsoft.com/office/drawing/2012/chart">
-                  <a:prstGeom prst="rect">
-                    <a:avLst/>
-                  </a:prstGeom>
-                  <a:noFill/>
-                  <a:ln>
-                    <a:noFill/>
-                  </a:ln>
-                </c15:spPr>
-                <c15:showLeaderLines val="1"/>
-                <c15:leaderLines>
-                  <c:spPr>
-                    <a:ln w="9525">
-                      <a:solidFill>
-                        <a:schemeClr val="tx1">
-                          <a:lumMod val="35000"/>
-                          <a:lumOff val="65000"/>
-                        </a:schemeClr>
-                      </a:solidFill>
-                    </a:ln>
-                    <a:effectLst/>
-                  </c:spPr>
-                </c15:leaderLines>
-              </c:ext>
-            </c:extLst>
-          </c:dLbls>
-          <c:cat>
-            <c:strRef>
-              <c:f>Sheet1!$A$2:$A$5</c:f>
-              <c:strCache>
-                <c:ptCount val="4"/>
-                <c:pt idx="0">
-                  <c:v>Category 1</c:v>
-                </c:pt>
-                <c:pt idx="1">
-                  <c:v>Category 2</c:v>
-                </c:pt>
-                <c:pt idx="2">
-                  <c:v>Category 3</c:v>
-                </c:pt>
-                <c:pt idx="3">
-                  <c:v>Category 4</c:v>
-                </c:pt>
-              </c:strCache>
-            </c:strRef>
-          </c:cat>
-          <c:val>
-            <c:numRef>
-              <c:f>Sheet1!$B$2:$B$5</c:f>
-              <c:numCache>
-                <c:formatCode>General</c:formatCode>
-                <c:ptCount val="4"/>
-                <c:pt idx="0">
-                  <c:v>4.3</c:v>
-                </c:pt>
-                <c:pt idx="1">
-                  <c:v>2.5</c:v>
-                </c:pt>
-                <c:pt idx="2">
-                  <c:v>3.5</c:v>
-                </c:pt>
-                <c:pt idx="3">
-                  <c:v>4.5</c:v>
-                </c:pt>
-              </c:numCache>
-            </c:numRef>
-          </c:val>
-          <c:extLst>
-            <c:ext xmlns:c16="http://schemas.microsoft.com/office/drawing/2014/chart" uri="{C3380CC4-5D6E-409C-BE32-E72D297353CC}">
-              <c16:uniqueId val="{00000000-9D88-48A0-A4D9-8D3B011BD900}"/>
-            </c:ext>
-          </c:extLst>
-        </c:ser>
-        <c:ser>
-          <c:idx val="1"/>
-          <c:order val="1"/>
-          <c:tx>
-            <c:strRef>
-              <c:f>Sheet1!$C$1</c:f>
-              <c:strCache>
-                <c:ptCount val="1"/>
-                <c:pt idx="0">
-                  <c:v>Series 2</c:v>
-                </c:pt>
-              </c:strCache>
-            </c:strRef>
-          </c:tx>
-          <c:spPr>
-            <a:solidFill>
-              <a:schemeClr val="accent2"/>
-            </a:solidFill>
-            <a:ln>
-              <a:noFill/>
-            </a:ln>
-            <a:effectLst/>
-          </c:spPr>
-          <c:invertIfNegative val="0"/>
-          <c:dLbls>
-            <c:spPr>
-              <a:noFill/>
-              <a:ln>
-                <a:noFill/>
-              </a:ln>
-              <a:effectLst/>
-            </c:spPr>
-            <c:txPr>
-              <a:bodyPr rot="-5400000" spcFirstLastPara="1" vertOverflow="clip" horzOverflow="clip" wrap="square" lIns="38100" tIns="19050" rIns="38100" bIns="19050" anchor="ctr" anchorCtr="1">
-                <a:spAutoFit/>
-              </a:bodyPr>
-              <a:lstStyle/>
-              <a:p>
-                <a:pPr>
-                  <a:defRPr sz="1064" b="0" i="0" u="none" strike="noStrike" kern="1200" baseline="0">
-                    <a:solidFill>
-                      <a:schemeClr val="tx1">
-                        <a:lumMod val="50000"/>
-                        <a:lumOff val="50000"/>
-                      </a:schemeClr>
-                    </a:solidFill>
-                    <a:latin typeface="+mn-lt"/>
-                    <a:ea typeface="+mn-ea"/>
-                    <a:cs typeface="+mn-cs"/>
-                  </a:defRPr>
-                </a:pPr>
-                <a:endParaRPr lang="en-US"/>
-              </a:p>
-            </c:txPr>
-            <c:dLblPos val="outEnd"/>
-            <c:showLegendKey val="0"/>
-            <c:showVal val="1"/>
-            <c:showCatName val="0"/>
-            <c:showSerName val="0"/>
-            <c:showPercent val="0"/>
-            <c:showBubbleSize val="0"/>
-            <c:showLeaderLines val="0"/>
-            <c:extLst>
-              <c:ext xmlns:c15="http://schemas.microsoft.com/office/drawing/2012/chart" uri="{CE6537A1-D6FC-4f65-9D91-7224C49458BB}">
-                <c15:spPr xmlns:c15="http://schemas.microsoft.com/office/drawing/2012/chart">
-                  <a:prstGeom prst="rect">
-                    <a:avLst/>
-                  </a:prstGeom>
-                  <a:noFill/>
-                  <a:ln>
-                    <a:noFill/>
-                  </a:ln>
-                </c15:spPr>
-                <c15:showLeaderLines val="1"/>
-                <c15:leaderLines>
-                  <c:spPr>
-                    <a:ln w="9525">
-                      <a:solidFill>
-                        <a:schemeClr val="tx1">
-                          <a:lumMod val="35000"/>
-                          <a:lumOff val="65000"/>
-                        </a:schemeClr>
-                      </a:solidFill>
-                    </a:ln>
-                    <a:effectLst/>
-                  </c:spPr>
-                </c15:leaderLines>
-              </c:ext>
-            </c:extLst>
-          </c:dLbls>
-          <c:cat>
-            <c:strRef>
-              <c:f>Sheet1!$A$2:$A$5</c:f>
-              <c:strCache>
-                <c:ptCount val="4"/>
-                <c:pt idx="0">
-                  <c:v>Category 1</c:v>
-                </c:pt>
-                <c:pt idx="1">
-                  <c:v>Category 2</c:v>
-                </c:pt>
-                <c:pt idx="2">
-                  <c:v>Category 3</c:v>
-                </c:pt>
-                <c:pt idx="3">
-                  <c:v>Category 4</c:v>
-                </c:pt>
-              </c:strCache>
-            </c:strRef>
-          </c:cat>
-          <c:val>
-            <c:numRef>
-              <c:f>Sheet1!$C$2:$C$5</c:f>
-              <c:numCache>
-                <c:formatCode>General</c:formatCode>
-                <c:ptCount val="4"/>
-                <c:pt idx="0">
-                  <c:v>2.4</c:v>
-                </c:pt>
-                <c:pt idx="1">
-                  <c:v>4.4000000000000004</c:v>
-                </c:pt>
-                <c:pt idx="2">
-                  <c:v>1.8</c:v>
-                </c:pt>
-                <c:pt idx="3">
-                  <c:v>2.8</c:v>
-                </c:pt>
-              </c:numCache>
-            </c:numRef>
-          </c:val>
-          <c:extLst>
-            <c:ext xmlns:c16="http://schemas.microsoft.com/office/drawing/2014/chart" uri="{C3380CC4-5D6E-409C-BE32-E72D297353CC}">
-              <c16:uniqueId val="{00000001-9D88-48A0-A4D9-8D3B011BD900}"/>
-            </c:ext>
-          </c:extLst>
-        </c:ser>
-        <c:ser>
-          <c:idx val="2"/>
-          <c:order val="2"/>
-          <c:tx>
-            <c:strRef>
-              <c:f>Sheet1!$D$1</c:f>
-              <c:strCache>
-                <c:ptCount val="1"/>
-                <c:pt idx="0">
-                  <c:v>Series 3</c:v>
-                </c:pt>
-              </c:strCache>
-            </c:strRef>
-          </c:tx>
-          <c:spPr>
-            <a:solidFill>
-              <a:schemeClr val="accent3"/>
-            </a:solidFill>
-            <a:ln>
-              <a:noFill/>
-            </a:ln>
-            <a:effectLst/>
-          </c:spPr>
-          <c:invertIfNegative val="0"/>
-          <c:dLbls>
-            <c:spPr>
-              <a:noFill/>
-              <a:ln>
-                <a:noFill/>
-              </a:ln>
-              <a:effectLst/>
-            </c:spPr>
-            <c:txPr>
-              <a:bodyPr rot="-5400000" spcFirstLastPara="1" vertOverflow="clip" horzOverflow="clip" wrap="square" lIns="38100" tIns="19050" rIns="38100" bIns="19050" anchor="ctr" anchorCtr="1">
-                <a:spAutoFit/>
-              </a:bodyPr>
-              <a:lstStyle/>
-              <a:p>
-                <a:pPr>
-                  <a:defRPr sz="1064" b="0" i="0" u="none" strike="noStrike" kern="1200" baseline="0">
-                    <a:solidFill>
-                      <a:schemeClr val="tx1">
-                        <a:lumMod val="50000"/>
-                        <a:lumOff val="50000"/>
-                      </a:schemeClr>
-                    </a:solidFill>
-                    <a:latin typeface="+mn-lt"/>
-                    <a:ea typeface="+mn-ea"/>
-                    <a:cs typeface="+mn-cs"/>
-                  </a:defRPr>
-                </a:pPr>
-                <a:endParaRPr lang="en-US"/>
-              </a:p>
-            </c:txPr>
-            <c:dLblPos val="outEnd"/>
-            <c:showLegendKey val="0"/>
-            <c:showVal val="1"/>
-            <c:showCatName val="0"/>
-            <c:showSerName val="0"/>
-            <c:showPercent val="0"/>
-            <c:showBubbleSize val="0"/>
-            <c:showLeaderLines val="0"/>
-            <c:extLst>
-              <c:ext xmlns:c15="http://schemas.microsoft.com/office/drawing/2012/chart" uri="{CE6537A1-D6FC-4f65-9D91-7224C49458BB}">
-                <c15:spPr xmlns:c15="http://schemas.microsoft.com/office/drawing/2012/chart">
-                  <a:prstGeom prst="rect">
-                    <a:avLst/>
-                  </a:prstGeom>
-                  <a:noFill/>
-                  <a:ln>
-                    <a:noFill/>
-                  </a:ln>
-                </c15:spPr>
-                <c15:showLeaderLines val="1"/>
-                <c15:leaderLines>
-                  <c:spPr>
-                    <a:ln w="9525">
-                      <a:solidFill>
-                        <a:schemeClr val="tx1">
-                          <a:lumMod val="35000"/>
-                          <a:lumOff val="65000"/>
-                        </a:schemeClr>
-                      </a:solidFill>
-                    </a:ln>
-                    <a:effectLst/>
-                  </c:spPr>
-                </c15:leaderLines>
-              </c:ext>
-            </c:extLst>
-          </c:dLbls>
-          <c:cat>
-            <c:strRef>
-              <c:f>Sheet1!$A$2:$A$5</c:f>
-              <c:strCache>
-                <c:ptCount val="4"/>
-                <c:pt idx="0">
-                  <c:v>Category 1</c:v>
-                </c:pt>
-                <c:pt idx="1">
-                  <c:v>Category 2</c:v>
-                </c:pt>
-                <c:pt idx="2">
-                  <c:v>Category 3</c:v>
-                </c:pt>
-                <c:pt idx="3">
-                  <c:v>Category 4</c:v>
-                </c:pt>
-              </c:strCache>
-            </c:strRef>
-          </c:cat>
-          <c:val>
-            <c:numRef>
-              <c:f>Sheet1!$D$2:$D$5</c:f>
-              <c:numCache>
-                <c:formatCode>General</c:formatCode>
-                <c:ptCount val="4"/>
-                <c:pt idx="0">
-                  <c:v>2</c:v>
-                </c:pt>
-                <c:pt idx="1">
-                  <c:v>2</c:v>
-                </c:pt>
-                <c:pt idx="2">
-                  <c:v>3</c:v>
-                </c:pt>
-                <c:pt idx="3">
-                  <c:v>5</c:v>
-                </c:pt>
-              </c:numCache>
-            </c:numRef>
-          </c:val>
-          <c:extLst>
-            <c:ext xmlns:c16="http://schemas.microsoft.com/office/drawing/2014/chart" uri="{C3380CC4-5D6E-409C-BE32-E72D297353CC}">
-              <c16:uniqueId val="{00000002-9D88-48A0-A4D9-8D3B011BD900}"/>
-            </c:ext>
-          </c:extLst>
-        </c:ser>
-        <c:dLbls>
-          <c:dLblPos val="outEnd"/>
-          <c:showLegendKey val="0"/>
-          <c:showVal val="1"/>
-          <c:showCatName val="0"/>
-          <c:showSerName val="0"/>
-          <c:showPercent val="0"/>
-          <c:showBubbleSize val="0"/>
-        </c:dLbls>
-        <c:gapWidth val="444"/>
-        <c:overlap val="-90"/>
-        <c:axId val="888359400"/>
-        <c:axId val="888367240"/>
-      </c:barChart>
-      <c:catAx>
-        <c:axId val="888359400"/>
-        <c:scaling>
-          <c:orientation val="minMax"/>
-        </c:scaling>
-        <c:delete val="0"/>
-        <c:axPos val="b"/>
-        <c:majorGridlines>
-          <c:spPr>
-            <a:ln w="9525" cap="flat" cmpd="sng" algn="ctr">
-              <a:solidFill>
-                <a:schemeClr val="tx1">
-                  <a:lumMod val="15000"/>
-                  <a:lumOff val="85000"/>
-                </a:schemeClr>
-              </a:solidFill>
-              <a:round/>
-            </a:ln>
-            <a:effectLst/>
-          </c:spPr>
-        </c:majorGridlines>
-        <c:numFmt formatCode="General" sourceLinked="1"/>
-        <c:majorTickMark val="none"/>
-        <c:minorTickMark val="none"/>
-        <c:tickLblPos val="nextTo"/>
-        <c:spPr>
-          <a:noFill/>
-          <a:ln w="9525" cap="flat" cmpd="sng" algn="ctr">
-            <a:solidFill>
-              <a:schemeClr val="tx1">
-                <a:lumMod val="15000"/>
-                <a:lumOff val="85000"/>
-              </a:schemeClr>
-            </a:solidFill>
-            <a:round/>
-          </a:ln>
-          <a:effectLst/>
-        </c:spPr>
-        <c:txPr>
-          <a:bodyPr rot="-60000000" spcFirstLastPara="1" vertOverflow="ellipsis" vert="horz" wrap="square" anchor="ctr" anchorCtr="1"/>
-          <a:lstStyle/>
-          <a:p>
-            <a:pPr>
-              <a:defRPr sz="1064" b="0" i="0" u="none" strike="noStrike" kern="1200" cap="all" spc="120" normalizeH="0" baseline="0">
-                <a:solidFill>
-                  <a:schemeClr val="tx1">
-                    <a:lumMod val="65000"/>
-                    <a:lumOff val="35000"/>
-                  </a:schemeClr>
-                </a:solidFill>
-                <a:latin typeface="+mn-lt"/>
-                <a:ea typeface="+mn-ea"/>
-                <a:cs typeface="+mn-cs"/>
-              </a:defRPr>
-            </a:pPr>
-            <a:endParaRPr lang="en-US"/>
-          </a:p>
-        </c:txPr>
-        <c:crossAx val="888367240"/>
-        <c:crosses val="autoZero"/>
-        <c:auto val="1"/>
-        <c:lblAlgn val="ctr"/>
-        <c:lblOffset val="100"/>
-        <c:noMultiLvlLbl val="0"/>
-      </c:catAx>
-      <c:valAx>
-        <c:axId val="888367240"/>
-        <c:scaling>
-          <c:orientation val="minMax"/>
-        </c:scaling>
-        <c:delete val="1"/>
-        <c:axPos val="l"/>
-        <c:numFmt formatCode="General" sourceLinked="1"/>
-        <c:majorTickMark val="none"/>
-        <c:minorTickMark val="none"/>
-        <c:tickLblPos val="nextTo"/>
-        <c:crossAx val="888359400"/>
-        <c:crosses val="autoZero"/>
-        <c:crossBetween val="between"/>
-      </c:valAx>
-      <c:spPr>
-        <a:noFill/>
-        <a:ln>
-          <a:noFill/>
-        </a:ln>
-        <a:effectLst/>
-      </c:spPr>
-    </c:plotArea>
-    <c:legend>
-      <c:legendPos val="t"/>
-      <c:overlay val="0"/>
-      <c:spPr>
-        <a:noFill/>
-        <a:ln>
-          <a:noFill/>
-        </a:ln>
-        <a:effectLst/>
-      </c:spPr>
-      <c:txPr>
-        <a:bodyPr rot="0" spcFirstLastPara="1" vertOverflow="ellipsis" vert="horz" wrap="square" anchor="ctr" anchorCtr="1"/>
-        <a:lstStyle/>
-        <a:p>
-          <a:pPr>
-            <a:defRPr sz="1197" b="0" i="0" u="none" strike="noStrike" kern="1200" baseline="0">
-              <a:solidFill>
-                <a:schemeClr val="tx1">
-                  <a:lumMod val="65000"/>
-                  <a:lumOff val="35000"/>
-                </a:schemeClr>
-              </a:solidFill>
-              <a:latin typeface="+mn-lt"/>
-              <a:ea typeface="+mn-ea"/>
-              <a:cs typeface="+mn-cs"/>
-            </a:defRPr>
-          </a:pPr>
-          <a:endParaRPr lang="en-US"/>
-        </a:p>
-      </c:txPr>
-    </c:legend>
-    <c:plotVisOnly val="1"/>
-    <c:dispBlanksAs val="gap"/>
-    <c:showDLblsOverMax val="0"/>
-  </c:chart>
-  <c:spPr>
-    <a:noFill/>
-    <a:ln>
-      <a:noFill/>
-    </a:ln>
-    <a:effectLst/>
-  </c:spPr>
-  <c:txPr>
-    <a:bodyPr/>
-    <a:lstStyle/>
-    <a:p>
-      <a:pPr>
-        <a:defRPr/>
-      </a:pPr>
-      <a:endParaRPr lang="en-US"/>
-    </a:p>
-  </c:txPr>
-  <c:externalData r:id="rId3">
-    <c:autoUpdate val="0"/>
-  </c:externalData>
-</c:chartSpace>
-</file>
-
-<file path=ppt/charts/colors1.xml><?xml version="1.0" encoding="utf-8"?>
-<cs:colorStyle xmlns:cs="http://schemas.microsoft.com/office/drawing/2012/chartStyle" xmlns:a="http://schemas.openxmlformats.org/drawingml/2006/main" meth="cycle" id="10">
-  <a:schemeClr val="accent1"/>
-  <a:schemeClr val="accent2"/>
-  <a:schemeClr val="accent3"/>
-  <a:schemeClr val="accent4"/>
-  <a:schemeClr val="accent5"/>
-  <a:schemeClr val="accent6"/>
-  <cs:variation/>
-  <cs:variation>
-    <a:lumMod val="60000"/>
-  </cs:variation>
-  <cs:variation>
-    <a:lumMod val="80000"/>
-    <a:lumOff val="20000"/>
-  </cs:variation>
-  <cs:variation>
-    <a:lumMod val="80000"/>
-  </cs:variation>
-  <cs:variation>
-    <a:lumMod val="60000"/>
-    <a:lumOff val="40000"/>
-  </cs:variation>
-  <cs:variation>
-    <a:lumMod val="50000"/>
-  </cs:variation>
-  <cs:variation>
-    <a:lumMod val="70000"/>
-    <a:lumOff val="30000"/>
-  </cs:variation>
-  <cs:variation>
-    <a:lumMod val="70000"/>
-  </cs:variation>
-  <cs:variation>
-    <a:lumMod val="50000"/>
-    <a:lumOff val="50000"/>
-  </cs:variation>
-</cs:colorStyle>
-</file>
-
-<file path=ppt/charts/style1.xml><?xml version="1.0" encoding="utf-8"?>
-<cs:chartStyle xmlns:cs="http://schemas.microsoft.com/office/drawing/2012/chartStyle" xmlns:a="http://schemas.openxmlformats.org/drawingml/2006/main" id="202">
-  <cs:axisTitle>
-    <cs:lnRef idx="0"/>
-    <cs:fillRef idx="0"/>
-    <cs:effectRef idx="0"/>
-    <cs:fontRef idx="minor">
-      <a:schemeClr val="tx1">
-        <a:lumMod val="65000"/>
-        <a:lumOff val="35000"/>
-      </a:schemeClr>
-    </cs:fontRef>
-    <cs:defRPr sz="1197" kern="1200" cap="all"/>
-  </cs:axisTitle>
-  <cs:categoryAxis>
-    <cs:lnRef idx="0"/>
-    <cs:fillRef idx="0"/>
-    <cs:effectRef idx="0"/>
-    <cs:fontRef idx="minor">
-      <a:schemeClr val="tx1">
-        <a:lumMod val="65000"/>
-        <a:lumOff val="35000"/>
-      </a:schemeClr>
-    </cs:fontRef>
-    <cs:spPr>
-      <a:ln w="9525" cap="flat" cmpd="sng" algn="ctr">
-        <a:solidFill>
-          <a:schemeClr val="tx1">
-            <a:lumMod val="15000"/>
-            <a:lumOff val="85000"/>
-          </a:schemeClr>
-        </a:solidFill>
-        <a:round/>
-      </a:ln>
-    </cs:spPr>
-    <cs:defRPr sz="1064" kern="1200" cap="all" spc="120" normalizeH="0" baseline="0"/>
-  </cs:categoryAxis>
-  <cs:chartArea mods="allowNoFillOverride allowNoLineOverride">
-    <cs:lnRef idx="0"/>
-    <cs:fillRef idx="0"/>
-    <cs:effectRef idx="0"/>
-    <cs:fontRef idx="minor">
-      <a:schemeClr val="dk1"/>
-    </cs:fontRef>
-    <cs:spPr>
-      <a:solidFill>
-        <a:schemeClr val="lt1"/>
-      </a:solidFill>
-      <a:ln w="9525" cap="flat" cmpd="sng" algn="ctr">
-        <a:solidFill>
-          <a:schemeClr val="tx1">
-            <a:lumMod val="15000"/>
-            <a:lumOff val="85000"/>
-          </a:schemeClr>
-        </a:solidFill>
-        <a:round/>
-      </a:ln>
-    </cs:spPr>
-    <cs:defRPr sz="1197" kern="1200"/>
-  </cs:chartArea>
-  <cs:dataLabel>
-    <cs:lnRef idx="0"/>
-    <cs:fillRef idx="0"/>
-    <cs:effectRef idx="0"/>
-    <cs:fontRef idx="minor">
-      <a:schemeClr val="tx1">
-        <a:lumMod val="50000"/>
-        <a:lumOff val="50000"/>
-      </a:schemeClr>
-    </cs:fontRef>
-    <cs:spPr>
-      <a:prstGeom prst="rect">
-        <a:avLst/>
-      </a:prstGeom>
-    </cs:spPr>
-    <cs:defRPr sz="1064" b="0" i="0" u="none" strike="noStrike" kern="1200" baseline="0"/>
-    <cs:bodyPr rot="-5400000" spcFirstLastPara="1" vertOverflow="clip" horzOverflow="clip" vert="horz" wrap="square" lIns="38100" tIns="19050" rIns="38100" bIns="19050" anchor="ctr" anchorCtr="1">
-      <a:spAutoFit/>
-    </cs:bodyPr>
-  </cs:dataLabel>
-  <cs:dataLabelCallout>
-    <cs:lnRef idx="0"/>
-    <cs:fillRef idx="0"/>
-    <cs:effectRef idx="0"/>
-    <cs:fontRef idx="minor">
-      <a:schemeClr val="dk1">
-        <a:lumMod val="65000"/>
-        <a:lumOff val="35000"/>
-      </a:schemeClr>
-    </cs:fontRef>
-    <cs:spPr>
-      <a:solidFill>
-        <a:schemeClr val="lt1"/>
-      </a:solidFill>
-      <a:ln>
-        <a:solidFill>
-          <a:schemeClr val="dk1">
-            <a:lumMod val="25000"/>
-            <a:lumOff val="75000"/>
-          </a:schemeClr>
-        </a:solidFill>
-      </a:ln>
-    </cs:spPr>
-    <cs:defRPr sz="1197" kern="1200"/>
-  </cs:dataLabelCallout>
-  <cs:dataPoint>
-    <cs:lnRef idx="0"/>
-    <cs:fillRef idx="0">
-      <cs:styleClr val="auto"/>
-    </cs:fillRef>
-    <cs:effectRef idx="0"/>
-    <cs:fontRef idx="minor">
-      <a:schemeClr val="dk1"/>
-    </cs:fontRef>
-    <cs:spPr>
-      <a:solidFill>
-        <a:schemeClr val="phClr"/>
-      </a:solidFill>
-    </cs:spPr>
-  </cs:dataPoint>
-  <cs:dataPoint3D>
-    <cs:lnRef idx="0"/>
-    <cs:fillRef idx="0">
-      <cs:styleClr val="auto"/>
-    </cs:fillRef>
-    <cs:effectRef idx="0"/>
-    <cs:fontRef idx="minor">
-      <a:schemeClr val="dk1"/>
-    </cs:fontRef>
-    <cs:spPr>
-      <a:solidFill>
-        <a:schemeClr val="phClr"/>
-      </a:solidFill>
-    </cs:spPr>
-  </cs:dataPoint3D>
-  <cs:dataPointLine>
-    <cs:lnRef idx="0">
-      <cs:styleClr val="auto"/>
-    </cs:lnRef>
-    <cs:fillRef idx="0"/>
-    <cs:effectRef idx="0"/>
-    <cs:fontRef idx="minor">
-      <a:schemeClr val="dk1"/>
-    </cs:fontRef>
-    <cs:spPr>
-      <a:ln w="22225" cap="rnd">
-        <a:solidFill>
-          <a:schemeClr val="phClr"/>
-        </a:solidFill>
-        <a:round/>
-      </a:ln>
-    </cs:spPr>
-  </cs:dataPointLine>
-  <cs:dataPointMarker>
-    <cs:lnRef idx="0">
-      <cs:styleClr val="auto"/>
-    </cs:lnRef>
-    <cs:fillRef idx="0">
-      <cs:styleClr val="auto"/>
-    </cs:fillRef>
-    <cs:effectRef idx="0"/>
-    <cs:fontRef idx="minor">
-      <a:schemeClr val="dk1"/>
-    </cs:fontRef>
-    <cs:spPr>
-      <a:solidFill>
-        <a:schemeClr val="phClr"/>
-      </a:solidFill>
-      <a:ln w="9525">
-        <a:solidFill>
-          <a:schemeClr val="phClr"/>
-        </a:solidFill>
-        <a:round/>
-      </a:ln>
-    </cs:spPr>
-  </cs:dataPointMarker>
-  <cs:dataPointMarkerLayout size="6"/>
-  <cs:dataPointWireframe>
-    <cs:lnRef idx="0">
-      <cs:styleClr val="auto"/>
-    </cs:lnRef>
-    <cs:fillRef idx="0"/>
-    <cs:effectRef idx="0"/>
-    <cs:fontRef idx="minor">
-      <a:schemeClr val="dk1"/>
-    </cs:fontRef>
-    <cs:spPr>
-      <a:ln w="9525" cap="rnd">
-        <a:solidFill>
-          <a:schemeClr val="phClr"/>
-        </a:solidFill>
-        <a:round/>
-      </a:ln>
-    </cs:spPr>
-  </cs:dataPointWireframe>
-  <cs:dataTable>
-    <cs:lnRef idx="0"/>
-    <cs:fillRef idx="0"/>
-    <cs:effectRef idx="0"/>
-    <cs:fontRef idx="minor">
-      <a:schemeClr val="tx1">
-        <a:lumMod val="65000"/>
-        <a:lumOff val="35000"/>
-      </a:schemeClr>
-    </cs:fontRef>
-    <cs:spPr>
-      <a:ln w="9525">
-        <a:solidFill>
-          <a:schemeClr val="tx1">
-            <a:lumMod val="15000"/>
-            <a:lumOff val="85000"/>
-          </a:schemeClr>
-        </a:solidFill>
-      </a:ln>
-    </cs:spPr>
-    <cs:defRPr sz="1197" kern="1200"/>
-  </cs:dataTable>
-  <cs:downBar>
-    <cs:lnRef idx="0"/>
-    <cs:fillRef idx="0"/>
-    <cs:effectRef idx="0"/>
-    <cs:fontRef idx="minor">
-      <a:schemeClr val="dk1"/>
-    </cs:fontRef>
-    <cs:spPr>
-      <a:solidFill>
-        <a:schemeClr val="dk1">
-          <a:lumMod val="75000"/>
-          <a:lumOff val="25000"/>
-        </a:schemeClr>
-      </a:solidFill>
-      <a:ln w="9525">
-        <a:solidFill>
-          <a:schemeClr val="tx1">
-            <a:lumMod val="15000"/>
-            <a:lumOff val="85000"/>
-          </a:schemeClr>
-        </a:solidFill>
-      </a:ln>
-    </cs:spPr>
-  </cs:downBar>
-  <cs:dropLine>
-    <cs:lnRef idx="0"/>
-    <cs:fillRef idx="0"/>
-    <cs:effectRef idx="0"/>
-    <cs:fontRef idx="minor">
-      <a:schemeClr val="dk1"/>
-    </cs:fontRef>
-    <cs:spPr>
-      <a:ln w="9525">
-        <a:solidFill>
-          <a:schemeClr val="tx1">
-            <a:lumMod val="35000"/>
-            <a:lumOff val="65000"/>
-          </a:schemeClr>
-        </a:solidFill>
-      </a:ln>
-    </cs:spPr>
-  </cs:dropLine>
-  <cs:errorBar>
-    <cs:lnRef idx="0"/>
-    <cs:fillRef idx="0"/>
-    <cs:effectRef idx="0"/>
-    <cs:fontRef idx="minor">
-      <a:schemeClr val="dk1"/>
-    </cs:fontRef>
-    <cs:spPr>
-      <a:ln w="9525">
-        <a:solidFill>
-          <a:schemeClr val="tx1">
-            <a:lumMod val="65000"/>
-            <a:lumOff val="35000"/>
-          </a:schemeClr>
-        </a:solidFill>
-        <a:round/>
-      </a:ln>
-    </cs:spPr>
-  </cs:errorBar>
-  <cs:floor>
-    <cs:lnRef idx="0"/>
-    <cs:fillRef idx="0"/>
-    <cs:effectRef idx="0"/>
-    <cs:fontRef idx="minor">
-      <a:schemeClr val="dk1"/>
-    </cs:fontRef>
-  </cs:floor>
-  <cs:gridlineMajor>
-    <cs:lnRef idx="0"/>
-    <cs:fillRef idx="0"/>
-    <cs:effectRef idx="0"/>
-    <cs:fontRef idx="minor">
-      <a:schemeClr val="dk1"/>
-    </cs:fontRef>
-    <cs:spPr>
-      <a:ln w="9525" cap="flat" cmpd="sng" algn="ctr">
-        <a:solidFill>
-          <a:schemeClr val="tx1">
-            <a:lumMod val="15000"/>
-            <a:lumOff val="85000"/>
-          </a:schemeClr>
-        </a:solidFill>
-        <a:round/>
-      </a:ln>
-    </cs:spPr>
-  </cs:gridlineMajor>
-  <cs:gridlineMinor>
-    <cs:lnRef idx="0"/>
-    <cs:fillRef idx="0"/>
-    <cs:effectRef idx="0"/>
-    <cs:fontRef idx="minor">
-      <a:schemeClr val="dk1"/>
-    </cs:fontRef>
-    <cs:spPr>
-      <a:ln>
-        <a:solidFill>
-          <a:schemeClr val="tx1">
-            <a:lumMod val="5000"/>
-            <a:lumOff val="95000"/>
-          </a:schemeClr>
-        </a:solidFill>
-      </a:ln>
-    </cs:spPr>
-  </cs:gridlineMinor>
-  <cs:hiLoLine>
-    <cs:lnRef idx="0"/>
-    <cs:fillRef idx="0"/>
-    <cs:effectRef idx="0"/>
-    <cs:fontRef idx="minor">
-      <a:schemeClr val="dk1"/>
-    </cs:fontRef>
-    <cs:spPr>
-      <a:ln w="9525">
-        <a:solidFill>
-          <a:schemeClr val="tx1">
-            <a:lumMod val="50000"/>
-            <a:lumOff val="50000"/>
-          </a:schemeClr>
-        </a:solidFill>
-      </a:ln>
-    </cs:spPr>
-  </cs:hiLoLine>
-  <cs:leaderLine>
-    <cs:lnRef idx="0"/>
-    <cs:fillRef idx="0"/>
-    <cs:effectRef idx="0"/>
-    <cs:fontRef idx="minor">
-      <a:schemeClr val="dk1"/>
-    </cs:fontRef>
-    <cs:spPr>
-      <a:ln w="9525">
-        <a:solidFill>
-          <a:schemeClr val="tx1">
-            <a:lumMod val="35000"/>
-            <a:lumOff val="65000"/>
-          </a:schemeClr>
-        </a:solidFill>
-      </a:ln>
-    </cs:spPr>
-  </cs:leaderLine>
-  <cs:legend>
-    <cs:lnRef idx="0"/>
-    <cs:fillRef idx="0"/>
-    <cs:effectRef idx="0"/>
-    <cs:fontRef idx="minor">
-      <a:schemeClr val="tx1">
-        <a:lumMod val="65000"/>
-        <a:lumOff val="35000"/>
-      </a:schemeClr>
-    </cs:fontRef>
-    <cs:defRPr sz="1197" kern="1200"/>
-  </cs:legend>
-  <cs:plotArea mods="allowNoFillOverride allowNoLineOverride">
-    <cs:lnRef idx="0"/>
-    <cs:fillRef idx="0"/>
-    <cs:effectRef idx="0"/>
-    <cs:fontRef idx="minor">
-      <a:schemeClr val="dk1"/>
-    </cs:fontRef>
-  </cs:plotArea>
-  <cs:plotArea3D mods="allowNoFillOverride allowNoLineOverride">
-    <cs:lnRef idx="0"/>
-    <cs:fillRef idx="0"/>
-    <cs:effectRef idx="0"/>
-    <cs:fontRef idx="minor">
-      <a:schemeClr val="dk1"/>
-    </cs:fontRef>
-  </cs:plotArea3D>
-  <cs:seriesAxis>
-    <cs:lnRef idx="0"/>
-    <cs:fillRef idx="0"/>
-    <cs:effectRef idx="0"/>
-    <cs:fontRef idx="minor">
-      <a:schemeClr val="tx1">
-        <a:lumMod val="65000"/>
-        <a:lumOff val="35000"/>
-      </a:schemeClr>
-    </cs:fontRef>
-    <cs:spPr>
-      <a:ln w="9525" cap="flat" cmpd="sng" algn="ctr">
-        <a:solidFill>
-          <a:schemeClr val="tx1">
-            <a:lumMod val="15000"/>
-            <a:lumOff val="85000"/>
-          </a:schemeClr>
-        </a:solidFill>
-        <a:round/>
-      </a:ln>
-    </cs:spPr>
-    <cs:defRPr sz="1197" kern="1200"/>
-  </cs:seriesAxis>
-  <cs:seriesLine>
-    <cs:lnRef idx="0"/>
-    <cs:fillRef idx="0"/>
-    <cs:effectRef idx="0"/>
-    <cs:fontRef idx="minor">
-      <a:schemeClr val="dk1"/>
-    </cs:fontRef>
-    <cs:spPr>
-      <a:ln w="9525">
-        <a:solidFill>
-          <a:schemeClr val="tx1">
-            <a:lumMod val="35000"/>
-            <a:lumOff val="65000"/>
-          </a:schemeClr>
-        </a:solidFill>
-        <a:round/>
-      </a:ln>
-    </cs:spPr>
-  </cs:seriesLine>
-  <cs:title>
-    <cs:lnRef idx="0"/>
-    <cs:fillRef idx="0"/>
-    <cs:effectRef idx="0"/>
-    <cs:fontRef idx="minor">
-      <a:schemeClr val="tx1">
-        <a:lumMod val="65000"/>
-        <a:lumOff val="35000"/>
-      </a:schemeClr>
-    </cs:fontRef>
-    <cs:defRPr sz="2128" b="1" kern="1200" cap="all" spc="120" normalizeH="0" baseline="0"/>
-  </cs:title>
-  <cs:trendline>
-    <cs:lnRef idx="0">
-      <cs:styleClr val="auto"/>
-    </cs:lnRef>
-    <cs:fillRef idx="0"/>
-    <cs:effectRef idx="0"/>
-    <cs:fontRef idx="minor">
-      <a:schemeClr val="dk1"/>
-    </cs:fontRef>
-    <cs:spPr>
-      <a:ln w="19050" cap="rnd">
-        <a:solidFill>
-          <a:schemeClr val="phClr"/>
-        </a:solidFill>
-        <a:prstDash val="sysDash"/>
-      </a:ln>
-    </cs:spPr>
-  </cs:trendline>
-  <cs:trendlineLabel>
-    <cs:lnRef idx="0"/>
-    <cs:fillRef idx="0"/>
-    <cs:effectRef idx="0"/>
-    <cs:fontRef idx="minor">
-      <a:schemeClr val="tx1">
-        <a:lumMod val="65000"/>
-        <a:lumOff val="35000"/>
-      </a:schemeClr>
-    </cs:fontRef>
-    <cs:defRPr sz="1064" kern="1200"/>
-  </cs:trendlineLabel>
-  <cs:upBar>
-    <cs:lnRef idx="0"/>
-    <cs:fillRef idx="0"/>
-    <cs:effectRef idx="0"/>
-    <cs:fontRef idx="minor">
-      <a:schemeClr val="dk1"/>
-    </cs:fontRef>
-    <cs:spPr>
-      <a:solidFill>
-        <a:schemeClr val="lt1"/>
-      </a:solidFill>
-      <a:ln w="9525">
-        <a:solidFill>
-          <a:schemeClr val="tx1">
-            <a:lumMod val="65000"/>
-            <a:lumOff val="35000"/>
-          </a:schemeClr>
-        </a:solidFill>
-      </a:ln>
-    </cs:spPr>
-  </cs:upBar>
-  <cs:valueAxis>
-    <cs:lnRef idx="0"/>
-    <cs:fillRef idx="0"/>
-    <cs:effectRef idx="0"/>
-    <cs:fontRef idx="minor">
-      <a:schemeClr val="tx1">
-        <a:lumMod val="65000"/>
-        <a:lumOff val="35000"/>
-      </a:schemeClr>
-    </cs:fontRef>
-    <cs:spPr>
-      <a:ln w="9525" cap="flat" cmpd="sng" algn="ctr">
-        <a:solidFill>
-          <a:schemeClr val="dk1">
-            <a:lumMod val="15000"/>
-            <a:lumOff val="85000"/>
-          </a:schemeClr>
-        </a:solidFill>
-        <a:round/>
-      </a:ln>
-    </cs:spPr>
-    <cs:defRPr sz="1197" kern="1200"/>
-  </cs:valueAxis>
-  <cs:wall>
-    <cs:lnRef idx="0"/>
-    <cs:fillRef idx="0"/>
-    <cs:effectRef idx="0"/>
-    <cs:fontRef idx="minor">
-      <a:schemeClr val="dk1"/>
-    </cs:fontRef>
-  </cs:wall>
-</cs:chartStyle>
+<file path=ppt/revisionInfo.xml><?xml version="1.0" encoding="utf-8"?>
+<p1510:revInfo xmlns:a="http://schemas.openxmlformats.org/drawingml/2006/main" xmlns:r="http://schemas.openxmlformats.org/officeDocument/2006/relationships" xmlns:p1510="http://schemas.microsoft.com/office/powerpoint/2015/10/main">
+  <p1510:revLst>
+    <p1510:client id="{13A482CC-584D-FAF1-8948-A43C84D2BEA5}" v="257" dt="2024-05-07T07:18:34.779"/>
+    <p1510:client id="{1DE67E95-2A8A-4D4A-B9BC-57959E2AD5A5}" v="504" dt="2024-05-07T19:40:05.519"/>
+    <p1510:client id="{1FE430D7-EFC3-A324-E9AC-62F7A606CDC9}" v="1100" dt="2024-05-07T05:31:59.958"/>
+    <p1510:client id="{20E4C21E-92EF-B89A-A913-05B9E40054F8}" v="925" dt="2024-05-07T21:01:37.286"/>
+    <p1510:client id="{2C40B9D7-1915-AD9B-73A5-46150C525AFB}" v="107" dt="2024-05-07T15:20:14.148"/>
+    <p1510:client id="{327FF15F-FD0D-D2BB-CC21-D7A86DC23A3B}" v="120" dt="2024-05-07T16:53:05.137"/>
+    <p1510:client id="{35E3299C-FA91-F199-4104-C0C1FBAC97AF}" v="100" dt="2024-05-07T07:28:25.256"/>
+    <p1510:client id="{365830A6-EFB5-7E7F-056A-7CAA63A8C847}" v="15" dt="2024-05-06T21:25:38.942"/>
+    <p1510:client id="{527E30C6-A5A6-F869-1E37-63BE65D4CCF9}" v="91" dt="2024-05-07T21:08:14.937"/>
+    <p1510:client id="{5CD4BE8E-EC61-27BB-98FB-2F81A2590773}" v="59" dt="2024-05-07T16:01:19.975"/>
+    <p1510:client id="{BBB0E5E5-590C-5839-3A5A-EE5233884BEC}" v="242" dt="2024-05-07T21:56:33.275"/>
+    <p1510:client id="{C764F177-000C-B5A9-E2DA-9D62B1144D1C}" v="89" dt="2024-05-07T00:27:19.763"/>
+    <p1510:client id="{F0762CED-3DDB-A6DB-26FD-B3AA15F5B2F2}" v="68" dt="2024-05-07T19:46:50.402"/>
+    <p1510:client id="{F2E0A331-CEF5-CBE5-9373-5E013014EB7A}" v="502" dt="2024-05-07T21:38:29.737"/>
+  </p1510:revLst>
+</p1510:revInfo>
 </file>
 
 <file path=ppt/diagrams/colors1.xml><?xml version="1.0" encoding="utf-8"?>
@@ -2104,9 +972,12 @@
         <a:lstStyle/>
         <a:p>
           <a:r>
-            <a:rPr lang="en-US" dirty="0"/>
-            <a:t>Step 1</a:t>
+            <a:rPr lang="en-US">
+              <a:latin typeface="Franklin Gothic Medium"/>
+            </a:rPr>
+            <a:t>Extract</a:t>
           </a:r>
+          <a:endParaRPr lang="en-US"/>
         </a:p>
       </dgm:t>
     </dgm:pt>
@@ -2133,16 +1004,20 @@
       </dgm:t>
     </dgm:pt>
     <dgm:pt modelId="{743FE7B1-011B-42E6-8768-1EB3E95741FA}">
-      <dgm:prSet phldrT="[Text]"/>
+      <dgm:prSet phldrT="[Text]" phldr="0"/>
       <dgm:spPr/>
       <dgm:t>
         <a:bodyPr/>
         <a:lstStyle/>
         <a:p>
+          <a:pPr rtl="0"/>
           <a:r>
-            <a:rPr lang="en-US" dirty="0"/>
-            <a:t>Task Description</a:t>
+            <a:rPr lang="en-US">
+              <a:latin typeface="Franklin Gothic Medium"/>
+            </a:rPr>
+            <a:t>Extract data from sources</a:t>
           </a:r>
+          <a:endParaRPr lang="en-US"/>
         </a:p>
       </dgm:t>
     </dgm:pt>
@@ -2168,42 +1043,6 @@
         </a:p>
       </dgm:t>
     </dgm:pt>
-    <dgm:pt modelId="{DA33CDF4-5B94-4B92-9E0A-4DFD4CBFAF2D}">
-      <dgm:prSet phldrT="[Text]"/>
-      <dgm:spPr/>
-      <dgm:t>
-        <a:bodyPr/>
-        <a:lstStyle/>
-        <a:p>
-          <a:r>
-            <a:rPr lang="en-US" dirty="0"/>
-            <a:t>Task Description</a:t>
-          </a:r>
-        </a:p>
-      </dgm:t>
-    </dgm:pt>
-    <dgm:pt modelId="{B7ECB8E0-4CD3-4804-BE8C-5260A5083C57}" type="parTrans" cxnId="{88A87FA6-C1EB-4109-9B9E-2FE10DE80F14}">
-      <dgm:prSet/>
-      <dgm:spPr/>
-      <dgm:t>
-        <a:bodyPr/>
-        <a:lstStyle/>
-        <a:p>
-          <a:endParaRPr lang="en-US"/>
-        </a:p>
-      </dgm:t>
-    </dgm:pt>
-    <dgm:pt modelId="{D3EF4DE2-351E-4A5C-980A-1BBDC899AAC2}" type="sibTrans" cxnId="{88A87FA6-C1EB-4109-9B9E-2FE10DE80F14}">
-      <dgm:prSet/>
-      <dgm:spPr/>
-      <dgm:t>
-        <a:bodyPr/>
-        <a:lstStyle/>
-        <a:p>
-          <a:endParaRPr lang="en-US"/>
-        </a:p>
-      </dgm:t>
-    </dgm:pt>
     <dgm:pt modelId="{DB6AA457-F75F-415D-BDD5-92045774FE4B}">
       <dgm:prSet phldrT="[Text]"/>
       <dgm:spPr/>
@@ -2212,9 +1051,12 @@
         <a:lstStyle/>
         <a:p>
           <a:r>
-            <a:rPr lang="en-US" dirty="0"/>
-            <a:t>Step 2</a:t>
+            <a:rPr lang="en-US">
+              <a:latin typeface="Franklin Gothic Medium"/>
+            </a:rPr>
+            <a:t>Load</a:t>
           </a:r>
+          <a:endParaRPr lang="en-US"/>
         </a:p>
       </dgm:t>
     </dgm:pt>
@@ -2247,10 +1089,14 @@
         <a:bodyPr/>
         <a:lstStyle/>
         <a:p>
+          <a:pPr rtl="0"/>
           <a:r>
-            <a:rPr lang="en-US" dirty="0"/>
-            <a:t>Task Description</a:t>
+            <a:rPr lang="en-US">
+              <a:latin typeface="Franklin Gothic Medium"/>
+            </a:rPr>
+            <a:t>Load data to DW</a:t>
           </a:r>
+          <a:endParaRPr lang="en-US"/>
         </a:p>
       </dgm:t>
     </dgm:pt>
@@ -2276,42 +1122,6 @@
         </a:p>
       </dgm:t>
     </dgm:pt>
-    <dgm:pt modelId="{3FE03ED9-3066-4E28-8291-0B1764DC85D6}">
-      <dgm:prSet phldrT="[Text]"/>
-      <dgm:spPr/>
-      <dgm:t>
-        <a:bodyPr/>
-        <a:lstStyle/>
-        <a:p>
-          <a:r>
-            <a:rPr lang="en-US" dirty="0"/>
-            <a:t>Task Description</a:t>
-          </a:r>
-        </a:p>
-      </dgm:t>
-    </dgm:pt>
-    <dgm:pt modelId="{70F79093-990B-4C69-A0BC-6E28D692D24F}" type="parTrans" cxnId="{EF7A2011-FCAC-41A8-A305-634BF780B59D}">
-      <dgm:prSet/>
-      <dgm:spPr/>
-      <dgm:t>
-        <a:bodyPr/>
-        <a:lstStyle/>
-        <a:p>
-          <a:endParaRPr lang="en-US"/>
-        </a:p>
-      </dgm:t>
-    </dgm:pt>
-    <dgm:pt modelId="{2D17DCF5-1F10-4F99-AFA5-9D17F12D0A73}" type="sibTrans" cxnId="{EF7A2011-FCAC-41A8-A305-634BF780B59D}">
-      <dgm:prSet/>
-      <dgm:spPr/>
-      <dgm:t>
-        <a:bodyPr/>
-        <a:lstStyle/>
-        <a:p>
-          <a:endParaRPr lang="en-US"/>
-        </a:p>
-      </dgm:t>
-    </dgm:pt>
     <dgm:pt modelId="{C3DC95A2-4D92-42C5-966E-8600E4BA31BD}">
       <dgm:prSet phldrT="[Text]"/>
       <dgm:spPr/>
@@ -2320,9 +1130,12 @@
         <a:lstStyle/>
         <a:p>
           <a:r>
-            <a:rPr lang="en-US" dirty="0"/>
-            <a:t>Step 3</a:t>
+            <a:rPr lang="en-US">
+              <a:latin typeface="Franklin Gothic Medium"/>
+            </a:rPr>
+            <a:t>Transformation</a:t>
           </a:r>
+          <a:endParaRPr lang="en-US"/>
         </a:p>
       </dgm:t>
     </dgm:pt>
@@ -2355,10 +1168,14 @@
         <a:bodyPr/>
         <a:lstStyle/>
         <a:p>
+          <a:pPr rtl="0"/>
           <a:r>
-            <a:rPr lang="en-US" dirty="0"/>
-            <a:t>Task Description</a:t>
+            <a:rPr lang="en-US">
+              <a:latin typeface="Franklin Gothic Medium"/>
+            </a:rPr>
+            <a:t>Data transformation</a:t>
           </a:r>
+          <a:endParaRPr lang="en-US"/>
         </a:p>
       </dgm:t>
     </dgm:pt>
@@ -2384,42 +1201,6 @@
         </a:p>
       </dgm:t>
     </dgm:pt>
-    <dgm:pt modelId="{B5387FF0-0982-441E-9F8E-19335142671C}">
-      <dgm:prSet phldrT="[Text]"/>
-      <dgm:spPr/>
-      <dgm:t>
-        <a:bodyPr/>
-        <a:lstStyle/>
-        <a:p>
-          <a:r>
-            <a:rPr lang="en-US" dirty="0"/>
-            <a:t>Task Description</a:t>
-          </a:r>
-        </a:p>
-      </dgm:t>
-    </dgm:pt>
-    <dgm:pt modelId="{FE9534D2-E5E4-4494-A37E-5724362DB3AC}" type="parTrans" cxnId="{7F70C7BE-72E8-441E-B7CF-522ADEA91ECB}">
-      <dgm:prSet/>
-      <dgm:spPr/>
-      <dgm:t>
-        <a:bodyPr/>
-        <a:lstStyle/>
-        <a:p>
-          <a:endParaRPr lang="en-US"/>
-        </a:p>
-      </dgm:t>
-    </dgm:pt>
-    <dgm:pt modelId="{0DB486FB-DB2E-4894-89D1-AA4679580390}" type="sibTrans" cxnId="{7F70C7BE-72E8-441E-B7CF-522ADEA91ECB}">
-      <dgm:prSet/>
-      <dgm:spPr/>
-      <dgm:t>
-        <a:bodyPr/>
-        <a:lstStyle/>
-        <a:p>
-          <a:endParaRPr lang="en-US"/>
-        </a:p>
-      </dgm:t>
-    </dgm:pt>
     <dgm:pt modelId="{31D3AE5D-DA06-4E2D-9D68-F5531DFE7C2B}" type="pres">
       <dgm:prSet presAssocID="{CD5204CD-6958-4A55-82AA-4AD73B3B6A19}" presName="Name0" presStyleCnt="0">
         <dgm:presLayoutVars>
@@ -2430,32 +1211,24 @@
       </dgm:prSet>
       <dgm:spPr/>
     </dgm:pt>
-    <dgm:pt modelId="{127AFF01-F37D-42CC-8885-1689151201CD}" type="pres">
+    <dgm:pt modelId="{26057D0F-C473-4CF3-90A5-20356BD5ED62}" type="pres">
       <dgm:prSet presAssocID="{C3DC95A2-4D92-42C5-966E-8600E4BA31BD}" presName="boxAndChildren" presStyleCnt="0"/>
       <dgm:spPr/>
     </dgm:pt>
-    <dgm:pt modelId="{588D9B7D-EC68-4FB0-96F2-2E47AC868059}" type="pres">
+    <dgm:pt modelId="{20A8DB01-6545-471D-9BC8-9C4C6B1B522A}" type="pres">
       <dgm:prSet presAssocID="{C3DC95A2-4D92-42C5-966E-8600E4BA31BD}" presName="parentTextBox" presStyleLbl="node1" presStyleIdx="0" presStyleCnt="3"/>
       <dgm:spPr/>
     </dgm:pt>
-    <dgm:pt modelId="{B752F9F5-2482-4D52-A33E-BE0263F4B0EA}" type="pres">
+    <dgm:pt modelId="{16EB01C4-889D-4FC5-A806-CEA55E6AAE9B}" type="pres">
       <dgm:prSet presAssocID="{C3DC95A2-4D92-42C5-966E-8600E4BA31BD}" presName="entireBox" presStyleLbl="node1" presStyleIdx="0" presStyleCnt="3"/>
       <dgm:spPr/>
     </dgm:pt>
-    <dgm:pt modelId="{2DA8AD2F-BF50-4911-9A17-8274766C00A6}" type="pres">
+    <dgm:pt modelId="{8CD05808-4679-4F90-9342-5C432A2944EE}" type="pres">
       <dgm:prSet presAssocID="{C3DC95A2-4D92-42C5-966E-8600E4BA31BD}" presName="descendantBox" presStyleCnt="0"/>
       <dgm:spPr/>
     </dgm:pt>
-    <dgm:pt modelId="{C4F2ADBF-C592-483D-A6FF-5DB9D2A90309}" type="pres">
-      <dgm:prSet presAssocID="{17ACD041-408C-4E7D-B463-7267D32756A1}" presName="childTextBox" presStyleLbl="fgAccFollowNode1" presStyleIdx="0" presStyleCnt="6">
-        <dgm:presLayoutVars>
-          <dgm:bulletEnabled val="1"/>
-        </dgm:presLayoutVars>
-      </dgm:prSet>
-      <dgm:spPr/>
-    </dgm:pt>
-    <dgm:pt modelId="{0F0AC827-ACAE-4C23-875D-A4B53006A73F}" type="pres">
-      <dgm:prSet presAssocID="{B5387FF0-0982-441E-9F8E-19335142671C}" presName="childTextBox" presStyleLbl="fgAccFollowNode1" presStyleIdx="1" presStyleCnt="6">
+    <dgm:pt modelId="{0B8084BA-9F70-4094-96D0-F2481AF68F0C}" type="pres">
+      <dgm:prSet presAssocID="{17ACD041-408C-4E7D-B463-7267D32756A1}" presName="childTextBox" presStyleLbl="fgAccFollowNode1" presStyleIdx="0" presStyleCnt="3">
         <dgm:presLayoutVars>
           <dgm:bulletEnabled val="1"/>
         </dgm:presLayoutVars>
@@ -2483,15 +1256,7 @@
       <dgm:spPr/>
     </dgm:pt>
     <dgm:pt modelId="{A8E0F749-66B2-490B-99E9-CC106B163B16}" type="pres">
-      <dgm:prSet presAssocID="{99C943DF-AAA4-4E2C-A283-FA2BF761F447}" presName="childTextArrow" presStyleLbl="fgAccFollowNode1" presStyleIdx="2" presStyleCnt="6">
-        <dgm:presLayoutVars>
-          <dgm:bulletEnabled val="1"/>
-        </dgm:presLayoutVars>
-      </dgm:prSet>
-      <dgm:spPr/>
-    </dgm:pt>
-    <dgm:pt modelId="{A6EE397C-6C28-4128-BFFE-CFF44F70153F}" type="pres">
-      <dgm:prSet presAssocID="{3FE03ED9-3066-4E28-8291-0B1764DC85D6}" presName="childTextArrow" presStyleLbl="fgAccFollowNode1" presStyleIdx="3" presStyleCnt="6">
+      <dgm:prSet presAssocID="{99C943DF-AAA4-4E2C-A283-FA2BF761F447}" presName="childTextArrow" presStyleLbl="fgAccFollowNode1" presStyleIdx="1" presStyleCnt="3">
         <dgm:presLayoutVars>
           <dgm:bulletEnabled val="1"/>
         </dgm:presLayoutVars>
@@ -2519,15 +1284,7 @@
       <dgm:spPr/>
     </dgm:pt>
     <dgm:pt modelId="{59FFE57C-E5F2-4FBD-AA4D-8DB27381892F}" type="pres">
-      <dgm:prSet presAssocID="{743FE7B1-011B-42E6-8768-1EB3E95741FA}" presName="childTextArrow" presStyleLbl="fgAccFollowNode1" presStyleIdx="4" presStyleCnt="6">
-        <dgm:presLayoutVars>
-          <dgm:bulletEnabled val="1"/>
-        </dgm:presLayoutVars>
-      </dgm:prSet>
-      <dgm:spPr/>
-    </dgm:pt>
-    <dgm:pt modelId="{3EC7D028-ECEA-492B-A6F1-68E9B57B69C6}" type="pres">
-      <dgm:prSet presAssocID="{DA33CDF4-5B94-4B92-9E0A-4DFD4CBFAF2D}" presName="childTextArrow" presStyleLbl="fgAccFollowNode1" presStyleIdx="5" presStyleCnt="6">
+      <dgm:prSet presAssocID="{743FE7B1-011B-42E6-8768-1EB3E95741FA}" presName="childTextArrow" presStyleLbl="fgAccFollowNode1" presStyleIdx="2" presStyleCnt="3">
         <dgm:presLayoutVars>
           <dgm:bulletEnabled val="1"/>
         </dgm:presLayoutVars>
@@ -2536,48 +1293,39 @@
     </dgm:pt>
   </dgm:ptLst>
   <dgm:cxnLst>
-    <dgm:cxn modelId="{9316510D-13B4-4805-A422-3ADE472E3CED}" type="presOf" srcId="{17ACD041-408C-4E7D-B463-7267D32756A1}" destId="{C4F2ADBF-C592-483D-A6FF-5DB9D2A90309}" srcOrd="0" destOrd="0" presId="urn:microsoft.com/office/officeart/2005/8/layout/process4"/>
-    <dgm:cxn modelId="{EF7A2011-FCAC-41A8-A305-634BF780B59D}" srcId="{DB6AA457-F75F-415D-BDD5-92045774FE4B}" destId="{3FE03ED9-3066-4E28-8291-0B1764DC85D6}" srcOrd="1" destOrd="0" parTransId="{70F79093-990B-4C69-A0BC-6E28D692D24F}" sibTransId="{2D17DCF5-1F10-4F99-AFA5-9D17F12D0A73}"/>
-    <dgm:cxn modelId="{1D511413-BA69-4C30-A06E-819D3DD30080}" type="presOf" srcId="{743FE7B1-011B-42E6-8768-1EB3E95741FA}" destId="{59FFE57C-E5F2-4FBD-AA4D-8DB27381892F}" srcOrd="0" destOrd="0" presId="urn:microsoft.com/office/officeart/2005/8/layout/process4"/>
-    <dgm:cxn modelId="{0ED8DE1E-44AE-4D6E-B272-36A837D116F5}" type="presOf" srcId="{DB6AA457-F75F-415D-BDD5-92045774FE4B}" destId="{80AD606B-F25E-46DF-B405-18F7D2EAE74A}" srcOrd="1" destOrd="0" presId="urn:microsoft.com/office/officeart/2005/8/layout/process4"/>
+    <dgm:cxn modelId="{8B7A6505-1FB7-498E-9604-5F79F144A361}" type="presOf" srcId="{C3DC95A2-4D92-42C5-966E-8600E4BA31BD}" destId="{16EB01C4-889D-4FC5-A806-CEA55E6AAE9B}" srcOrd="1" destOrd="0" presId="urn:microsoft.com/office/officeart/2005/8/layout/process4"/>
+    <dgm:cxn modelId="{608F4413-CA19-4F52-A5C3-58A1C45A4E01}" type="presOf" srcId="{C3DC95A2-4D92-42C5-966E-8600E4BA31BD}" destId="{20A8DB01-6545-471D-9BC8-9C4C6B1B522A}" srcOrd="0" destOrd="0" presId="urn:microsoft.com/office/officeart/2005/8/layout/process4"/>
+    <dgm:cxn modelId="{CB85B926-7413-4A18-82CD-C9A748B97513}" type="presOf" srcId="{17ACD041-408C-4E7D-B463-7267D32756A1}" destId="{0B8084BA-9F70-4094-96D0-F2481AF68F0C}" srcOrd="0" destOrd="0" presId="urn:microsoft.com/office/officeart/2005/8/layout/process4"/>
     <dgm:cxn modelId="{6D29C741-1B1E-4EBC-A0C7-F287A8ED285A}" srcId="{C712D637-7FF1-401C-9304-F85D1B95B226}" destId="{743FE7B1-011B-42E6-8768-1EB3E95741FA}" srcOrd="0" destOrd="0" parTransId="{921AFB12-2D70-40FB-8AB1-299E0FF2C5A6}" sibTransId="{FFAF77DD-A644-4C36-8908-6204BB0D9268}"/>
     <dgm:cxn modelId="{9653D664-EC18-40D7-9F5E-3B27A70DCA4D}" srcId="{CD5204CD-6958-4A55-82AA-4AD73B3B6A19}" destId="{C712D637-7FF1-401C-9304-F85D1B95B226}" srcOrd="0" destOrd="0" parTransId="{05E1DD5C-7FEF-48F0-9651-C74D082ACBA9}" sibTransId="{F14B97BF-E90F-4D5A-A42B-6364BCB81249}"/>
-    <dgm:cxn modelId="{2F493247-DD71-42E2-BA13-315F9C6D9D25}" type="presOf" srcId="{C712D637-7FF1-401C-9304-F85D1B95B226}" destId="{A48265CE-F3A3-46DB-9DD2-97590B4DBB84}" srcOrd="1" destOrd="0" presId="urn:microsoft.com/office/officeart/2005/8/layout/process4"/>
     <dgm:cxn modelId="{F9232B4D-645E-4C93-A5D6-A89B30504327}" srcId="{DB6AA457-F75F-415D-BDD5-92045774FE4B}" destId="{99C943DF-AAA4-4E2C-A283-FA2BF761F447}" srcOrd="0" destOrd="0" parTransId="{20F107AF-35DA-4D25-AB35-B8AD821D3FE7}" sibTransId="{4802CB64-7B32-458C-A9FF-C35C0A51E69A}"/>
     <dgm:cxn modelId="{93F76B4F-907D-4630-B1A9-C3BE3C102DFF}" srcId="{CD5204CD-6958-4A55-82AA-4AD73B3B6A19}" destId="{DB6AA457-F75F-415D-BDD5-92045774FE4B}" srcOrd="1" destOrd="0" parTransId="{195DBB62-3C1E-4BED-ADB6-6E31CA6ABD63}" sibTransId="{C684833D-85CC-4010-A138-ABC65E139C69}"/>
-    <dgm:cxn modelId="{8C9BD688-12E5-4F5A-8BDA-E772A4740AB3}" type="presOf" srcId="{C712D637-7FF1-401C-9304-F85D1B95B226}" destId="{859CA2CA-8A33-4975-9F01-7A3C8BB729DE}" srcOrd="0" destOrd="0" presId="urn:microsoft.com/office/officeart/2005/8/layout/process4"/>
-    <dgm:cxn modelId="{6E6CA696-8B54-476F-8D51-CE9ECC050E3A}" type="presOf" srcId="{DA33CDF4-5B94-4B92-9E0A-4DFD4CBFAF2D}" destId="{3EC7D028-ECEA-492B-A6F1-68E9B57B69C6}" srcOrd="0" destOrd="0" presId="urn:microsoft.com/office/officeart/2005/8/layout/process4"/>
-    <dgm:cxn modelId="{4BC4F29C-6AF5-4F17-9CDA-1468FA88B1A3}" type="presOf" srcId="{B5387FF0-0982-441E-9F8E-19335142671C}" destId="{0F0AC827-ACAE-4C23-875D-A4B53006A73F}" srcOrd="0" destOrd="0" presId="urn:microsoft.com/office/officeart/2005/8/layout/process4"/>
-    <dgm:cxn modelId="{88A87FA6-C1EB-4109-9B9E-2FE10DE80F14}" srcId="{C712D637-7FF1-401C-9304-F85D1B95B226}" destId="{DA33CDF4-5B94-4B92-9E0A-4DFD4CBFAF2D}" srcOrd="1" destOrd="0" parTransId="{B7ECB8E0-4CD3-4804-BE8C-5260A5083C57}" sibTransId="{D3EF4DE2-351E-4A5C-980A-1BBDC899AAC2}"/>
-    <dgm:cxn modelId="{C5225FAC-9385-411A-BFDD-CA9618BF9F59}" type="presOf" srcId="{C3DC95A2-4D92-42C5-966E-8600E4BA31BD}" destId="{588D9B7D-EC68-4FB0-96F2-2E47AC868059}" srcOrd="0" destOrd="0" presId="urn:microsoft.com/office/officeart/2005/8/layout/process4"/>
-    <dgm:cxn modelId="{0CE79BAC-C717-4253-9B80-C8A96B03C6F6}" type="presOf" srcId="{DB6AA457-F75F-415D-BDD5-92045774FE4B}" destId="{7371425A-4D37-4FA7-A21E-1529F4324E45}" srcOrd="0" destOrd="0" presId="urn:microsoft.com/office/officeart/2005/8/layout/process4"/>
-    <dgm:cxn modelId="{0203F2AF-F4DC-42DB-872C-0270CF20114A}" type="presOf" srcId="{C3DC95A2-4D92-42C5-966E-8600E4BA31BD}" destId="{B752F9F5-2482-4D52-A33E-BE0263F4B0EA}" srcOrd="1" destOrd="0" presId="urn:microsoft.com/office/officeart/2005/8/layout/process4"/>
+    <dgm:cxn modelId="{A5073A5A-2BFA-4F28-B4E3-BB7FE0DF39DB}" type="presOf" srcId="{C712D637-7FF1-401C-9304-F85D1B95B226}" destId="{859CA2CA-8A33-4975-9F01-7A3C8BB729DE}" srcOrd="0" destOrd="0" presId="urn:microsoft.com/office/officeart/2005/8/layout/process4"/>
+    <dgm:cxn modelId="{E433888B-88DD-482C-AFB4-6ED19131745E}" type="presOf" srcId="{99C943DF-AAA4-4E2C-A283-FA2BF761F447}" destId="{A8E0F749-66B2-490B-99E9-CC106B163B16}" srcOrd="0" destOrd="0" presId="urn:microsoft.com/office/officeart/2005/8/layout/process4"/>
     <dgm:cxn modelId="{8F9C94B8-2722-4DFB-8419-922357272B6B}" type="presOf" srcId="{CD5204CD-6958-4A55-82AA-4AD73B3B6A19}" destId="{31D3AE5D-DA06-4E2D-9D68-F5531DFE7C2B}" srcOrd="0" destOrd="0" presId="urn:microsoft.com/office/officeart/2005/8/layout/process4"/>
-    <dgm:cxn modelId="{475DCDBB-49D7-4466-968D-3F0CC3924852}" type="presOf" srcId="{99C943DF-AAA4-4E2C-A283-FA2BF761F447}" destId="{A8E0F749-66B2-490B-99E9-CC106B163B16}" srcOrd="0" destOrd="0" presId="urn:microsoft.com/office/officeart/2005/8/layout/process4"/>
-    <dgm:cxn modelId="{7F70C7BE-72E8-441E-B7CF-522ADEA91ECB}" srcId="{C3DC95A2-4D92-42C5-966E-8600E4BA31BD}" destId="{B5387FF0-0982-441E-9F8E-19335142671C}" srcOrd="1" destOrd="0" parTransId="{FE9534D2-E5E4-4494-A37E-5724362DB3AC}" sibTransId="{0DB486FB-DB2E-4894-89D1-AA4679580390}"/>
-    <dgm:cxn modelId="{CAE3D8D7-871D-4B8C-B4F6-79D747E55EE8}" type="presOf" srcId="{3FE03ED9-3066-4E28-8291-0B1764DC85D6}" destId="{A6EE397C-6C28-4128-BFFE-CFF44F70153F}" srcOrd="0" destOrd="0" presId="urn:microsoft.com/office/officeart/2005/8/layout/process4"/>
+    <dgm:cxn modelId="{A0AC7FB9-C7ED-41C9-9AC4-9E8AD3780204}" type="presOf" srcId="{C712D637-7FF1-401C-9304-F85D1B95B226}" destId="{A48265CE-F3A3-46DB-9DD2-97590B4DBB84}" srcOrd="1" destOrd="0" presId="urn:microsoft.com/office/officeart/2005/8/layout/process4"/>
+    <dgm:cxn modelId="{C2D7EEDD-C196-4F09-A481-44CE66E8C604}" type="presOf" srcId="{DB6AA457-F75F-415D-BDD5-92045774FE4B}" destId="{80AD606B-F25E-46DF-B405-18F7D2EAE74A}" srcOrd="1" destOrd="0" presId="urn:microsoft.com/office/officeart/2005/8/layout/process4"/>
+    <dgm:cxn modelId="{F50A0CE1-0D39-45E0-B663-815AE2F21269}" type="presOf" srcId="{743FE7B1-011B-42E6-8768-1EB3E95741FA}" destId="{59FFE57C-E5F2-4FBD-AA4D-8DB27381892F}" srcOrd="0" destOrd="0" presId="urn:microsoft.com/office/officeart/2005/8/layout/process4"/>
     <dgm:cxn modelId="{8A476EEB-6A39-4004-AD8C-BD56913E7B26}" srcId="{CD5204CD-6958-4A55-82AA-4AD73B3B6A19}" destId="{C3DC95A2-4D92-42C5-966E-8600E4BA31BD}" srcOrd="2" destOrd="0" parTransId="{F9D94033-59E5-4228-A5F3-6CB272E77E3B}" sibTransId="{A43E3114-C8AC-4F44-952D-8A0D6A8A6B45}"/>
+    <dgm:cxn modelId="{84ADFDF2-EEFB-490C-8A41-27CD7137D2E6}" type="presOf" srcId="{DB6AA457-F75F-415D-BDD5-92045774FE4B}" destId="{7371425A-4D37-4FA7-A21E-1529F4324E45}" srcOrd="0" destOrd="0" presId="urn:microsoft.com/office/officeart/2005/8/layout/process4"/>
     <dgm:cxn modelId="{EBCDDEFB-4955-4864-90AB-7D693BE5DA0A}" srcId="{C3DC95A2-4D92-42C5-966E-8600E4BA31BD}" destId="{17ACD041-408C-4E7D-B463-7267D32756A1}" srcOrd="0" destOrd="0" parTransId="{209FC651-3F8E-4BF8-8C06-328027667041}" sibTransId="{A6AA8096-532A-4378-9BB6-B585B46357E5}"/>
-    <dgm:cxn modelId="{598A8450-75AF-481D-9841-1D23F9884FD1}" type="presParOf" srcId="{31D3AE5D-DA06-4E2D-9D68-F5531DFE7C2B}" destId="{127AFF01-F37D-42CC-8885-1689151201CD}" srcOrd="0" destOrd="0" presId="urn:microsoft.com/office/officeart/2005/8/layout/process4"/>
-    <dgm:cxn modelId="{DA7B1C90-E6CA-4055-851A-0557606EBDAC}" type="presParOf" srcId="{127AFF01-F37D-42CC-8885-1689151201CD}" destId="{588D9B7D-EC68-4FB0-96F2-2E47AC868059}" srcOrd="0" destOrd="0" presId="urn:microsoft.com/office/officeart/2005/8/layout/process4"/>
-    <dgm:cxn modelId="{0E7073F3-923D-4ED6-B41B-384A82C8C200}" type="presParOf" srcId="{127AFF01-F37D-42CC-8885-1689151201CD}" destId="{B752F9F5-2482-4D52-A33E-BE0263F4B0EA}" srcOrd="1" destOrd="0" presId="urn:microsoft.com/office/officeart/2005/8/layout/process4"/>
-    <dgm:cxn modelId="{34DACDD9-579D-484A-A6CA-92F20AC63C35}" type="presParOf" srcId="{127AFF01-F37D-42CC-8885-1689151201CD}" destId="{2DA8AD2F-BF50-4911-9A17-8274766C00A6}" srcOrd="2" destOrd="0" presId="urn:microsoft.com/office/officeart/2005/8/layout/process4"/>
-    <dgm:cxn modelId="{CE9F8C4F-B92C-4259-B12C-1B419BF89D38}" type="presParOf" srcId="{2DA8AD2F-BF50-4911-9A17-8274766C00A6}" destId="{C4F2ADBF-C592-483D-A6FF-5DB9D2A90309}" srcOrd="0" destOrd="0" presId="urn:microsoft.com/office/officeart/2005/8/layout/process4"/>
-    <dgm:cxn modelId="{02D123F8-1DC9-4E29-B79E-8AF74BABCE28}" type="presParOf" srcId="{2DA8AD2F-BF50-4911-9A17-8274766C00A6}" destId="{0F0AC827-ACAE-4C23-875D-A4B53006A73F}" srcOrd="1" destOrd="0" presId="urn:microsoft.com/office/officeart/2005/8/layout/process4"/>
-    <dgm:cxn modelId="{47EA5B00-FECA-4EA3-8858-020831D68EBC}" type="presParOf" srcId="{31D3AE5D-DA06-4E2D-9D68-F5531DFE7C2B}" destId="{7F8DEC81-0DCB-4545-8129-1A1632B41B5E}" srcOrd="1" destOrd="0" presId="urn:microsoft.com/office/officeart/2005/8/layout/process4"/>
-    <dgm:cxn modelId="{F9086655-70F6-4D62-803D-9FB2B9CECBD7}" type="presParOf" srcId="{31D3AE5D-DA06-4E2D-9D68-F5531DFE7C2B}" destId="{33200553-5A1C-45F1-A422-26ECCEDBD439}" srcOrd="2" destOrd="0" presId="urn:microsoft.com/office/officeart/2005/8/layout/process4"/>
-    <dgm:cxn modelId="{F9C4E479-1A12-49B4-840E-90ED42B6D93D}" type="presParOf" srcId="{33200553-5A1C-45F1-A422-26ECCEDBD439}" destId="{7371425A-4D37-4FA7-A21E-1529F4324E45}" srcOrd="0" destOrd="0" presId="urn:microsoft.com/office/officeart/2005/8/layout/process4"/>
-    <dgm:cxn modelId="{48F1D443-1A01-4371-8854-D60E466CE0B6}" type="presParOf" srcId="{33200553-5A1C-45F1-A422-26ECCEDBD439}" destId="{80AD606B-F25E-46DF-B405-18F7D2EAE74A}" srcOrd="1" destOrd="0" presId="urn:microsoft.com/office/officeart/2005/8/layout/process4"/>
-    <dgm:cxn modelId="{BAD9D01B-996C-4986-8FD9-37049CDB92B5}" type="presParOf" srcId="{33200553-5A1C-45F1-A422-26ECCEDBD439}" destId="{72E9B7A5-E5DC-46EA-A30C-DAC09ADD2BF7}" srcOrd="2" destOrd="0" presId="urn:microsoft.com/office/officeart/2005/8/layout/process4"/>
-    <dgm:cxn modelId="{C3CD8C6F-29BD-4ADE-A6A3-584D41BCA136}" type="presParOf" srcId="{72E9B7A5-E5DC-46EA-A30C-DAC09ADD2BF7}" destId="{A8E0F749-66B2-490B-99E9-CC106B163B16}" srcOrd="0" destOrd="0" presId="urn:microsoft.com/office/officeart/2005/8/layout/process4"/>
-    <dgm:cxn modelId="{3F8AE4D0-C1B9-49A3-9D85-FA13C986C03B}" type="presParOf" srcId="{72E9B7A5-E5DC-46EA-A30C-DAC09ADD2BF7}" destId="{A6EE397C-6C28-4128-BFFE-CFF44F70153F}" srcOrd="1" destOrd="0" presId="urn:microsoft.com/office/officeart/2005/8/layout/process4"/>
-    <dgm:cxn modelId="{DF157FA0-6CFF-475F-B2C1-C14A30CA284D}" type="presParOf" srcId="{31D3AE5D-DA06-4E2D-9D68-F5531DFE7C2B}" destId="{0226793B-92A0-4530-A8D1-D80AF6A16C31}" srcOrd="3" destOrd="0" presId="urn:microsoft.com/office/officeart/2005/8/layout/process4"/>
-    <dgm:cxn modelId="{D9B8890F-622F-4EF7-B8C9-501999392107}" type="presParOf" srcId="{31D3AE5D-DA06-4E2D-9D68-F5531DFE7C2B}" destId="{1A669411-1539-46A4-9D6E-2C85E15B0FA6}" srcOrd="4" destOrd="0" presId="urn:microsoft.com/office/officeart/2005/8/layout/process4"/>
-    <dgm:cxn modelId="{CF2E4F72-F757-4A14-BF45-750381229016}" type="presParOf" srcId="{1A669411-1539-46A4-9D6E-2C85E15B0FA6}" destId="{859CA2CA-8A33-4975-9F01-7A3C8BB729DE}" srcOrd="0" destOrd="0" presId="urn:microsoft.com/office/officeart/2005/8/layout/process4"/>
-    <dgm:cxn modelId="{4476044B-B0FF-4572-BB01-9732B848392A}" type="presParOf" srcId="{1A669411-1539-46A4-9D6E-2C85E15B0FA6}" destId="{A48265CE-F3A3-46DB-9DD2-97590B4DBB84}" srcOrd="1" destOrd="0" presId="urn:microsoft.com/office/officeart/2005/8/layout/process4"/>
-    <dgm:cxn modelId="{108CBA6F-ABE6-49B0-8D57-CCB454AC970F}" type="presParOf" srcId="{1A669411-1539-46A4-9D6E-2C85E15B0FA6}" destId="{DB89CC08-BF2F-4B2E-B88D-22F7BE6ECA5F}" srcOrd="2" destOrd="0" presId="urn:microsoft.com/office/officeart/2005/8/layout/process4"/>
-    <dgm:cxn modelId="{C675B826-3900-4575-89A0-DB78CA5B441C}" type="presParOf" srcId="{DB89CC08-BF2F-4B2E-B88D-22F7BE6ECA5F}" destId="{59FFE57C-E5F2-4FBD-AA4D-8DB27381892F}" srcOrd="0" destOrd="0" presId="urn:microsoft.com/office/officeart/2005/8/layout/process4"/>
-    <dgm:cxn modelId="{5D529EFA-23A6-4C03-8BAF-B0DDF673418B}" type="presParOf" srcId="{DB89CC08-BF2F-4B2E-B88D-22F7BE6ECA5F}" destId="{3EC7D028-ECEA-492B-A6F1-68E9B57B69C6}" srcOrd="1" destOrd="0" presId="urn:microsoft.com/office/officeart/2005/8/layout/process4"/>
+    <dgm:cxn modelId="{B731AEF8-A622-48D2-BD71-F1D6177E9715}" type="presParOf" srcId="{31D3AE5D-DA06-4E2D-9D68-F5531DFE7C2B}" destId="{26057D0F-C473-4CF3-90A5-20356BD5ED62}" srcOrd="0" destOrd="0" presId="urn:microsoft.com/office/officeart/2005/8/layout/process4"/>
+    <dgm:cxn modelId="{F133F676-2A05-45C5-ADD2-A5B93ADCDADC}" type="presParOf" srcId="{26057D0F-C473-4CF3-90A5-20356BD5ED62}" destId="{20A8DB01-6545-471D-9BC8-9C4C6B1B522A}" srcOrd="0" destOrd="0" presId="urn:microsoft.com/office/officeart/2005/8/layout/process4"/>
+    <dgm:cxn modelId="{E555020B-C468-416A-A2C4-8102325E9503}" type="presParOf" srcId="{26057D0F-C473-4CF3-90A5-20356BD5ED62}" destId="{16EB01C4-889D-4FC5-A806-CEA55E6AAE9B}" srcOrd="1" destOrd="0" presId="urn:microsoft.com/office/officeart/2005/8/layout/process4"/>
+    <dgm:cxn modelId="{F8EB33D5-C652-4DD9-8276-0CB9C15E9426}" type="presParOf" srcId="{26057D0F-C473-4CF3-90A5-20356BD5ED62}" destId="{8CD05808-4679-4F90-9342-5C432A2944EE}" srcOrd="2" destOrd="0" presId="urn:microsoft.com/office/officeart/2005/8/layout/process4"/>
+    <dgm:cxn modelId="{0C63B0C1-699C-45CE-90C0-7A4F57342000}" type="presParOf" srcId="{8CD05808-4679-4F90-9342-5C432A2944EE}" destId="{0B8084BA-9F70-4094-96D0-F2481AF68F0C}" srcOrd="0" destOrd="0" presId="urn:microsoft.com/office/officeart/2005/8/layout/process4"/>
+    <dgm:cxn modelId="{73E1AE43-DD1D-4641-BF43-3883656A3B61}" type="presParOf" srcId="{31D3AE5D-DA06-4E2D-9D68-F5531DFE7C2B}" destId="{7F8DEC81-0DCB-4545-8129-1A1632B41B5E}" srcOrd="1" destOrd="0" presId="urn:microsoft.com/office/officeart/2005/8/layout/process4"/>
+    <dgm:cxn modelId="{CF654E0C-92A0-47F5-A0E8-DC0976487CA5}" type="presParOf" srcId="{31D3AE5D-DA06-4E2D-9D68-F5531DFE7C2B}" destId="{33200553-5A1C-45F1-A422-26ECCEDBD439}" srcOrd="2" destOrd="0" presId="urn:microsoft.com/office/officeart/2005/8/layout/process4"/>
+    <dgm:cxn modelId="{22EF4A2D-C062-43A5-AB4F-723BA683D4A5}" type="presParOf" srcId="{33200553-5A1C-45F1-A422-26ECCEDBD439}" destId="{7371425A-4D37-4FA7-A21E-1529F4324E45}" srcOrd="0" destOrd="0" presId="urn:microsoft.com/office/officeart/2005/8/layout/process4"/>
+    <dgm:cxn modelId="{114AF7C5-62EB-4D6A-936B-EA5938DA5D8D}" type="presParOf" srcId="{33200553-5A1C-45F1-A422-26ECCEDBD439}" destId="{80AD606B-F25E-46DF-B405-18F7D2EAE74A}" srcOrd="1" destOrd="0" presId="urn:microsoft.com/office/officeart/2005/8/layout/process4"/>
+    <dgm:cxn modelId="{BE240739-1816-479C-BE23-6EC763C3A1FB}" type="presParOf" srcId="{33200553-5A1C-45F1-A422-26ECCEDBD439}" destId="{72E9B7A5-E5DC-46EA-A30C-DAC09ADD2BF7}" srcOrd="2" destOrd="0" presId="urn:microsoft.com/office/officeart/2005/8/layout/process4"/>
+    <dgm:cxn modelId="{792F2E45-B96F-424F-BB2E-6D330DB2930E}" type="presParOf" srcId="{72E9B7A5-E5DC-46EA-A30C-DAC09ADD2BF7}" destId="{A8E0F749-66B2-490B-99E9-CC106B163B16}" srcOrd="0" destOrd="0" presId="urn:microsoft.com/office/officeart/2005/8/layout/process4"/>
+    <dgm:cxn modelId="{7DEBF063-1976-4D55-92CD-00B2B6BAA125}" type="presParOf" srcId="{31D3AE5D-DA06-4E2D-9D68-F5531DFE7C2B}" destId="{0226793B-92A0-4530-A8D1-D80AF6A16C31}" srcOrd="3" destOrd="0" presId="urn:microsoft.com/office/officeart/2005/8/layout/process4"/>
+    <dgm:cxn modelId="{09D7A6F0-C179-4202-BE74-A609FA76951D}" type="presParOf" srcId="{31D3AE5D-DA06-4E2D-9D68-F5531DFE7C2B}" destId="{1A669411-1539-46A4-9D6E-2C85E15B0FA6}" srcOrd="4" destOrd="0" presId="urn:microsoft.com/office/officeart/2005/8/layout/process4"/>
+    <dgm:cxn modelId="{930D612C-20A2-425C-9D46-C24652154729}" type="presParOf" srcId="{1A669411-1539-46A4-9D6E-2C85E15B0FA6}" destId="{859CA2CA-8A33-4975-9F01-7A3C8BB729DE}" srcOrd="0" destOrd="0" presId="urn:microsoft.com/office/officeart/2005/8/layout/process4"/>
+    <dgm:cxn modelId="{D7ABD604-5AB5-4E32-96C4-828B35FB4828}" type="presParOf" srcId="{1A669411-1539-46A4-9D6E-2C85E15B0FA6}" destId="{A48265CE-F3A3-46DB-9DD2-97590B4DBB84}" srcOrd="1" destOrd="0" presId="urn:microsoft.com/office/officeart/2005/8/layout/process4"/>
+    <dgm:cxn modelId="{50A99534-EB70-4230-9F6E-88B5A6C7AFA0}" type="presParOf" srcId="{1A669411-1539-46A4-9D6E-2C85E15B0FA6}" destId="{DB89CC08-BF2F-4B2E-B88D-22F7BE6ECA5F}" srcOrd="2" destOrd="0" presId="urn:microsoft.com/office/officeart/2005/8/layout/process4"/>
+    <dgm:cxn modelId="{1EBA5D97-BB53-4DC6-B29C-6501F9AB6184}" type="presParOf" srcId="{DB89CC08-BF2F-4B2E-B88D-22F7BE6ECA5F}" destId="{59FFE57C-E5F2-4FBD-AA4D-8DB27381892F}" srcOrd="0" destOrd="0" presId="urn:microsoft.com/office/officeart/2005/8/layout/process4"/>
   </dgm:cxnLst>
   <dgm:bg/>
   <dgm:whole/>
@@ -2597,15 +1345,15 @@
       <dsp:cNvGrpSpPr/>
     </dsp:nvGrpSpPr>
     <dsp:grpSpPr/>
-    <dsp:sp modelId="{B752F9F5-2482-4D52-A33E-BE0263F4B0EA}">
+    <dsp:sp modelId="{16EB01C4-889D-4FC5-A806-CEA55E6AAE9B}">
       <dsp:nvSpPr>
         <dsp:cNvPr id="0" name=""/>
         <dsp:cNvSpPr/>
       </dsp:nvSpPr>
       <dsp:spPr>
         <a:xfrm>
-          <a:off x="0" y="3443976"/>
-          <a:ext cx="4800600" cy="1130389"/>
+          <a:off x="0" y="3214537"/>
+          <a:ext cx="4249058" cy="1055082"/>
         </a:xfrm>
         <a:prstGeom prst="rect">
           <a:avLst/>
@@ -2647,12 +1395,12 @@
         </a:fontRef>
       </dsp:style>
       <dsp:txBody>
-        <a:bodyPr spcFirstLastPara="0" vert="horz" wrap="square" lIns="156464" tIns="156464" rIns="156464" bIns="156464" numCol="1" spcCol="1270" anchor="ctr" anchorCtr="0">
+        <a:bodyPr spcFirstLastPara="0" vert="horz" wrap="square" lIns="142240" tIns="142240" rIns="142240" bIns="142240" numCol="1" spcCol="1270" anchor="ctr" anchorCtr="0">
           <a:noAutofit/>
         </a:bodyPr>
         <a:lstStyle/>
         <a:p>
-          <a:pPr marL="0" lvl="0" indent="0" algn="ctr" defTabSz="977900">
+          <a:pPr marL="0" lvl="0" indent="0" algn="ctr" defTabSz="889000">
             <a:lnSpc>
               <a:spcPct val="90000"/>
             </a:lnSpc>
@@ -2665,25 +1413,28 @@
             <a:buNone/>
           </a:pPr>
           <a:r>
-            <a:rPr lang="en-US" sz="2200" kern="1200" dirty="0"/>
-            <a:t>Step 3</a:t>
+            <a:rPr lang="en-US" sz="2000" kern="1200">
+              <a:latin typeface="Franklin Gothic Medium"/>
+            </a:rPr>
+            <a:t>Transformation</a:t>
           </a:r>
+          <a:endParaRPr lang="en-US" sz="2000" kern="1200"/>
         </a:p>
       </dsp:txBody>
       <dsp:txXfrm>
-        <a:off x="0" y="3443976"/>
-        <a:ext cx="4800600" cy="610410"/>
+        <a:off x="0" y="3214537"/>
+        <a:ext cx="4249058" cy="569744"/>
       </dsp:txXfrm>
     </dsp:sp>
-    <dsp:sp modelId="{C4F2ADBF-C592-483D-A6FF-5DB9D2A90309}">
+    <dsp:sp modelId="{0B8084BA-9F70-4094-96D0-F2481AF68F0C}">
       <dsp:nvSpPr>
         <dsp:cNvPr id="0" name=""/>
         <dsp:cNvSpPr/>
       </dsp:nvSpPr>
       <dsp:spPr>
         <a:xfrm>
-          <a:off x="0" y="4031779"/>
-          <a:ext cx="2400300" cy="519979"/>
+          <a:off x="0" y="3763180"/>
+          <a:ext cx="4249058" cy="485338"/>
         </a:xfrm>
         <a:prstGeom prst="rect">
           <a:avLst/>
@@ -2727,12 +1478,12 @@
         <a:fontRef idx="minor"/>
       </dsp:style>
       <dsp:txBody>
-        <a:bodyPr spcFirstLastPara="0" vert="horz" wrap="square" lIns="163576" tIns="29210" rIns="163576" bIns="29210" numCol="1" spcCol="1270" anchor="ctr" anchorCtr="0">
+        <a:bodyPr spcFirstLastPara="0" vert="horz" wrap="square" lIns="192024" tIns="34290" rIns="192024" bIns="34290" numCol="1" spcCol="1270" anchor="ctr" anchorCtr="0">
           <a:noAutofit/>
         </a:bodyPr>
         <a:lstStyle/>
         <a:p>
-          <a:pPr marL="0" lvl="0" indent="0" algn="ctr" defTabSz="1022350">
+          <a:pPr marL="0" lvl="0" indent="0" algn="ctr" defTabSz="1200150" rtl="0">
             <a:lnSpc>
               <a:spcPct val="90000"/>
             </a:lnSpc>
@@ -2745,94 +1496,17 @@
             <a:buNone/>
           </a:pPr>
           <a:r>
-            <a:rPr lang="en-US" sz="2300" kern="1200" dirty="0"/>
-            <a:t>Task Description</a:t>
+            <a:rPr lang="en-US" sz="2700" kern="1200">
+              <a:latin typeface="Franklin Gothic Medium"/>
+            </a:rPr>
+            <a:t>Data transformation</a:t>
           </a:r>
+          <a:endParaRPr lang="en-US" sz="2700" kern="1200"/>
         </a:p>
       </dsp:txBody>
       <dsp:txXfrm>
-        <a:off x="0" y="4031779"/>
-        <a:ext cx="2400300" cy="519979"/>
-      </dsp:txXfrm>
-    </dsp:sp>
-    <dsp:sp modelId="{0F0AC827-ACAE-4C23-875D-A4B53006A73F}">
-      <dsp:nvSpPr>
-        <dsp:cNvPr id="0" name=""/>
-        <dsp:cNvSpPr/>
-      </dsp:nvSpPr>
-      <dsp:spPr>
-        <a:xfrm>
-          <a:off x="2400300" y="4031779"/>
-          <a:ext cx="2400300" cy="519979"/>
-        </a:xfrm>
-        <a:prstGeom prst="rect">
-          <a:avLst/>
-        </a:prstGeom>
-        <a:solidFill>
-          <a:schemeClr val="accent3">
-            <a:tint val="40000"/>
-            <a:alpha val="90000"/>
-            <a:hueOff val="-1096691"/>
-            <a:satOff val="-573"/>
-            <a:lumOff val="49"/>
-            <a:alphaOff val="0"/>
-          </a:schemeClr>
-        </a:solidFill>
-        <a:ln w="12700" cap="flat" cmpd="sng" algn="ctr">
-          <a:solidFill>
-            <a:schemeClr val="accent3">
-              <a:tint val="40000"/>
-              <a:alpha val="90000"/>
-              <a:hueOff val="-1096691"/>
-              <a:satOff val="-573"/>
-              <a:lumOff val="49"/>
-              <a:alphaOff val="0"/>
-            </a:schemeClr>
-          </a:solidFill>
-          <a:prstDash val="solid"/>
-          <a:miter lim="800000"/>
-        </a:ln>
-        <a:effectLst/>
-      </dsp:spPr>
-      <dsp:style>
-        <a:lnRef idx="2">
-          <a:scrgbClr r="0" g="0" b="0"/>
-        </a:lnRef>
-        <a:fillRef idx="1">
-          <a:scrgbClr r="0" g="0" b="0"/>
-        </a:fillRef>
-        <a:effectRef idx="0">
-          <a:scrgbClr r="0" g="0" b="0"/>
-        </a:effectRef>
-        <a:fontRef idx="minor"/>
-      </dsp:style>
-      <dsp:txBody>
-        <a:bodyPr spcFirstLastPara="0" vert="horz" wrap="square" lIns="163576" tIns="29210" rIns="163576" bIns="29210" numCol="1" spcCol="1270" anchor="ctr" anchorCtr="0">
-          <a:noAutofit/>
-        </a:bodyPr>
-        <a:lstStyle/>
-        <a:p>
-          <a:pPr marL="0" lvl="0" indent="0" algn="ctr" defTabSz="1022350">
-            <a:lnSpc>
-              <a:spcPct val="90000"/>
-            </a:lnSpc>
-            <a:spcBef>
-              <a:spcPct val="0"/>
-            </a:spcBef>
-            <a:spcAft>
-              <a:spcPct val="35000"/>
-            </a:spcAft>
-            <a:buNone/>
-          </a:pPr>
-          <a:r>
-            <a:rPr lang="en-US" sz="2300" kern="1200" dirty="0"/>
-            <a:t>Task Description</a:t>
-          </a:r>
-        </a:p>
-      </dsp:txBody>
-      <dsp:txXfrm>
-        <a:off x="2400300" y="4031779"/>
-        <a:ext cx="2400300" cy="519979"/>
+        <a:off x="0" y="3763180"/>
+        <a:ext cx="4249058" cy="485338"/>
       </dsp:txXfrm>
     </dsp:sp>
     <dsp:sp modelId="{80AD606B-F25E-46DF-B405-18F7D2EAE74A}">
@@ -2842,8 +1516,8 @@
       </dsp:nvSpPr>
       <dsp:spPr>
         <a:xfrm rot="10800000">
-          <a:off x="0" y="1722392"/>
-          <a:ext cx="4800600" cy="1738539"/>
+          <a:off x="0" y="1607646"/>
+          <a:ext cx="4249058" cy="1622717"/>
         </a:xfrm>
         <a:prstGeom prst="upArrowCallout">
           <a:avLst/>
@@ -2885,12 +1559,12 @@
         </a:fontRef>
       </dsp:style>
       <dsp:txBody>
-        <a:bodyPr spcFirstLastPara="0" vert="horz" wrap="square" lIns="156464" tIns="156464" rIns="156464" bIns="156464" numCol="1" spcCol="1270" anchor="ctr" anchorCtr="0">
+        <a:bodyPr spcFirstLastPara="0" vert="horz" wrap="square" lIns="142240" tIns="142240" rIns="142240" bIns="142240" numCol="1" spcCol="1270" anchor="ctr" anchorCtr="0">
           <a:noAutofit/>
         </a:bodyPr>
         <a:lstStyle/>
         <a:p>
-          <a:pPr marL="0" lvl="0" indent="0" algn="ctr" defTabSz="977900">
+          <a:pPr marL="0" lvl="0" indent="0" algn="ctr" defTabSz="889000">
             <a:lnSpc>
               <a:spcPct val="90000"/>
             </a:lnSpc>
@@ -2903,14 +1577,17 @@
             <a:buNone/>
           </a:pPr>
           <a:r>
-            <a:rPr lang="en-US" sz="2200" kern="1200" dirty="0"/>
-            <a:t>Step 2</a:t>
+            <a:rPr lang="en-US" sz="2000" kern="1200">
+              <a:latin typeface="Franklin Gothic Medium"/>
+            </a:rPr>
+            <a:t>Load</a:t>
           </a:r>
+          <a:endParaRPr lang="en-US" sz="2000" kern="1200"/>
         </a:p>
       </dsp:txBody>
       <dsp:txXfrm rot="-10800000">
-        <a:off x="0" y="1722392"/>
-        <a:ext cx="4800600" cy="610227"/>
+        <a:off x="0" y="1607646"/>
+        <a:ext cx="4249058" cy="569573"/>
       </dsp:txXfrm>
     </dsp:sp>
     <dsp:sp modelId="{A8E0F749-66B2-490B-99E9-CC106B163B16}">
@@ -2920,8 +1597,8 @@
       </dsp:nvSpPr>
       <dsp:spPr>
         <a:xfrm>
-          <a:off x="0" y="2332619"/>
-          <a:ext cx="2400300" cy="519823"/>
+          <a:off x="0" y="2177219"/>
+          <a:ext cx="4249058" cy="485192"/>
         </a:xfrm>
         <a:prstGeom prst="rect">
           <a:avLst/>
@@ -2930,9 +1607,9 @@
           <a:schemeClr val="accent3">
             <a:tint val="40000"/>
             <a:alpha val="90000"/>
-            <a:hueOff val="-2193382"/>
-            <a:satOff val="-1145"/>
-            <a:lumOff val="99"/>
+            <a:hueOff val="-2741727"/>
+            <a:satOff val="-1431"/>
+            <a:lumOff val="123"/>
             <a:alphaOff val="0"/>
           </a:schemeClr>
         </a:solidFill>
@@ -2941,9 +1618,9 @@
             <a:schemeClr val="accent3">
               <a:tint val="40000"/>
               <a:alpha val="90000"/>
-              <a:hueOff val="-2193382"/>
-              <a:satOff val="-1145"/>
-              <a:lumOff val="99"/>
+              <a:hueOff val="-2741727"/>
+              <a:satOff val="-1431"/>
+              <a:lumOff val="123"/>
               <a:alphaOff val="0"/>
             </a:schemeClr>
           </a:solidFill>
@@ -2965,12 +1642,12 @@
         <a:fontRef idx="minor"/>
       </dsp:style>
       <dsp:txBody>
-        <a:bodyPr spcFirstLastPara="0" vert="horz" wrap="square" lIns="163576" tIns="29210" rIns="163576" bIns="29210" numCol="1" spcCol="1270" anchor="ctr" anchorCtr="0">
+        <a:bodyPr spcFirstLastPara="0" vert="horz" wrap="square" lIns="192024" tIns="34290" rIns="192024" bIns="34290" numCol="1" spcCol="1270" anchor="ctr" anchorCtr="0">
           <a:noAutofit/>
         </a:bodyPr>
         <a:lstStyle/>
         <a:p>
-          <a:pPr marL="0" lvl="0" indent="0" algn="ctr" defTabSz="1022350">
+          <a:pPr marL="0" lvl="0" indent="0" algn="ctr" defTabSz="1200150" rtl="0">
             <a:lnSpc>
               <a:spcPct val="90000"/>
             </a:lnSpc>
@@ -2983,94 +1660,17 @@
             <a:buNone/>
           </a:pPr>
           <a:r>
-            <a:rPr lang="en-US" sz="2300" kern="1200" dirty="0"/>
-            <a:t>Task Description</a:t>
+            <a:rPr lang="en-US" sz="2700" kern="1200">
+              <a:latin typeface="Franklin Gothic Medium"/>
+            </a:rPr>
+            <a:t>Load data to DW</a:t>
           </a:r>
+          <a:endParaRPr lang="en-US" sz="2700" kern="1200"/>
         </a:p>
       </dsp:txBody>
       <dsp:txXfrm>
-        <a:off x="0" y="2332619"/>
-        <a:ext cx="2400300" cy="519823"/>
-      </dsp:txXfrm>
-    </dsp:sp>
-    <dsp:sp modelId="{A6EE397C-6C28-4128-BFFE-CFF44F70153F}">
-      <dsp:nvSpPr>
-        <dsp:cNvPr id="0" name=""/>
-        <dsp:cNvSpPr/>
-      </dsp:nvSpPr>
-      <dsp:spPr>
-        <a:xfrm>
-          <a:off x="2400300" y="2332619"/>
-          <a:ext cx="2400300" cy="519823"/>
-        </a:xfrm>
-        <a:prstGeom prst="rect">
-          <a:avLst/>
-        </a:prstGeom>
-        <a:solidFill>
-          <a:schemeClr val="accent3">
-            <a:tint val="40000"/>
-            <a:alpha val="90000"/>
-            <a:hueOff val="-3290073"/>
-            <a:satOff val="-1718"/>
-            <a:lumOff val="148"/>
-            <a:alphaOff val="0"/>
-          </a:schemeClr>
-        </a:solidFill>
-        <a:ln w="12700" cap="flat" cmpd="sng" algn="ctr">
-          <a:solidFill>
-            <a:schemeClr val="accent3">
-              <a:tint val="40000"/>
-              <a:alpha val="90000"/>
-              <a:hueOff val="-3290073"/>
-              <a:satOff val="-1718"/>
-              <a:lumOff val="148"/>
-              <a:alphaOff val="0"/>
-            </a:schemeClr>
-          </a:solidFill>
-          <a:prstDash val="solid"/>
-          <a:miter lim="800000"/>
-        </a:ln>
-        <a:effectLst/>
-      </dsp:spPr>
-      <dsp:style>
-        <a:lnRef idx="2">
-          <a:scrgbClr r="0" g="0" b="0"/>
-        </a:lnRef>
-        <a:fillRef idx="1">
-          <a:scrgbClr r="0" g="0" b="0"/>
-        </a:fillRef>
-        <a:effectRef idx="0">
-          <a:scrgbClr r="0" g="0" b="0"/>
-        </a:effectRef>
-        <a:fontRef idx="minor"/>
-      </dsp:style>
-      <dsp:txBody>
-        <a:bodyPr spcFirstLastPara="0" vert="horz" wrap="square" lIns="163576" tIns="29210" rIns="163576" bIns="29210" numCol="1" spcCol="1270" anchor="ctr" anchorCtr="0">
-          <a:noAutofit/>
-        </a:bodyPr>
-        <a:lstStyle/>
-        <a:p>
-          <a:pPr marL="0" lvl="0" indent="0" algn="ctr" defTabSz="1022350">
-            <a:lnSpc>
-              <a:spcPct val="90000"/>
-            </a:lnSpc>
-            <a:spcBef>
-              <a:spcPct val="0"/>
-            </a:spcBef>
-            <a:spcAft>
-              <a:spcPct val="35000"/>
-            </a:spcAft>
-            <a:buNone/>
-          </a:pPr>
-          <a:r>
-            <a:rPr lang="en-US" sz="2300" kern="1200" dirty="0"/>
-            <a:t>Task Description</a:t>
-          </a:r>
-        </a:p>
-      </dsp:txBody>
-      <dsp:txXfrm>
-        <a:off x="2400300" y="2332619"/>
-        <a:ext cx="2400300" cy="519823"/>
+        <a:off x="0" y="2177219"/>
+        <a:ext cx="4249058" cy="485192"/>
       </dsp:txXfrm>
     </dsp:sp>
     <dsp:sp modelId="{A48265CE-F3A3-46DB-9DD2-97590B4DBB84}">
@@ -3080,8 +1680,8 @@
       </dsp:nvSpPr>
       <dsp:spPr>
         <a:xfrm rot="10800000">
-          <a:off x="0" y="808"/>
-          <a:ext cx="4800600" cy="1738539"/>
+          <a:off x="0" y="754"/>
+          <a:ext cx="4249058" cy="1622717"/>
         </a:xfrm>
         <a:prstGeom prst="upArrowCallout">
           <a:avLst/>
@@ -3123,12 +1723,12 @@
         </a:fontRef>
       </dsp:style>
       <dsp:txBody>
-        <a:bodyPr spcFirstLastPara="0" vert="horz" wrap="square" lIns="156464" tIns="156464" rIns="156464" bIns="156464" numCol="1" spcCol="1270" anchor="ctr" anchorCtr="0">
+        <a:bodyPr spcFirstLastPara="0" vert="horz" wrap="square" lIns="142240" tIns="142240" rIns="142240" bIns="142240" numCol="1" spcCol="1270" anchor="ctr" anchorCtr="0">
           <a:noAutofit/>
         </a:bodyPr>
         <a:lstStyle/>
         <a:p>
-          <a:pPr marL="0" lvl="0" indent="0" algn="ctr" defTabSz="977900">
+          <a:pPr marL="0" lvl="0" indent="0" algn="ctr" defTabSz="889000">
             <a:lnSpc>
               <a:spcPct val="90000"/>
             </a:lnSpc>
@@ -3141,14 +1741,17 @@
             <a:buNone/>
           </a:pPr>
           <a:r>
-            <a:rPr lang="en-US" sz="2200" kern="1200" dirty="0"/>
-            <a:t>Step 1</a:t>
+            <a:rPr lang="en-US" sz="2000" kern="1200">
+              <a:latin typeface="Franklin Gothic Medium"/>
+            </a:rPr>
+            <a:t>Extract</a:t>
           </a:r>
+          <a:endParaRPr lang="en-US" sz="2000" kern="1200"/>
         </a:p>
       </dsp:txBody>
       <dsp:txXfrm rot="-10800000">
-        <a:off x="0" y="808"/>
-        <a:ext cx="4800600" cy="610227"/>
+        <a:off x="0" y="754"/>
+        <a:ext cx="4249058" cy="569573"/>
       </dsp:txXfrm>
     </dsp:sp>
     <dsp:sp modelId="{59FFE57C-E5F2-4FBD-AA4D-8DB27381892F}">
@@ -3158,88 +1761,8 @@
       </dsp:nvSpPr>
       <dsp:spPr>
         <a:xfrm>
-          <a:off x="0" y="611036"/>
-          <a:ext cx="2400300" cy="519823"/>
-        </a:xfrm>
-        <a:prstGeom prst="rect">
-          <a:avLst/>
-        </a:prstGeom>
-        <a:solidFill>
-          <a:schemeClr val="accent3">
-            <a:tint val="40000"/>
-            <a:alpha val="90000"/>
-            <a:hueOff val="-4386764"/>
-            <a:satOff val="-2290"/>
-            <a:lumOff val="198"/>
-            <a:alphaOff val="0"/>
-          </a:schemeClr>
-        </a:solidFill>
-        <a:ln w="12700" cap="flat" cmpd="sng" algn="ctr">
-          <a:solidFill>
-            <a:schemeClr val="accent3">
-              <a:tint val="40000"/>
-              <a:alpha val="90000"/>
-              <a:hueOff val="-4386764"/>
-              <a:satOff val="-2290"/>
-              <a:lumOff val="198"/>
-              <a:alphaOff val="0"/>
-            </a:schemeClr>
-          </a:solidFill>
-          <a:prstDash val="solid"/>
-          <a:miter lim="800000"/>
-        </a:ln>
-        <a:effectLst/>
-      </dsp:spPr>
-      <dsp:style>
-        <a:lnRef idx="2">
-          <a:scrgbClr r="0" g="0" b="0"/>
-        </a:lnRef>
-        <a:fillRef idx="1">
-          <a:scrgbClr r="0" g="0" b="0"/>
-        </a:fillRef>
-        <a:effectRef idx="0">
-          <a:scrgbClr r="0" g="0" b="0"/>
-        </a:effectRef>
-        <a:fontRef idx="minor"/>
-      </dsp:style>
-      <dsp:txBody>
-        <a:bodyPr spcFirstLastPara="0" vert="horz" wrap="square" lIns="163576" tIns="29210" rIns="163576" bIns="29210" numCol="1" spcCol="1270" anchor="ctr" anchorCtr="0">
-          <a:noAutofit/>
-        </a:bodyPr>
-        <a:lstStyle/>
-        <a:p>
-          <a:pPr marL="0" lvl="0" indent="0" algn="ctr" defTabSz="1022350">
-            <a:lnSpc>
-              <a:spcPct val="90000"/>
-            </a:lnSpc>
-            <a:spcBef>
-              <a:spcPct val="0"/>
-            </a:spcBef>
-            <a:spcAft>
-              <a:spcPct val="35000"/>
-            </a:spcAft>
-            <a:buNone/>
-          </a:pPr>
-          <a:r>
-            <a:rPr lang="en-US" sz="2300" kern="1200" dirty="0"/>
-            <a:t>Task Description</a:t>
-          </a:r>
-        </a:p>
-      </dsp:txBody>
-      <dsp:txXfrm>
-        <a:off x="0" y="611036"/>
-        <a:ext cx="2400300" cy="519823"/>
-      </dsp:txXfrm>
-    </dsp:sp>
-    <dsp:sp modelId="{3EC7D028-ECEA-492B-A6F1-68E9B57B69C6}">
-      <dsp:nvSpPr>
-        <dsp:cNvPr id="0" name=""/>
-        <dsp:cNvSpPr/>
-      </dsp:nvSpPr>
-      <dsp:spPr>
-        <a:xfrm>
-          <a:off x="2400300" y="611036"/>
-          <a:ext cx="2400300" cy="519823"/>
+          <a:off x="0" y="570328"/>
+          <a:ext cx="4249058" cy="485192"/>
         </a:xfrm>
         <a:prstGeom prst="rect">
           <a:avLst/>
@@ -3283,12 +1806,12 @@
         <a:fontRef idx="minor"/>
       </dsp:style>
       <dsp:txBody>
-        <a:bodyPr spcFirstLastPara="0" vert="horz" wrap="square" lIns="163576" tIns="29210" rIns="163576" bIns="29210" numCol="1" spcCol="1270" anchor="ctr" anchorCtr="0">
+        <a:bodyPr spcFirstLastPara="0" vert="horz" wrap="square" lIns="192024" tIns="34290" rIns="192024" bIns="34290" numCol="1" spcCol="1270" anchor="ctr" anchorCtr="0">
           <a:noAutofit/>
         </a:bodyPr>
         <a:lstStyle/>
         <a:p>
-          <a:pPr marL="0" lvl="0" indent="0" algn="ctr" defTabSz="1022350">
+          <a:pPr marL="0" lvl="0" indent="0" algn="ctr" defTabSz="1200150" rtl="0">
             <a:lnSpc>
               <a:spcPct val="90000"/>
             </a:lnSpc>
@@ -3301,14 +1824,17 @@
             <a:buNone/>
           </a:pPr>
           <a:r>
-            <a:rPr lang="en-US" sz="2300" kern="1200" dirty="0"/>
-            <a:t>Task Description</a:t>
+            <a:rPr lang="en-US" sz="2700" kern="1200">
+              <a:latin typeface="Franklin Gothic Medium"/>
+            </a:rPr>
+            <a:t>Extract data from sources</a:t>
           </a:r>
+          <a:endParaRPr lang="en-US" sz="2700" kern="1200"/>
         </a:p>
       </dsp:txBody>
       <dsp:txXfrm>
-        <a:off x="2400300" y="611036"/>
-        <a:ext cx="2400300" cy="519823"/>
+        <a:off x="0" y="570328"/>
+        <a:ext cx="4249058" cy="485192"/>
       </dsp:txXfrm>
     </dsp:sp>
   </dsp:spTree>
@@ -4784,7 +3310,7 @@
           <a:p>
             <a:fld id="{043B725B-653D-4166-A8E9-72A38A1847CF}" type="datetimeFigureOut">
               <a:rPr lang="en-US"/>
-              <a:t>5/4/2024</a:t>
+              <a:t>5/7/2024</a:t>
             </a:fld>
             <a:endParaRPr/>
           </a:p>
@@ -4949,7 +3475,7 @@
           <a:p>
             <a:fld id="{783F64CD-0576-4A9A-BD06-7889D6E60BDC}" type="datetimeFigureOut">
               <a:rPr lang="en-US"/>
-              <a:t>5/4/2024</a:t>
+              <a:t>5/7/2024</a:t>
             </a:fld>
             <a:endParaRPr/>
           </a:p>
@@ -5411,6 +3937,7 @@
       </p:transition>
     </mc:Fallback>
   </mc:AlternateContent>
+  <p:hf hdr="0" ftr="0" dt="0"/>
   <p:extLst>
     <p:ext uri="{DCECCB84-F9BA-43D5-87BE-67443E8EF086}">
       <p15:sldGuideLst xmlns:p15="http://schemas.microsoft.com/office/powerpoint/2012/main"/>
@@ -5547,7 +4074,7 @@
           <a:p>
             <a:fld id="{37CC0096-1860-4642-9CD2-0079EA5E7CD1}" type="datetimeFigureOut">
               <a:rPr lang="en-US"/>
-              <a:t>5/4/2024</a:t>
+              <a:t>5/7/2024</a:t>
             </a:fld>
             <a:endParaRPr/>
           </a:p>
@@ -5598,6 +4125,7 @@
       </p:transition>
     </mc:Fallback>
   </mc:AlternateContent>
+  <p:hf hdr="0" ftr="0" dt="0"/>
 </p:sldLayout>
 </file>
 
@@ -5796,7 +4324,7 @@
           <a:p>
             <a:fld id="{37CC0096-1860-4642-9CD2-0079EA5E7CD1}" type="datetimeFigureOut">
               <a:rPr lang="en-US"/>
-              <a:t>5/4/2024</a:t>
+              <a:t>5/7/2024</a:t>
             </a:fld>
             <a:endParaRPr/>
           </a:p>
@@ -5847,6 +4375,7 @@
       </p:transition>
     </mc:Fallback>
   </mc:AlternateContent>
+  <p:hf hdr="0" ftr="0" dt="0"/>
 </p:sldLayout>
 </file>
 
@@ -5982,7 +4511,7 @@
           <a:p>
             <a:fld id="{37CC0096-1860-4642-9CD2-0079EA5E7CD1}" type="datetimeFigureOut">
               <a:rPr lang="en-US"/>
-              <a:t>5/4/2024</a:t>
+              <a:t>5/7/2024</a:t>
             </a:fld>
             <a:endParaRPr/>
           </a:p>
@@ -6033,6 +4562,7 @@
       </p:transition>
     </mc:Fallback>
   </mc:AlternateContent>
+  <p:hf hdr="0" ftr="0" dt="0"/>
 </p:sldLayout>
 </file>
 
@@ -6260,6 +4790,7 @@
       </p:transition>
     </mc:Fallback>
   </mc:AlternateContent>
+  <p:hf hdr="0" ftr="0" dt="0"/>
 </p:sldLayout>
 </file>
 
@@ -6513,7 +5044,7 @@
           <a:p>
             <a:fld id="{37CC0096-1860-4642-9CD2-0079EA5E7CD1}" type="datetimeFigureOut">
               <a:rPr lang="en-US"/>
-              <a:t>5/4/2024</a:t>
+              <a:t>5/7/2024</a:t>
             </a:fld>
             <a:endParaRPr/>
           </a:p>
@@ -6564,6 +5095,7 @@
       </p:transition>
     </mc:Fallback>
   </mc:AlternateContent>
+  <p:hf hdr="0" ftr="0" dt="0"/>
 </p:sldLayout>
 </file>
 
@@ -6965,7 +5497,7 @@
           <a:p>
             <a:fld id="{37CC0096-1860-4642-9CD2-0079EA5E7CD1}" type="datetimeFigureOut">
               <a:rPr lang="en-US"/>
-              <a:t>5/4/2024</a:t>
+              <a:t>5/7/2024</a:t>
             </a:fld>
             <a:endParaRPr/>
           </a:p>
@@ -7016,6 +5548,7 @@
       </p:transition>
     </mc:Fallback>
   </mc:AlternateContent>
+  <p:hf hdr="0" ftr="0" dt="0"/>
 </p:sldLayout>
 </file>
 
@@ -7095,7 +5628,7 @@
           <a:p>
             <a:fld id="{37CC0096-1860-4642-9CD2-0079EA5E7CD1}" type="datetimeFigureOut">
               <a:rPr lang="en-US"/>
-              <a:t>5/4/2024</a:t>
+              <a:t>5/7/2024</a:t>
             </a:fld>
             <a:endParaRPr/>
           </a:p>
@@ -7146,6 +5679,7 @@
       </p:transition>
     </mc:Fallback>
   </mc:AlternateContent>
+  <p:hf hdr="0" ftr="0" dt="0"/>
 </p:sldLayout>
 </file>
 
@@ -7202,7 +5736,7 @@
           <a:p>
             <a:fld id="{37CC0096-1860-4642-9CD2-0079EA5E7CD1}" type="datetimeFigureOut">
               <a:rPr lang="en-US"/>
-              <a:t>5/4/2024</a:t>
+              <a:t>5/7/2024</a:t>
             </a:fld>
             <a:endParaRPr/>
           </a:p>
@@ -7253,6 +5787,7 @@
       </p:transition>
     </mc:Fallback>
   </mc:AlternateContent>
+  <p:hf hdr="0" ftr="0" dt="0"/>
 </p:sldLayout>
 </file>
 
@@ -7604,6 +6139,7 @@
       </p:transition>
     </mc:Fallback>
   </mc:AlternateContent>
+  <p:hf hdr="0" ftr="0" dt="0"/>
 </p:sldLayout>
 </file>
 
@@ -7838,7 +6374,7 @@
               <a:rPr lang="en-US"/>
               <a:t>Click icon to add picture</a:t>
             </a:r>
-            <a:endParaRPr dirty="0"/>
+            <a:endParaRPr/>
           </a:p>
         </p:txBody>
       </p:sp>
@@ -7933,6 +6469,7 @@
       </p:transition>
     </mc:Fallback>
   </mc:AlternateContent>
+  <p:hf hdr="0" ftr="0" dt="0"/>
 </p:sldLayout>
 </file>
 
@@ -8056,7 +6593,7 @@
               <a:rPr lang="en-US"/>
               <a:t>Click to edit Master title style</a:t>
             </a:r>
-            <a:endParaRPr dirty="0"/>
+            <a:endParaRPr/>
           </a:p>
         </p:txBody>
       </p:sp>
@@ -8118,7 +6655,7 @@
               <a:rPr lang="en-US"/>
               <a:t>Fifth level</a:t>
             </a:r>
-            <a:endParaRPr dirty="0"/>
+            <a:endParaRPr/>
           </a:p>
         </p:txBody>
       </p:sp>
@@ -8153,7 +6690,7 @@
             </a:lvl1pPr>
           </a:lstStyle>
           <a:p>
-            <a:endParaRPr lang="en-US" dirty="0"/>
+            <a:endParaRPr lang="en-US"/>
           </a:p>
         </p:txBody>
       </p:sp>
@@ -8191,9 +6728,9 @@
             <a:fld id="{37CC0096-1860-4642-9CD2-0079EA5E7CD1}" type="datetimeFigureOut">
               <a:rPr lang="en-US" smtClean="0"/>
               <a:pPr/>
-              <a:t>5/4/2024</a:t>
+              <a:t>5/7/2024</a:t>
             </a:fld>
-            <a:endParaRPr lang="en-US" dirty="0"/>
+            <a:endParaRPr lang="en-US"/>
           </a:p>
         </p:txBody>
       </p:sp>
@@ -8270,6 +6807,7 @@
       </p:transition>
     </mc:Fallback>
   </mc:AlternateContent>
+  <p:hf hdr="0" ftr="0" dt="0"/>
   <p:txStyles>
     <p:titleStyle>
       <a:lvl1pPr algn="l" defTabSz="914400" rtl="0" eaLnBrk="1" latinLnBrk="0" hangingPunct="1">
@@ -8634,8 +7172,8 @@
         </p:nvSpPr>
         <p:spPr>
           <a:xfrm>
-            <a:off x="236912" y="228600"/>
-            <a:ext cx="4876800" cy="2262980"/>
+            <a:off x="236912" y="228599"/>
+            <a:ext cx="4876800" cy="2570786"/>
           </a:xfrm>
         </p:spPr>
         <p:txBody>
@@ -8645,12 +7183,12 @@
           <a:lstStyle/>
           <a:p>
             <a:r>
-              <a:rPr lang="en-US" sz="4000" dirty="0">
-                <a:latin typeface="Calibri" panose="020F0502020204030204" pitchFamily="34" charset="0"/>
-                <a:ea typeface="Calibri" panose="020F0502020204030204" pitchFamily="34" charset="0"/>
-                <a:cs typeface="Calibri" panose="020F0502020204030204" pitchFamily="34" charset="0"/>
+              <a:rPr lang="en-US" sz="4000">
+                <a:latin typeface="Calibri"/>
+                <a:ea typeface="Calibri"/>
+                <a:cs typeface="Calibri"/>
               </a:rPr>
-              <a:t>CIS 9440 Data Warehousing Project</a:t>
+              <a:t>Centers for Medicare and Medicaid Services</a:t>
             </a:r>
           </a:p>
         </p:txBody>
@@ -8678,31 +7216,31 @@
           <a:noFill/>
         </p:spPr>
         <p:txBody>
-          <a:bodyPr wrap="square" rtlCol="0">
+          <a:bodyPr wrap="square" lIns="91440" tIns="45720" rIns="91440" bIns="45720" rtlCol="0" anchor="t">
             <a:spAutoFit/>
           </a:bodyPr>
           <a:lstStyle/>
           <a:p>
             <a:r>
               <a:rPr lang="en-US" b="1" dirty="0">
-                <a:latin typeface="Calibri" panose="020F0502020204030204" pitchFamily="34" charset="0"/>
+                <a:latin typeface="Microsoft Sans Serif"/>
                 <a:ea typeface="Calibri" panose="020F0502020204030204" pitchFamily="34" charset="0"/>
-                <a:cs typeface="Calibri" panose="020F0502020204030204" pitchFamily="34" charset="0"/>
+                <a:cs typeface="Calibri"/>
               </a:rPr>
               <a:t>Group 3</a:t>
             </a:r>
             <a:r>
               <a:rPr lang="en-US" dirty="0">
-                <a:latin typeface="Calibri" panose="020F0502020204030204" pitchFamily="34" charset="0"/>
+                <a:latin typeface="Microsoft Sans Serif"/>
                 <a:ea typeface="Calibri" panose="020F0502020204030204" pitchFamily="34" charset="0"/>
-                <a:cs typeface="Calibri" panose="020F0502020204030204" pitchFamily="34" charset="0"/>
+                <a:cs typeface="Calibri"/>
               </a:rPr>
               <a:t>:</a:t>
             </a:r>
           </a:p>
           <a:p>
             <a:endParaRPr lang="en-US" dirty="0">
-              <a:latin typeface="Calibri" panose="020F0502020204030204" pitchFamily="34" charset="0"/>
+              <a:latin typeface="Microsoft Sans Serif"/>
               <a:ea typeface="Calibri" panose="020F0502020204030204" pitchFamily="34" charset="0"/>
               <a:cs typeface="Calibri" panose="020F0502020204030204" pitchFamily="34" charset="0"/>
             </a:endParaRPr>
@@ -8711,27 +7249,27 @@
             <a:r>
               <a:rPr lang="en-US" sz="1800" dirty="0">
                 <a:effectLst/>
-                <a:latin typeface="Calibri" panose="020F0502020204030204" pitchFamily="34" charset="0"/>
+                <a:latin typeface="Microsoft Sans Serif"/>
                 <a:ea typeface="Calibri" panose="020F0502020204030204" pitchFamily="34" charset="0"/>
-                <a:cs typeface="Calibri" panose="020F0502020204030204" pitchFamily="34" charset="0"/>
+                <a:cs typeface="Calibri"/>
               </a:rPr>
               <a:t>Kosta Tarasov</a:t>
             </a:r>
           </a:p>
           <a:p>
             <a:r>
-              <a:rPr lang="en-US" dirty="0" err="1">
-                <a:latin typeface="Calibri" panose="020F0502020204030204" pitchFamily="34" charset="0"/>
+              <a:rPr lang="en-US" err="1">
+                <a:latin typeface="Microsoft Sans Serif"/>
                 <a:ea typeface="Calibri" panose="020F0502020204030204" pitchFamily="34" charset="0"/>
-                <a:cs typeface="Calibri" panose="020F0502020204030204" pitchFamily="34" charset="0"/>
+                <a:cs typeface="Calibri"/>
               </a:rPr>
               <a:t>Fengchu</a:t>
             </a:r>
             <a:r>
               <a:rPr lang="en-US" dirty="0">
-                <a:latin typeface="Calibri" panose="020F0502020204030204" pitchFamily="34" charset="0"/>
+                <a:latin typeface="Microsoft Sans Serif"/>
                 <a:ea typeface="Calibri" panose="020F0502020204030204" pitchFamily="34" charset="0"/>
-                <a:cs typeface="Calibri" panose="020F0502020204030204" pitchFamily="34" charset="0"/>
+                <a:cs typeface="Calibri"/>
               </a:rPr>
               <a:t> Lai</a:t>
             </a:r>
@@ -8739,27 +7277,48 @@
           <a:p>
             <a:r>
               <a:rPr lang="en-US" dirty="0">
-                <a:latin typeface="Calibri" panose="020F0502020204030204" pitchFamily="34" charset="0"/>
+                <a:latin typeface="Microsoft Sans Serif"/>
                 <a:ea typeface="Calibri" panose="020F0502020204030204" pitchFamily="34" charset="0"/>
-                <a:cs typeface="Calibri" panose="020F0502020204030204" pitchFamily="34" charset="0"/>
+                <a:cs typeface="Calibri"/>
               </a:rPr>
-              <a:t>Gabriel Plic</a:t>
-            </a:r>
-          </a:p>
-          <a:p>
+              <a:t>Gabriel </a:t>
+            </a:r>
+            <a:r>
+              <a:rPr lang="en-US" err="1">
+                <a:latin typeface="Microsoft Sans Serif"/>
+                <a:ea typeface="Calibri" panose="020F0502020204030204" pitchFamily="34" charset="0"/>
+                <a:cs typeface="Calibri"/>
+              </a:rPr>
+              <a:t>Plic</a:t>
+            </a:r>
+            <a:endParaRPr lang="en-US">
+              <a:latin typeface="Microsoft Sans Serif"/>
+              <a:ea typeface="Calibri" panose="020F0502020204030204" pitchFamily="34" charset="0"/>
+              <a:cs typeface="Calibri"/>
+            </a:endParaRPr>
+          </a:p>
+          <a:p>
+            <a:r>
+              <a:rPr lang="en-US" dirty="0">
+                <a:latin typeface="Microsoft Sans Serif"/>
+                <a:ea typeface="Calibri" panose="020F0502020204030204" pitchFamily="34" charset="0"/>
+                <a:cs typeface="Times New Roman"/>
+              </a:rPr>
+              <a:t>Jennie</a:t>
+            </a:r>
             <a:r>
               <a:rPr lang="en-US" sz="1800" dirty="0">
                 <a:effectLst/>
-                <a:latin typeface="Calibri" panose="020F0502020204030204" pitchFamily="34" charset="0"/>
+                <a:latin typeface="Microsoft Sans Serif"/>
                 <a:ea typeface="Calibri" panose="020F0502020204030204" pitchFamily="34" charset="0"/>
-                <a:cs typeface="Times New Roman" panose="02020603050405020304" pitchFamily="18" charset="0"/>
+                <a:cs typeface="Times New Roman"/>
               </a:rPr>
-              <a:t>Ngoc Khanh Ha Nguyen</a:t>
+              <a:t> Nguyen</a:t>
             </a:r>
             <a:endParaRPr lang="en-US" dirty="0">
-              <a:latin typeface="Calibri" panose="020F0502020204030204" pitchFamily="34" charset="0"/>
+              <a:latin typeface="Microsoft Sans Serif"/>
               <a:ea typeface="Calibri" panose="020F0502020204030204" pitchFamily="34" charset="0"/>
-              <a:cs typeface="Calibri" panose="020F0502020204030204" pitchFamily="34" charset="0"/>
+              <a:cs typeface="Times New Roman"/>
             </a:endParaRPr>
           </a:p>
         </p:txBody>
@@ -8808,7 +7367,13 @@
       </p:grpSpPr>
       <p:sp>
         <p:nvSpPr>
-          <p:cNvPr id="2" name="Title 1"/>
+          <p:cNvPr id="2" name="Title 1">
+            <a:extLst>
+              <a:ext uri="{FF2B5EF4-FFF2-40B4-BE49-F238E27FC236}">
+                <a16:creationId xmlns:a16="http://schemas.microsoft.com/office/drawing/2014/main" id="{2B7392F9-2DEB-A598-B637-8EBA01040C57}"/>
+              </a:ext>
+            </a:extLst>
+          </p:cNvPr>
           <p:cNvSpPr>
             <a:spLocks noGrp="1"/>
           </p:cNvSpPr>
@@ -8818,24 +7383,950 @@
         </p:nvSpPr>
         <p:spPr/>
         <p:txBody>
-          <a:bodyPr/>
+          <a:bodyPr>
+            <a:normAutofit/>
+          </a:bodyPr>
           <a:lstStyle/>
           <a:p>
-            <a:r>
-              <a:rPr lang="en-US" dirty="0"/>
-              <a:t>Add a Slide Title - 4</a:t>
+            <a:pPr algn="ctr"/>
+            <a:r>
+              <a:rPr lang="en-US" sz="4400">
+                <a:latin typeface="Microsoft Sans Serif"/>
+                <a:ea typeface="Microsoft Sans Serif"/>
+                <a:cs typeface="Microsoft Sans Serif"/>
+              </a:rPr>
+              <a:t>Data Tools</a:t>
             </a:r>
           </a:p>
         </p:txBody>
       </p:sp>
       <p:sp>
         <p:nvSpPr>
-          <p:cNvPr id="3" name="Content Placeholder 2"/>
+          <p:cNvPr id="3" name="Cylinder 2">
+            <a:extLst>
+              <a:ext uri="{FF2B5EF4-FFF2-40B4-BE49-F238E27FC236}">
+                <a16:creationId xmlns:a16="http://schemas.microsoft.com/office/drawing/2014/main" id="{16C11974-4FA1-92E3-B191-583408574F4D}"/>
+              </a:ext>
+            </a:extLst>
+          </p:cNvPr>
+          <p:cNvSpPr/>
+          <p:nvPr/>
+        </p:nvSpPr>
+        <p:spPr>
+          <a:xfrm>
+            <a:off x="4610098" y="1952170"/>
+            <a:ext cx="1299027" cy="1306285"/>
+          </a:xfrm>
+          <a:prstGeom prst="can">
+            <a:avLst/>
+          </a:prstGeom>
+          <a:solidFill>
+            <a:schemeClr val="accent3">
+              <a:lumMod val="20000"/>
+              <a:lumOff val="80000"/>
+            </a:schemeClr>
+          </a:solidFill>
+        </p:spPr>
+        <p:style>
+          <a:lnRef idx="2">
+            <a:schemeClr val="accent1">
+              <a:shade val="15000"/>
+            </a:schemeClr>
+          </a:lnRef>
+          <a:fillRef idx="1">
+            <a:schemeClr val="accent1"/>
+          </a:fillRef>
+          <a:effectRef idx="0">
+            <a:schemeClr val="accent1"/>
+          </a:effectRef>
+          <a:fontRef idx="minor">
+            <a:schemeClr val="lt1"/>
+          </a:fontRef>
+        </p:style>
+        <p:txBody>
+          <a:bodyPr lIns="91440" tIns="45720" rIns="91440" bIns="45720" rtlCol="0" anchor="ctr"/>
+          <a:lstStyle/>
+          <a:p>
+            <a:pPr algn="ctr"/>
+            <a:r>
+              <a:rPr lang="en-US">
+                <a:solidFill>
+                  <a:schemeClr val="tx1"/>
+                </a:solidFill>
+                <a:latin typeface="Microsoft Sans Serif"/>
+                <a:ea typeface="Microsoft Sans Serif"/>
+                <a:cs typeface="Microsoft Sans Serif"/>
+              </a:rPr>
+              <a:t>Azure</a:t>
+            </a:r>
+          </a:p>
+          <a:p>
+            <a:pPr algn="ctr"/>
+            <a:r>
+              <a:rPr lang="en-US">
+                <a:solidFill>
+                  <a:schemeClr val="tx1"/>
+                </a:solidFill>
+                <a:latin typeface="Microsoft Sans Serif"/>
+                <a:ea typeface="Microsoft Sans Serif"/>
+                <a:cs typeface="Microsoft Sans Serif"/>
+              </a:rPr>
+              <a:t>Container</a:t>
+            </a:r>
+          </a:p>
+        </p:txBody>
+      </p:sp>
+      <p:sp>
+        <p:nvSpPr>
+          <p:cNvPr id="6" name="Cylinder 5">
+            <a:extLst>
+              <a:ext uri="{FF2B5EF4-FFF2-40B4-BE49-F238E27FC236}">
+                <a16:creationId xmlns:a16="http://schemas.microsoft.com/office/drawing/2014/main" id="{654593F0-298D-1E67-6DA0-28E1CEC9487C}"/>
+              </a:ext>
+            </a:extLst>
+          </p:cNvPr>
+          <p:cNvSpPr/>
+          <p:nvPr/>
+        </p:nvSpPr>
+        <p:spPr>
+          <a:xfrm>
+            <a:off x="146861" y="2133599"/>
+            <a:ext cx="1132114" cy="1103085"/>
+          </a:xfrm>
+          <a:prstGeom prst="can">
+            <a:avLst/>
+          </a:prstGeom>
+          <a:solidFill>
+            <a:schemeClr val="accent3">
+              <a:lumMod val="20000"/>
+              <a:lumOff val="80000"/>
+            </a:schemeClr>
+          </a:solidFill>
+        </p:spPr>
+        <p:style>
+          <a:lnRef idx="2">
+            <a:schemeClr val="accent1">
+              <a:shade val="15000"/>
+            </a:schemeClr>
+          </a:lnRef>
+          <a:fillRef idx="1">
+            <a:schemeClr val="accent1"/>
+          </a:fillRef>
+          <a:effectRef idx="0">
+            <a:schemeClr val="accent1"/>
+          </a:effectRef>
+          <a:fontRef idx="minor">
+            <a:schemeClr val="lt1"/>
+          </a:fontRef>
+        </p:style>
+        <p:txBody>
+          <a:bodyPr rtlCol="0" anchor="ctr"/>
+          <a:lstStyle/>
+          <a:p>
+            <a:pPr algn="ctr"/>
+            <a:endParaRPr lang="en-US">
+              <a:latin typeface="Microsoft Sans Serif"/>
+              <a:ea typeface="Microsoft Sans Serif"/>
+              <a:cs typeface="Microsoft Sans Serif"/>
+            </a:endParaRPr>
+          </a:p>
+        </p:txBody>
+      </p:sp>
+      <p:sp>
+        <p:nvSpPr>
+          <p:cNvPr id="7" name="Cylinder 6">
+            <a:extLst>
+              <a:ext uri="{FF2B5EF4-FFF2-40B4-BE49-F238E27FC236}">
+                <a16:creationId xmlns:a16="http://schemas.microsoft.com/office/drawing/2014/main" id="{FDB44DB0-9043-C425-B559-B871DA78AA92}"/>
+              </a:ext>
+            </a:extLst>
+          </p:cNvPr>
+          <p:cNvSpPr/>
+          <p:nvPr/>
+        </p:nvSpPr>
+        <p:spPr>
+          <a:xfrm>
+            <a:off x="150489" y="2057400"/>
+            <a:ext cx="1132114" cy="776514"/>
+          </a:xfrm>
+          <a:prstGeom prst="can">
+            <a:avLst/>
+          </a:prstGeom>
+          <a:solidFill>
+            <a:schemeClr val="accent3">
+              <a:lumMod val="20000"/>
+              <a:lumOff val="80000"/>
+            </a:schemeClr>
+          </a:solidFill>
+        </p:spPr>
+        <p:style>
+          <a:lnRef idx="2">
+            <a:schemeClr val="accent1">
+              <a:shade val="15000"/>
+            </a:schemeClr>
+          </a:lnRef>
+          <a:fillRef idx="1">
+            <a:schemeClr val="accent1"/>
+          </a:fillRef>
+          <a:effectRef idx="0">
+            <a:schemeClr val="accent1"/>
+          </a:effectRef>
+          <a:fontRef idx="minor">
+            <a:schemeClr val="lt1"/>
+          </a:fontRef>
+        </p:style>
+        <p:txBody>
+          <a:bodyPr rtlCol="0" anchor="ctr"/>
+          <a:lstStyle/>
+          <a:p>
+            <a:pPr algn="ctr"/>
+            <a:r>
+              <a:rPr lang="en-US">
+                <a:solidFill>
+                  <a:schemeClr val="tx1"/>
+                </a:solidFill>
+                <a:latin typeface="Microsoft Sans Serif"/>
+                <a:ea typeface="Microsoft Sans Serif"/>
+                <a:cs typeface="Microsoft Sans Serif"/>
+              </a:rPr>
+              <a:t>Sources</a:t>
+            </a:r>
+          </a:p>
+        </p:txBody>
+      </p:sp>
+      <p:sp>
+        <p:nvSpPr>
+          <p:cNvPr id="8" name="Parallelogram 7">
+            <a:extLst>
+              <a:ext uri="{FF2B5EF4-FFF2-40B4-BE49-F238E27FC236}">
+                <a16:creationId xmlns:a16="http://schemas.microsoft.com/office/drawing/2014/main" id="{5FA96522-762E-56EB-C39E-7BA8880338E9}"/>
+              </a:ext>
+            </a:extLst>
+          </p:cNvPr>
+          <p:cNvSpPr/>
+          <p:nvPr/>
+        </p:nvSpPr>
+        <p:spPr>
+          <a:xfrm>
+            <a:off x="2241884" y="2115457"/>
+            <a:ext cx="1393371" cy="1081314"/>
+          </a:xfrm>
+          <a:prstGeom prst="parallelogram">
+            <a:avLst/>
+          </a:prstGeom>
+          <a:solidFill>
+            <a:schemeClr val="bg1">
+              <a:lumMod val="85000"/>
+            </a:schemeClr>
+          </a:solidFill>
+        </p:spPr>
+        <p:style>
+          <a:lnRef idx="2">
+            <a:schemeClr val="accent1">
+              <a:shade val="15000"/>
+            </a:schemeClr>
+          </a:lnRef>
+          <a:fillRef idx="1">
+            <a:schemeClr val="accent1"/>
+          </a:fillRef>
+          <a:effectRef idx="0">
+            <a:schemeClr val="accent1"/>
+          </a:effectRef>
+          <a:fontRef idx="minor">
+            <a:schemeClr val="lt1"/>
+          </a:fontRef>
+        </p:style>
+        <p:txBody>
+          <a:bodyPr rtlCol="0" anchor="ctr"/>
+          <a:lstStyle/>
+          <a:p>
+            <a:pPr algn="ctr"/>
+            <a:r>
+              <a:rPr lang="en-US">
+                <a:solidFill>
+                  <a:schemeClr val="tx1"/>
+                </a:solidFill>
+                <a:latin typeface="Microsoft Sans Serif"/>
+                <a:ea typeface="Microsoft Sans Serif"/>
+                <a:cs typeface="Microsoft Sans Serif"/>
+              </a:rPr>
+              <a:t>Python Script</a:t>
+            </a:r>
+          </a:p>
+        </p:txBody>
+      </p:sp>
+      <p:cxnSp>
+        <p:nvCxnSpPr>
+          <p:cNvPr id="9" name="Straight Arrow Connector 8">
+            <a:extLst>
+              <a:ext uri="{FF2B5EF4-FFF2-40B4-BE49-F238E27FC236}">
+                <a16:creationId xmlns:a16="http://schemas.microsoft.com/office/drawing/2014/main" id="{0F71A82D-666F-84D0-0F39-45A3E7F98AF2}"/>
+              </a:ext>
+            </a:extLst>
+          </p:cNvPr>
+          <p:cNvCxnSpPr/>
+          <p:nvPr/>
+        </p:nvCxnSpPr>
+        <p:spPr>
+          <a:xfrm>
+            <a:off x="1493062" y="2560721"/>
+            <a:ext cx="740228" cy="14514"/>
+          </a:xfrm>
+          <a:prstGeom prst="straightConnector1">
+            <a:avLst/>
+          </a:prstGeom>
+          <a:ln w="28575">
+            <a:tailEnd type="triangle"/>
+          </a:ln>
+        </p:spPr>
+        <p:style>
+          <a:lnRef idx="1">
+            <a:schemeClr val="accent1"/>
+          </a:lnRef>
+          <a:fillRef idx="0">
+            <a:schemeClr val="accent1"/>
+          </a:fillRef>
+          <a:effectRef idx="0">
+            <a:schemeClr val="accent1"/>
+          </a:effectRef>
+          <a:fontRef idx="minor">
+            <a:schemeClr val="tx1"/>
+          </a:fontRef>
+        </p:style>
+      </p:cxnSp>
+      <p:cxnSp>
+        <p:nvCxnSpPr>
+          <p:cNvPr id="11" name="Straight Arrow Connector 10">
+            <a:extLst>
+              <a:ext uri="{FF2B5EF4-FFF2-40B4-BE49-F238E27FC236}">
+                <a16:creationId xmlns:a16="http://schemas.microsoft.com/office/drawing/2014/main" id="{F662A62B-B9CC-59E4-4172-BAFB1A79BF83}"/>
+              </a:ext>
+            </a:extLst>
+          </p:cNvPr>
+          <p:cNvCxnSpPr>
+            <a:cxnSpLocks/>
+          </p:cNvCxnSpPr>
+          <p:nvPr/>
+        </p:nvCxnSpPr>
+        <p:spPr>
+          <a:xfrm>
+            <a:off x="6098100" y="2630904"/>
+            <a:ext cx="740228" cy="14514"/>
+          </a:xfrm>
+          <a:prstGeom prst="straightConnector1">
+            <a:avLst/>
+          </a:prstGeom>
+          <a:ln w="28575">
+            <a:tailEnd type="triangle"/>
+          </a:ln>
+        </p:spPr>
+        <p:style>
+          <a:lnRef idx="1">
+            <a:schemeClr val="accent1"/>
+          </a:lnRef>
+          <a:fillRef idx="0">
+            <a:schemeClr val="accent1"/>
+          </a:fillRef>
+          <a:effectRef idx="0">
+            <a:schemeClr val="accent1"/>
+          </a:effectRef>
+          <a:fontRef idx="minor">
+            <a:schemeClr val="tx1"/>
+          </a:fontRef>
+        </p:style>
+      </p:cxnSp>
+      <p:sp>
+        <p:nvSpPr>
+          <p:cNvPr id="12" name="Cube 11">
+            <a:extLst>
+              <a:ext uri="{FF2B5EF4-FFF2-40B4-BE49-F238E27FC236}">
+                <a16:creationId xmlns:a16="http://schemas.microsoft.com/office/drawing/2014/main" id="{9FD299BD-50D3-7C5B-95F4-63E3331E19C7}"/>
+              </a:ext>
+            </a:extLst>
+          </p:cNvPr>
+          <p:cNvSpPr/>
+          <p:nvPr/>
+        </p:nvSpPr>
+        <p:spPr>
+          <a:xfrm>
+            <a:off x="7009157" y="1604303"/>
+            <a:ext cx="2242458" cy="2121283"/>
+          </a:xfrm>
+          <a:prstGeom prst="cube">
+            <a:avLst/>
+          </a:prstGeom>
+          <a:solidFill>
+            <a:schemeClr val="accent4">
+              <a:lumMod val="20000"/>
+              <a:lumOff val="80000"/>
+            </a:schemeClr>
+          </a:solidFill>
+        </p:spPr>
+        <p:style>
+          <a:lnRef idx="2">
+            <a:schemeClr val="accent1">
+              <a:shade val="15000"/>
+            </a:schemeClr>
+          </a:lnRef>
+          <a:fillRef idx="1">
+            <a:schemeClr val="accent1"/>
+          </a:fillRef>
+          <a:effectRef idx="0">
+            <a:schemeClr val="accent1"/>
+          </a:effectRef>
+          <a:fontRef idx="minor">
+            <a:schemeClr val="lt1"/>
+          </a:fontRef>
+        </p:style>
+        <p:txBody>
+          <a:bodyPr rot="0" spcFirstLastPara="0" vertOverflow="overflow" horzOverflow="overflow" vert="horz" wrap="square" lIns="91440" tIns="45720" rIns="91440" bIns="45720" numCol="1" spcCol="0" rtlCol="0" fromWordArt="0" anchor="t" anchorCtr="0" forceAA="0" compatLnSpc="1">
+            <a:prstTxWarp prst="textNoShape">
+              <a:avLst/>
+            </a:prstTxWarp>
+            <a:noAutofit/>
+          </a:bodyPr>
+          <a:lstStyle/>
+          <a:p>
+            <a:pPr algn="ctr"/>
+            <a:r>
+              <a:rPr lang="en-US">
+                <a:solidFill>
+                  <a:schemeClr val="tx1"/>
+                </a:solidFill>
+                <a:latin typeface="Microsoft Sans Serif"/>
+                <a:ea typeface="Microsoft Sans Serif"/>
+                <a:cs typeface="Microsoft Sans Serif"/>
+              </a:rPr>
+              <a:t>Snowflake DW</a:t>
+            </a:r>
+          </a:p>
+        </p:txBody>
+      </p:sp>
+      <p:pic>
+        <p:nvPicPr>
+          <p:cNvPr id="13" name="Graphic 12" descr="Snowflake outline">
+            <a:extLst>
+              <a:ext uri="{FF2B5EF4-FFF2-40B4-BE49-F238E27FC236}">
+                <a16:creationId xmlns:a16="http://schemas.microsoft.com/office/drawing/2014/main" id="{4E4C0ABD-44C8-B685-B1B3-91B5D1A5BB82}"/>
+              </a:ext>
+            </a:extLst>
+          </p:cNvPr>
+          <p:cNvPicPr>
+            <a:picLocks noChangeAspect="1"/>
+          </p:cNvPicPr>
+          <p:nvPr/>
+        </p:nvPicPr>
+        <p:blipFill>
+          <a:blip r:embed="rId2">
+            <a:extLst>
+              <a:ext uri="{96DAC541-7B7A-43D3-8B79-37D633B846F1}">
+                <asvg:svgBlip xmlns:asvg="http://schemas.microsoft.com/office/drawing/2016/SVG/main" r:embed="rId3"/>
+              </a:ext>
+            </a:extLst>
+          </a:blip>
+          <a:stretch>
+            <a:fillRect/>
+          </a:stretch>
+        </p:blipFill>
+        <p:spPr>
+          <a:xfrm>
+            <a:off x="7690280" y="1597242"/>
+            <a:ext cx="617144" cy="642733"/>
+          </a:xfrm>
+          <a:prstGeom prst="rect">
+            <a:avLst/>
+          </a:prstGeom>
+        </p:spPr>
+      </p:pic>
+      <p:sp>
+        <p:nvSpPr>
+          <p:cNvPr id="18" name="Oval 17">
+            <a:extLst>
+              <a:ext uri="{FF2B5EF4-FFF2-40B4-BE49-F238E27FC236}">
+                <a16:creationId xmlns:a16="http://schemas.microsoft.com/office/drawing/2014/main" id="{5952DEB7-D4BA-6C70-FE58-924C70892258}"/>
+              </a:ext>
+            </a:extLst>
+          </p:cNvPr>
+          <p:cNvSpPr/>
+          <p:nvPr/>
+        </p:nvSpPr>
+        <p:spPr>
+          <a:xfrm>
+            <a:off x="7210064" y="2707868"/>
+            <a:ext cx="1338370" cy="832089"/>
+          </a:xfrm>
+          <a:prstGeom prst="ellipse">
+            <a:avLst/>
+          </a:prstGeom>
+          <a:solidFill>
+            <a:schemeClr val="accent5">
+              <a:lumMod val="20000"/>
+              <a:lumOff val="80000"/>
+            </a:schemeClr>
+          </a:solidFill>
+        </p:spPr>
+        <p:style>
+          <a:lnRef idx="2">
+            <a:schemeClr val="accent1">
+              <a:shade val="15000"/>
+            </a:schemeClr>
+          </a:lnRef>
+          <a:fillRef idx="1">
+            <a:schemeClr val="accent1"/>
+          </a:fillRef>
+          <a:effectRef idx="0">
+            <a:schemeClr val="accent1"/>
+          </a:effectRef>
+          <a:fontRef idx="minor">
+            <a:schemeClr val="lt1"/>
+          </a:fontRef>
+        </p:style>
+        <p:txBody>
+          <a:bodyPr rtlCol="0" anchor="ctr"/>
+          <a:lstStyle/>
+          <a:p>
+            <a:pPr algn="ctr"/>
+            <a:r>
+              <a:rPr lang="en-US">
+                <a:solidFill>
+                  <a:schemeClr val="tx1"/>
+                </a:solidFill>
+                <a:latin typeface="Microsoft Sans Serif"/>
+                <a:ea typeface="Microsoft Sans Serif"/>
+                <a:cs typeface="Microsoft Sans Serif"/>
+              </a:rPr>
+              <a:t>  DBT</a:t>
+            </a:r>
+          </a:p>
+        </p:txBody>
+      </p:sp>
+      <p:pic>
+        <p:nvPicPr>
+          <p:cNvPr id="19" name="Picture 18" descr="Dbt Logo PNG Vectors Free Download">
+            <a:extLst>
+              <a:ext uri="{FF2B5EF4-FFF2-40B4-BE49-F238E27FC236}">
+                <a16:creationId xmlns:a16="http://schemas.microsoft.com/office/drawing/2014/main" id="{DD483211-B682-5B5C-8179-626107C47599}"/>
+              </a:ext>
+            </a:extLst>
+          </p:cNvPr>
+          <p:cNvPicPr>
+            <a:picLocks noChangeAspect="1"/>
+          </p:cNvPicPr>
+          <p:nvPr/>
+        </p:nvPicPr>
+        <p:blipFill>
+          <a:blip r:embed="rId4"/>
+          <a:stretch>
+            <a:fillRect/>
+          </a:stretch>
+        </p:blipFill>
+        <p:spPr>
+          <a:xfrm>
+            <a:off x="7463029" y="3035790"/>
+            <a:ext cx="220842" cy="213585"/>
+          </a:xfrm>
+          <a:prstGeom prst="rect">
+            <a:avLst/>
+          </a:prstGeom>
+        </p:spPr>
+      </p:pic>
+      <p:cxnSp>
+        <p:nvCxnSpPr>
+          <p:cNvPr id="20" name="Straight Arrow Connector 19">
+            <a:extLst>
+              <a:ext uri="{FF2B5EF4-FFF2-40B4-BE49-F238E27FC236}">
+                <a16:creationId xmlns:a16="http://schemas.microsoft.com/office/drawing/2014/main" id="{8378AAC0-E57D-4037-E246-07C5BE8E5D37}"/>
+              </a:ext>
+            </a:extLst>
+          </p:cNvPr>
+          <p:cNvCxnSpPr>
+            <a:cxnSpLocks/>
+          </p:cNvCxnSpPr>
+          <p:nvPr/>
+        </p:nvCxnSpPr>
+        <p:spPr>
+          <a:xfrm>
+            <a:off x="3740293" y="2598056"/>
+            <a:ext cx="740228" cy="14514"/>
+          </a:xfrm>
+          <a:prstGeom prst="straightConnector1">
+            <a:avLst/>
+          </a:prstGeom>
+          <a:ln w="28575">
+            <a:tailEnd type="triangle"/>
+          </a:ln>
+        </p:spPr>
+        <p:style>
+          <a:lnRef idx="1">
+            <a:schemeClr val="accent1"/>
+          </a:lnRef>
+          <a:fillRef idx="0">
+            <a:schemeClr val="accent1"/>
+          </a:fillRef>
+          <a:effectRef idx="0">
+            <a:schemeClr val="accent1"/>
+          </a:effectRef>
+          <a:fontRef idx="minor">
+            <a:schemeClr val="tx1"/>
+          </a:fontRef>
+        </p:style>
+      </p:cxnSp>
+      <p:cxnSp>
+        <p:nvCxnSpPr>
+          <p:cNvPr id="21" name="Straight Arrow Connector 20">
+            <a:extLst>
+              <a:ext uri="{FF2B5EF4-FFF2-40B4-BE49-F238E27FC236}">
+                <a16:creationId xmlns:a16="http://schemas.microsoft.com/office/drawing/2014/main" id="{8378AAC0-E57D-4037-E246-07C5BE8E5D37}"/>
+              </a:ext>
+            </a:extLst>
+          </p:cNvPr>
+          <p:cNvCxnSpPr>
+            <a:cxnSpLocks/>
+          </p:cNvCxnSpPr>
+          <p:nvPr/>
+        </p:nvCxnSpPr>
+        <p:spPr>
+          <a:xfrm>
+            <a:off x="9397641" y="2590537"/>
+            <a:ext cx="740228" cy="14514"/>
+          </a:xfrm>
+          <a:prstGeom prst="straightConnector1">
+            <a:avLst/>
+          </a:prstGeom>
+          <a:ln w="28575">
+            <a:tailEnd type="triangle"/>
+          </a:ln>
+        </p:spPr>
+        <p:style>
+          <a:lnRef idx="1">
+            <a:schemeClr val="accent1"/>
+          </a:lnRef>
+          <a:fillRef idx="0">
+            <a:schemeClr val="accent1"/>
+          </a:fillRef>
+          <a:effectRef idx="0">
+            <a:schemeClr val="accent1"/>
+          </a:effectRef>
+          <a:fontRef idx="minor">
+            <a:schemeClr val="tx1"/>
+          </a:fontRef>
+        </p:style>
+      </p:cxnSp>
+      <p:sp>
+        <p:nvSpPr>
+          <p:cNvPr id="22" name="Rectangle: Rounded Corners 21">
+            <a:extLst>
+              <a:ext uri="{FF2B5EF4-FFF2-40B4-BE49-F238E27FC236}">
+                <a16:creationId xmlns:a16="http://schemas.microsoft.com/office/drawing/2014/main" id="{E4F5BC05-8116-AF67-174A-BADD748945E2}"/>
+              </a:ext>
+            </a:extLst>
+          </p:cNvPr>
+          <p:cNvSpPr/>
+          <p:nvPr/>
+        </p:nvSpPr>
+        <p:spPr>
+          <a:xfrm>
+            <a:off x="10319656" y="2133599"/>
+            <a:ext cx="1584158" cy="1002631"/>
+          </a:xfrm>
+          <a:prstGeom prst="roundRect">
+            <a:avLst/>
+          </a:prstGeom>
+          <a:solidFill>
+            <a:schemeClr val="accent3">
+              <a:lumMod val="20000"/>
+              <a:lumOff val="80000"/>
+            </a:schemeClr>
+          </a:solidFill>
+        </p:spPr>
+        <p:style>
+          <a:lnRef idx="2">
+            <a:schemeClr val="accent1">
+              <a:shade val="15000"/>
+            </a:schemeClr>
+          </a:lnRef>
+          <a:fillRef idx="1">
+            <a:schemeClr val="accent1"/>
+          </a:fillRef>
+          <a:effectRef idx="0">
+            <a:schemeClr val="accent1"/>
+          </a:effectRef>
+          <a:fontRef idx="minor">
+            <a:schemeClr val="lt1"/>
+          </a:fontRef>
+        </p:style>
+        <p:txBody>
+          <a:bodyPr lIns="91440" tIns="45720" rIns="91440" bIns="45720" rtlCol="0" anchor="ctr"/>
+          <a:lstStyle/>
+          <a:p>
+            <a:pPr algn="ctr"/>
+            <a:r>
+              <a:rPr lang="en-US">
+                <a:solidFill>
+                  <a:schemeClr val="tx1"/>
+                </a:solidFill>
+                <a:latin typeface="Microsoft Sans Serif"/>
+                <a:ea typeface="Microsoft Sans Serif"/>
+                <a:cs typeface="Microsoft Sans Serif"/>
+              </a:rPr>
+              <a:t>    Tableau</a:t>
+            </a:r>
+          </a:p>
+        </p:txBody>
+      </p:sp>
+      <p:pic>
+        <p:nvPicPr>
+          <p:cNvPr id="23" name="Picture 22" descr="Tableau Icon Vector SVG Icon - SVG Repo">
+            <a:extLst>
+              <a:ext uri="{FF2B5EF4-FFF2-40B4-BE49-F238E27FC236}">
+                <a16:creationId xmlns:a16="http://schemas.microsoft.com/office/drawing/2014/main" id="{573AE9AE-4EC8-2D1F-0868-FBFABFF94802}"/>
+              </a:ext>
+            </a:extLst>
+          </p:cNvPr>
+          <p:cNvPicPr>
+            <a:picLocks noChangeAspect="1"/>
+          </p:cNvPicPr>
+          <p:nvPr/>
+        </p:nvPicPr>
+        <p:blipFill>
+          <a:blip r:embed="rId5"/>
+          <a:stretch>
+            <a:fillRect/>
+          </a:stretch>
+        </p:blipFill>
+        <p:spPr>
+          <a:xfrm>
+            <a:off x="10438648" y="2517860"/>
+            <a:ext cx="318337" cy="278231"/>
+          </a:xfrm>
+          <a:prstGeom prst="rect">
+            <a:avLst/>
+          </a:prstGeom>
+        </p:spPr>
+      </p:pic>
+      <p:pic>
+        <p:nvPicPr>
+          <p:cNvPr id="24" name="Picture 23" descr="File:Microsoft Azure.svg - Wikipedia">
+            <a:extLst>
+              <a:ext uri="{FF2B5EF4-FFF2-40B4-BE49-F238E27FC236}">
+                <a16:creationId xmlns:a16="http://schemas.microsoft.com/office/drawing/2014/main" id="{7AFE5EC5-B531-3AAF-2C1A-841FABF1484C}"/>
+              </a:ext>
+            </a:extLst>
+          </p:cNvPr>
+          <p:cNvPicPr>
+            <a:picLocks noChangeAspect="1"/>
+          </p:cNvPicPr>
+          <p:nvPr/>
+        </p:nvPicPr>
+        <p:blipFill rotWithShape="1">
+          <a:blip r:embed="rId6"/>
+          <a:srcRect l="3756" t="7042" r="3286" b="7512"/>
+          <a:stretch/>
+        </p:blipFill>
+        <p:spPr>
+          <a:xfrm>
+            <a:off x="5114675" y="2027225"/>
+            <a:ext cx="277701" cy="216979"/>
+          </a:xfrm>
+          <a:prstGeom prst="rect">
+            <a:avLst/>
+          </a:prstGeom>
+        </p:spPr>
+      </p:pic>
+      <p:sp>
+        <p:nvSpPr>
+          <p:cNvPr id="28" name="TextBox 27">
+            <a:extLst>
+              <a:ext uri="{FF2B5EF4-FFF2-40B4-BE49-F238E27FC236}">
+                <a16:creationId xmlns:a16="http://schemas.microsoft.com/office/drawing/2014/main" id="{324E576B-3AF7-526F-85C3-4CA2AE70DBA0}"/>
+              </a:ext>
+            </a:extLst>
+          </p:cNvPr>
+          <p:cNvSpPr txBox="1"/>
+          <p:nvPr/>
+        </p:nvSpPr>
+        <p:spPr>
+          <a:xfrm>
+            <a:off x="1493157" y="4047289"/>
+            <a:ext cx="9609123" cy="2554545"/>
+          </a:xfrm>
+          <a:prstGeom prst="rect">
+            <a:avLst/>
+          </a:prstGeom>
+          <a:noFill/>
+        </p:spPr>
+        <p:txBody>
+          <a:bodyPr rot="0" spcFirstLastPara="0" vertOverflow="overflow" horzOverflow="overflow" vert="horz" wrap="square" lIns="91440" tIns="45720" rIns="91440" bIns="45720" numCol="1" spcCol="0" rtlCol="0" fromWordArt="0" anchor="t" anchorCtr="0" forceAA="0" compatLnSpc="1">
+            <a:prstTxWarp prst="textNoShape">
+              <a:avLst/>
+            </a:prstTxWarp>
+            <a:spAutoFit/>
+          </a:bodyPr>
+          <a:lstStyle/>
+          <a:p>
+            <a:pPr marL="342900" indent="-342900">
+              <a:buFont typeface="Wingdings"/>
+              <a:buChar char="§"/>
+            </a:pPr>
+            <a:r>
+              <a:rPr lang="en-US" sz="2000">
+                <a:solidFill>
+                  <a:srgbClr val="404040"/>
+                </a:solidFill>
+                <a:latin typeface="Microsoft Sans Serif"/>
+                <a:ea typeface="Microsoft Sans Serif"/>
+                <a:cs typeface="Microsoft Sans Serif"/>
+              </a:rPr>
+              <a:t> Data storage: Azure Container</a:t>
+            </a:r>
+            <a:endParaRPr lang="en-US" sz="2000">
+              <a:solidFill>
+                <a:srgbClr val="000000"/>
+              </a:solidFill>
+              <a:latin typeface="Microsoft Sans Serif"/>
+              <a:ea typeface="Microsoft Sans Serif"/>
+              <a:cs typeface="Microsoft Sans Serif"/>
+            </a:endParaRPr>
+          </a:p>
+          <a:p>
+            <a:pPr marL="800100" lvl="1" indent="-342900">
+              <a:buFont typeface="Wingdings"/>
+              <a:buChar char="§"/>
+            </a:pPr>
+            <a:endParaRPr lang="en-US" sz="2000">
+              <a:solidFill>
+                <a:srgbClr val="404040"/>
+              </a:solidFill>
+              <a:latin typeface="Microsoft Sans Serif"/>
+              <a:ea typeface="Microsoft Sans Serif"/>
+              <a:cs typeface="Microsoft Sans Serif"/>
+            </a:endParaRPr>
+          </a:p>
+          <a:p>
+            <a:pPr marL="342900" indent="-342900">
+              <a:buFont typeface="Wingdings"/>
+              <a:buChar char="§"/>
+            </a:pPr>
+            <a:r>
+              <a:rPr lang="en-US" sz="2000">
+                <a:solidFill>
+                  <a:srgbClr val="404040"/>
+                </a:solidFill>
+                <a:latin typeface="Microsoft Sans Serif"/>
+                <a:ea typeface="Microsoft Sans Serif"/>
+                <a:cs typeface="Microsoft Sans Serif"/>
+              </a:rPr>
+              <a:t> Data processing: Snowflake Data Warehouse</a:t>
+            </a:r>
+            <a:endParaRPr lang="en-US" sz="2000">
+              <a:solidFill>
+                <a:srgbClr val="000000"/>
+              </a:solidFill>
+              <a:latin typeface="Microsoft Sans Serif"/>
+              <a:ea typeface="Microsoft Sans Serif"/>
+              <a:cs typeface="Microsoft Sans Serif"/>
+            </a:endParaRPr>
+          </a:p>
+          <a:p>
+            <a:pPr marL="800100" lvl="1" indent="-342900">
+              <a:buFont typeface="Wingdings"/>
+              <a:buChar char="§"/>
+            </a:pPr>
+            <a:endParaRPr lang="en-US" sz="2000">
+              <a:solidFill>
+                <a:srgbClr val="404040"/>
+              </a:solidFill>
+              <a:latin typeface="Microsoft Sans Serif"/>
+              <a:ea typeface="Microsoft Sans Serif"/>
+              <a:cs typeface="Microsoft Sans Serif"/>
+            </a:endParaRPr>
+          </a:p>
+          <a:p>
+            <a:pPr marL="342900" indent="-342900">
+              <a:buFont typeface="Wingdings"/>
+              <a:buChar char="§"/>
+            </a:pPr>
+            <a:r>
+              <a:rPr lang="en-US" sz="2000">
+                <a:solidFill>
+                  <a:srgbClr val="404040"/>
+                </a:solidFill>
+                <a:latin typeface="Microsoft Sans Serif"/>
+                <a:ea typeface="Microsoft Sans Serif"/>
+                <a:cs typeface="Microsoft Sans Serif"/>
+              </a:rPr>
+              <a:t> Data orchestration: DBT (Data Build Tool)</a:t>
+            </a:r>
+            <a:endParaRPr lang="en-US" sz="2000">
+              <a:solidFill>
+                <a:srgbClr val="000000"/>
+              </a:solidFill>
+              <a:latin typeface="Microsoft Sans Serif"/>
+              <a:ea typeface="Microsoft Sans Serif"/>
+              <a:cs typeface="Microsoft Sans Serif"/>
+            </a:endParaRPr>
+          </a:p>
+          <a:p>
+            <a:pPr marL="342900" indent="-342900">
+              <a:buFont typeface="Wingdings"/>
+              <a:buChar char="§"/>
+            </a:pPr>
+            <a:endParaRPr lang="en-US" sz="2000">
+              <a:solidFill>
+                <a:srgbClr val="404040"/>
+              </a:solidFill>
+              <a:latin typeface="Microsoft Sans Serif"/>
+              <a:ea typeface="Microsoft Sans Serif"/>
+              <a:cs typeface="Microsoft Sans Serif"/>
+            </a:endParaRPr>
+          </a:p>
+          <a:p>
+            <a:pPr marL="342900" indent="-342900">
+              <a:buFont typeface="Wingdings"/>
+              <a:buChar char="§"/>
+            </a:pPr>
+            <a:r>
+              <a:rPr lang="en-US" sz="2000">
+                <a:solidFill>
+                  <a:srgbClr val="404040"/>
+                </a:solidFill>
+                <a:latin typeface="Microsoft Sans Serif"/>
+                <a:ea typeface="Microsoft Sans Serif"/>
+                <a:cs typeface="Microsoft Sans Serif"/>
+              </a:rPr>
+              <a:t> Data Visualization: Tableau</a:t>
+            </a:r>
+          </a:p>
+          <a:p>
+            <a:pPr lvl="1">
+              <a:buFont typeface="Wingdings"/>
+              <a:buChar char="§"/>
+            </a:pPr>
+            <a:endParaRPr lang="en-US" sz="2000">
+              <a:solidFill>
+                <a:srgbClr val="404040"/>
+              </a:solidFill>
+              <a:latin typeface="Microsoft Sans Serif"/>
+              <a:ea typeface="Microsoft Sans Serif"/>
+              <a:cs typeface="Microsoft Sans Serif"/>
+            </a:endParaRPr>
+          </a:p>
+        </p:txBody>
+      </p:sp>
+      <p:sp>
+        <p:nvSpPr>
+          <p:cNvPr id="4" name="Slide Number Placeholder 3">
+            <a:extLst>
+              <a:ext uri="{FF2B5EF4-FFF2-40B4-BE49-F238E27FC236}">
+                <a16:creationId xmlns:a16="http://schemas.microsoft.com/office/drawing/2014/main" id="{682CE233-56F9-BBF4-DDC7-059EAFE616D9}"/>
+              </a:ext>
+            </a:extLst>
+          </p:cNvPr>
           <p:cNvSpPr>
             <a:spLocks noGrp="1"/>
           </p:cNvSpPr>
           <p:nvPr>
-            <p:ph idx="1"/>
+            <p:ph type="sldNum" sz="quarter" idx="12"/>
           </p:nvPr>
         </p:nvSpPr>
         <p:spPr/>
@@ -8843,25 +8334,10 @@
           <a:bodyPr/>
           <a:lstStyle/>
           <a:p>
-            <a:endParaRPr lang="en-US"/>
-          </a:p>
-        </p:txBody>
-      </p:sp>
-      <p:sp>
-        <p:nvSpPr>
-          <p:cNvPr id="4" name="Text Placeholder 3"/>
-          <p:cNvSpPr>
-            <a:spLocks noGrp="1"/>
-          </p:cNvSpPr>
-          <p:nvPr>
-            <p:ph type="body" sz="half" idx="2"/>
-          </p:nvPr>
-        </p:nvSpPr>
-        <p:spPr/>
-        <p:txBody>
-          <a:bodyPr/>
-          <a:lstStyle/>
-          <a:p>
+            <a:fld id="{E31375A4-56A4-47D6-9801-1991572033F7}" type="slidenum">
+              <a:rPr lang="en-US"/>
+              <a:t>10</a:t>
+            </a:fld>
             <a:endParaRPr lang="en-US"/>
           </a:p>
         </p:txBody>
@@ -8869,7 +8345,7 @@
     </p:spTree>
     <p:extLst>
       <p:ext uri="{BB962C8B-B14F-4D97-AF65-F5344CB8AC3E}">
-        <p14:creationId xmlns:p14="http://schemas.microsoft.com/office/powerpoint/2010/main" val="2914748422"/>
+        <p14:creationId xmlns:p14="http://schemas.microsoft.com/office/powerpoint/2010/main" val="1494098600"/>
       </p:ext>
     </p:extLst>
   </p:cSld>
@@ -8908,6 +8384,1016 @@
           <a:chExt cx="0" cy="0"/>
         </a:xfrm>
       </p:grpSpPr>
+      <p:pic>
+        <p:nvPicPr>
+          <p:cNvPr id="2" name="Picture 1" descr="A graph of a number of people&#10;&#10;Description automatically generated">
+            <a:extLst>
+              <a:ext uri="{FF2B5EF4-FFF2-40B4-BE49-F238E27FC236}">
+                <a16:creationId xmlns:a16="http://schemas.microsoft.com/office/drawing/2014/main" id="{2282803E-7152-9483-349C-58CBC1E133D5}"/>
+              </a:ext>
+            </a:extLst>
+          </p:cNvPr>
+          <p:cNvPicPr>
+            <a:picLocks noChangeAspect="1"/>
+          </p:cNvPicPr>
+          <p:nvPr/>
+        </p:nvPicPr>
+        <p:blipFill>
+          <a:blip r:embed="rId2"/>
+          <a:stretch>
+            <a:fillRect/>
+          </a:stretch>
+        </p:blipFill>
+        <p:spPr>
+          <a:xfrm>
+            <a:off x="15658" y="-2477"/>
+            <a:ext cx="12162407" cy="6830922"/>
+          </a:xfrm>
+          <a:prstGeom prst="rect">
+            <a:avLst/>
+          </a:prstGeom>
+        </p:spPr>
+      </p:pic>
+      <p:sp>
+        <p:nvSpPr>
+          <p:cNvPr id="8" name="Rectangle: Rounded Corners 7">
+            <a:extLst>
+              <a:ext uri="{FF2B5EF4-FFF2-40B4-BE49-F238E27FC236}">
+                <a16:creationId xmlns:a16="http://schemas.microsoft.com/office/drawing/2014/main" id="{EA6BE317-FC44-27E0-B4BA-FAA7EC73C3A8}"/>
+              </a:ext>
+            </a:extLst>
+          </p:cNvPr>
+          <p:cNvSpPr/>
+          <p:nvPr/>
+        </p:nvSpPr>
+        <p:spPr>
+          <a:xfrm>
+            <a:off x="6808525" y="1118201"/>
+            <a:ext cx="5024242" cy="2027219"/>
+          </a:xfrm>
+          <a:prstGeom prst="roundRect">
+            <a:avLst/>
+          </a:prstGeom>
+          <a:solidFill>
+            <a:schemeClr val="accent6">
+              <a:lumMod val="20000"/>
+              <a:lumOff val="80000"/>
+            </a:schemeClr>
+          </a:solidFill>
+        </p:spPr>
+        <p:style>
+          <a:lnRef idx="2">
+            <a:schemeClr val="accent1">
+              <a:shade val="15000"/>
+            </a:schemeClr>
+          </a:lnRef>
+          <a:fillRef idx="1">
+            <a:schemeClr val="accent1"/>
+          </a:fillRef>
+          <a:effectRef idx="0">
+            <a:schemeClr val="accent1"/>
+          </a:effectRef>
+          <a:fontRef idx="minor">
+            <a:schemeClr val="lt1"/>
+          </a:fontRef>
+        </p:style>
+        <p:txBody>
+          <a:bodyPr lIns="91440" tIns="45720" rIns="91440" bIns="45720" rtlCol="0" anchor="t"/>
+          <a:lstStyle/>
+          <a:p>
+            <a:pPr marL="285750" indent="-285750">
+              <a:lnSpc>
+                <a:spcPct val="150000"/>
+              </a:lnSpc>
+              <a:buFont typeface="Wingdings"/>
+              <a:buChar char="§"/>
+            </a:pPr>
+            <a:r>
+              <a:rPr lang="en-US" sz="1400">
+                <a:solidFill>
+                  <a:schemeClr val="tx1"/>
+                </a:solidFill>
+                <a:latin typeface="Microsoft Sans Serif"/>
+                <a:ea typeface="Microsoft Sans Serif"/>
+                <a:cs typeface="Microsoft Sans Serif"/>
+              </a:rPr>
+              <a:t>The bar chart shows where doctors are across states</a:t>
+            </a:r>
+            <a:endParaRPr lang="en-US" sz="1100">
+              <a:solidFill>
+                <a:schemeClr val="tx1"/>
+              </a:solidFill>
+              <a:latin typeface="Microsoft Sans Serif"/>
+              <a:ea typeface="Microsoft Sans Serif"/>
+              <a:cs typeface="Microsoft Sans Serif"/>
+            </a:endParaRPr>
+          </a:p>
+          <a:p>
+            <a:pPr marL="285750" indent="-285750">
+              <a:lnSpc>
+                <a:spcPct val="150000"/>
+              </a:lnSpc>
+              <a:buFont typeface="Wingdings"/>
+              <a:buChar char="§"/>
+            </a:pPr>
+            <a:r>
+              <a:rPr lang="en-US" sz="1400">
+                <a:solidFill>
+                  <a:schemeClr val="tx1"/>
+                </a:solidFill>
+                <a:latin typeface="Microsoft Sans Serif"/>
+                <a:ea typeface="Microsoft Sans Serif"/>
+                <a:cs typeface="Microsoft Sans Serif"/>
+              </a:rPr>
+              <a:t>California leads with over 500,000 doctors</a:t>
+            </a:r>
+            <a:endParaRPr lang="en-US">
+              <a:solidFill>
+                <a:schemeClr val="tx1"/>
+              </a:solidFill>
+              <a:latin typeface="Microsoft Sans Serif"/>
+              <a:ea typeface="Microsoft Sans Serif"/>
+              <a:cs typeface="Microsoft Sans Serif"/>
+            </a:endParaRPr>
+          </a:p>
+          <a:p>
+            <a:pPr marL="285750" indent="-285750">
+              <a:lnSpc>
+                <a:spcPct val="150000"/>
+              </a:lnSpc>
+              <a:buFont typeface="Wingdings"/>
+              <a:buChar char="§"/>
+            </a:pPr>
+            <a:r>
+              <a:rPr lang="en-US" sz="1400">
+                <a:solidFill>
+                  <a:schemeClr val="tx1"/>
+                </a:solidFill>
+                <a:latin typeface="Microsoft Sans Serif"/>
+                <a:ea typeface="Microsoft Sans Serif"/>
+                <a:cs typeface="Microsoft Sans Serif"/>
+              </a:rPr>
+              <a:t>Texas and Florida follow with significant numbers</a:t>
+            </a:r>
+            <a:endParaRPr lang="en-US">
+              <a:solidFill>
+                <a:schemeClr val="tx1"/>
+              </a:solidFill>
+              <a:latin typeface="Microsoft Sans Serif"/>
+              <a:ea typeface="Microsoft Sans Serif"/>
+              <a:cs typeface="Microsoft Sans Serif"/>
+            </a:endParaRPr>
+          </a:p>
+          <a:p>
+            <a:pPr marL="285750" indent="-285750">
+              <a:lnSpc>
+                <a:spcPct val="150000"/>
+              </a:lnSpc>
+              <a:buFont typeface="Wingdings"/>
+              <a:buChar char="§"/>
+            </a:pPr>
+            <a:r>
+              <a:rPr lang="en-US" sz="1400">
+                <a:solidFill>
+                  <a:schemeClr val="tx1"/>
+                </a:solidFill>
+                <a:latin typeface="Microsoft Sans Serif"/>
+                <a:ea typeface="Microsoft Sans Serif"/>
+                <a:cs typeface="Microsoft Sans Serif"/>
+              </a:rPr>
+              <a:t>Other states show a gradual decrease in doctor counts</a:t>
+            </a:r>
+            <a:endParaRPr lang="en-US">
+              <a:solidFill>
+                <a:schemeClr val="tx1"/>
+              </a:solidFill>
+              <a:latin typeface="Microsoft Sans Serif"/>
+              <a:ea typeface="Microsoft Sans Serif"/>
+              <a:cs typeface="Microsoft Sans Serif"/>
+            </a:endParaRPr>
+          </a:p>
+          <a:p>
+            <a:pPr marL="285750" indent="-285750">
+              <a:lnSpc>
+                <a:spcPct val="150000"/>
+              </a:lnSpc>
+              <a:buFont typeface="Wingdings"/>
+              <a:buChar char="§"/>
+            </a:pPr>
+            <a:r>
+              <a:rPr lang="en-US" sz="1400">
+                <a:solidFill>
+                  <a:schemeClr val="tx1"/>
+                </a:solidFill>
+                <a:latin typeface="Microsoft Sans Serif"/>
+                <a:ea typeface="Microsoft Sans Serif"/>
+                <a:cs typeface="Microsoft Sans Serif"/>
+              </a:rPr>
+              <a:t>Some states have only a few hundred doctors</a:t>
+            </a:r>
+            <a:endParaRPr lang="en-US">
+              <a:solidFill>
+                <a:schemeClr val="tx1"/>
+              </a:solidFill>
+              <a:latin typeface="Microsoft Sans Serif"/>
+              <a:ea typeface="Microsoft Sans Serif"/>
+              <a:cs typeface="Microsoft Sans Serif"/>
+            </a:endParaRPr>
+          </a:p>
+        </p:txBody>
+      </p:sp>
+      <p:sp>
+        <p:nvSpPr>
+          <p:cNvPr id="3" name="Slide Number Placeholder 2">
+            <a:extLst>
+              <a:ext uri="{FF2B5EF4-FFF2-40B4-BE49-F238E27FC236}">
+                <a16:creationId xmlns:a16="http://schemas.microsoft.com/office/drawing/2014/main" id="{39EF193D-5243-FDC0-88A5-880C78408EE4}"/>
+              </a:ext>
+            </a:extLst>
+          </p:cNvPr>
+          <p:cNvSpPr>
+            <a:spLocks noGrp="1"/>
+          </p:cNvSpPr>
+          <p:nvPr>
+            <p:ph type="sldNum" sz="quarter" idx="12"/>
+          </p:nvPr>
+        </p:nvSpPr>
+        <p:spPr/>
+        <p:txBody>
+          <a:bodyPr/>
+          <a:lstStyle/>
+          <a:p>
+            <a:fld id="{E31375A4-56A4-47D6-9801-1991572033F7}" type="slidenum">
+              <a:rPr lang="en-US"/>
+              <a:t>11</a:t>
+            </a:fld>
+            <a:endParaRPr lang="en-US"/>
+          </a:p>
+        </p:txBody>
+      </p:sp>
+    </p:spTree>
+    <p:extLst>
+      <p:ext uri="{BB962C8B-B14F-4D97-AF65-F5344CB8AC3E}">
+        <p14:creationId xmlns:p14="http://schemas.microsoft.com/office/powerpoint/2010/main" val="2477294974"/>
+      </p:ext>
+    </p:extLst>
+  </p:cSld>
+  <p:clrMapOvr>
+    <a:masterClrMapping/>
+  </p:clrMapOvr>
+  <mc:AlternateContent xmlns:mc="http://schemas.openxmlformats.org/markup-compatibility/2006" xmlns:p14="http://schemas.microsoft.com/office/powerpoint/2010/main">
+    <mc:Choice Requires="p14">
+      <p:transition spd="med" p14:dur="700">
+        <p:fade/>
+      </p:transition>
+    </mc:Choice>
+    <mc:Fallback xmlns="">
+      <p:transition spd="med">
+        <p:fade/>
+      </p:transition>
+    </mc:Fallback>
+  </mc:AlternateContent>
+</p:sld>
+</file>
+
+<file path=ppt/slides/slide12.xml><?xml version="1.0" encoding="utf-8"?>
+<p:sld xmlns:a="http://schemas.openxmlformats.org/drawingml/2006/main" xmlns:r="http://schemas.openxmlformats.org/officeDocument/2006/relationships" xmlns:p="http://schemas.openxmlformats.org/presentationml/2006/main" show="0">
+  <p:cSld>
+    <p:spTree>
+      <p:nvGrpSpPr>
+        <p:cNvPr id="1" name=""/>
+        <p:cNvGrpSpPr/>
+        <p:nvPr/>
+      </p:nvGrpSpPr>
+      <p:grpSpPr>
+        <a:xfrm>
+          <a:off x="0" y="0"/>
+          <a:ext cx="0" cy="0"/>
+          <a:chOff x="0" y="0"/>
+          <a:chExt cx="0" cy="0"/>
+        </a:xfrm>
+      </p:grpSpPr>
+      <p:pic>
+        <p:nvPicPr>
+          <p:cNvPr id="2" name="Picture 1">
+            <a:extLst>
+              <a:ext uri="{FF2B5EF4-FFF2-40B4-BE49-F238E27FC236}">
+                <a16:creationId xmlns:a16="http://schemas.microsoft.com/office/drawing/2014/main" id="{615FB340-31E6-5AAA-DB74-E7E74F69E06A}"/>
+              </a:ext>
+            </a:extLst>
+          </p:cNvPr>
+          <p:cNvPicPr>
+            <a:picLocks noChangeAspect="1"/>
+          </p:cNvPicPr>
+          <p:nvPr/>
+        </p:nvPicPr>
+        <p:blipFill>
+          <a:blip r:embed="rId2"/>
+          <a:stretch>
+            <a:fillRect/>
+          </a:stretch>
+        </p:blipFill>
+        <p:spPr>
+          <a:xfrm>
+            <a:off x="429087" y="-2054"/>
+            <a:ext cx="11333825" cy="6854709"/>
+          </a:xfrm>
+          <a:prstGeom prst="rect">
+            <a:avLst/>
+          </a:prstGeom>
+        </p:spPr>
+      </p:pic>
+      <p:sp>
+        <p:nvSpPr>
+          <p:cNvPr id="6" name="Rectangle: Rounded Corners 5">
+            <a:extLst>
+              <a:ext uri="{FF2B5EF4-FFF2-40B4-BE49-F238E27FC236}">
+                <a16:creationId xmlns:a16="http://schemas.microsoft.com/office/drawing/2014/main" id="{9BDBE2ED-05CF-CB76-807F-7E2F8AADF4F8}"/>
+              </a:ext>
+            </a:extLst>
+          </p:cNvPr>
+          <p:cNvSpPr/>
+          <p:nvPr/>
+        </p:nvSpPr>
+        <p:spPr>
+          <a:xfrm>
+            <a:off x="6561783" y="973058"/>
+            <a:ext cx="4421900" cy="2186876"/>
+          </a:xfrm>
+          <a:prstGeom prst="roundRect">
+            <a:avLst/>
+          </a:prstGeom>
+          <a:solidFill>
+            <a:schemeClr val="accent6">
+              <a:lumMod val="20000"/>
+              <a:lumOff val="80000"/>
+            </a:schemeClr>
+          </a:solidFill>
+        </p:spPr>
+        <p:style>
+          <a:lnRef idx="2">
+            <a:schemeClr val="accent1">
+              <a:shade val="15000"/>
+            </a:schemeClr>
+          </a:lnRef>
+          <a:fillRef idx="1">
+            <a:schemeClr val="accent1"/>
+          </a:fillRef>
+          <a:effectRef idx="0">
+            <a:schemeClr val="accent1"/>
+          </a:effectRef>
+          <a:fontRef idx="minor">
+            <a:schemeClr val="lt1"/>
+          </a:fontRef>
+        </p:style>
+        <p:txBody>
+          <a:bodyPr lIns="91440" tIns="45720" rIns="91440" bIns="45720" rtlCol="0" anchor="t"/>
+          <a:lstStyle/>
+          <a:p>
+            <a:pPr marL="285750" indent="-285750">
+              <a:lnSpc>
+                <a:spcPct val="150000"/>
+              </a:lnSpc>
+              <a:buFont typeface="Wingdings"/>
+              <a:buChar char="§"/>
+            </a:pPr>
+            <a:r>
+              <a:rPr lang="en-US" sz="1400">
+                <a:solidFill>
+                  <a:schemeClr val="tx1"/>
+                </a:solidFill>
+                <a:latin typeface="Microsoft Sans Serif"/>
+                <a:ea typeface="Microsoft Sans Serif"/>
+                <a:cs typeface="Microsoft Sans Serif"/>
+              </a:rPr>
+              <a:t>The graph shows company distribution and concentration</a:t>
+            </a:r>
+          </a:p>
+          <a:p>
+            <a:pPr marL="342900" indent="-342900">
+              <a:lnSpc>
+                <a:spcPct val="150000"/>
+              </a:lnSpc>
+              <a:buFont typeface="Wingdings"/>
+              <a:buChar char="§"/>
+            </a:pPr>
+            <a:r>
+              <a:rPr lang="en-US" sz="1400">
+                <a:solidFill>
+                  <a:schemeClr val="tx1"/>
+                </a:solidFill>
+                <a:latin typeface="Microsoft Sans Serif"/>
+                <a:ea typeface="Microsoft Sans Serif"/>
+                <a:cs typeface="Microsoft Sans Serif"/>
+              </a:rPr>
+              <a:t>California leads with around 450 companies</a:t>
+            </a:r>
+          </a:p>
+          <a:p>
+            <a:pPr marL="342900" indent="-342900">
+              <a:lnSpc>
+                <a:spcPct val="150000"/>
+              </a:lnSpc>
+              <a:buFont typeface="Wingdings"/>
+              <a:buChar char="§"/>
+            </a:pPr>
+            <a:r>
+              <a:rPr lang="en-US" sz="1400">
+                <a:solidFill>
+                  <a:schemeClr val="tx1"/>
+                </a:solidFill>
+                <a:latin typeface="Microsoft Sans Serif"/>
+                <a:ea typeface="Microsoft Sans Serif"/>
+                <a:cs typeface="Microsoft Sans Serif"/>
+              </a:rPr>
+              <a:t>Counts decrease gradually for other states</a:t>
+            </a:r>
+          </a:p>
+          <a:p>
+            <a:pPr marL="342900" indent="-342900">
+              <a:lnSpc>
+                <a:spcPct val="150000"/>
+              </a:lnSpc>
+              <a:buFont typeface="Wingdings"/>
+              <a:buChar char="§"/>
+            </a:pPr>
+            <a:r>
+              <a:rPr lang="en-US" sz="1400">
+                <a:solidFill>
+                  <a:schemeClr val="tx1"/>
+                </a:solidFill>
+                <a:latin typeface="Microsoft Sans Serif"/>
+                <a:ea typeface="Microsoft Sans Serif"/>
+                <a:cs typeface="Microsoft Sans Serif"/>
+              </a:rPr>
+              <a:t>Many states have fewer than 50 companies</a:t>
+            </a:r>
+            <a:endParaRPr lang="en-US">
+              <a:solidFill>
+                <a:schemeClr val="tx1"/>
+              </a:solidFill>
+              <a:latin typeface="Microsoft Sans Serif"/>
+              <a:ea typeface="Microsoft Sans Serif"/>
+              <a:cs typeface="Microsoft Sans Serif"/>
+            </a:endParaRPr>
+          </a:p>
+        </p:txBody>
+      </p:sp>
+      <p:sp>
+        <p:nvSpPr>
+          <p:cNvPr id="3" name="Slide Number Placeholder 2">
+            <a:extLst>
+              <a:ext uri="{FF2B5EF4-FFF2-40B4-BE49-F238E27FC236}">
+                <a16:creationId xmlns:a16="http://schemas.microsoft.com/office/drawing/2014/main" id="{5B28592B-B446-D5A7-A90D-A1118CF26595}"/>
+              </a:ext>
+            </a:extLst>
+          </p:cNvPr>
+          <p:cNvSpPr>
+            <a:spLocks noGrp="1"/>
+          </p:cNvSpPr>
+          <p:nvPr>
+            <p:ph type="sldNum" sz="quarter" idx="12"/>
+          </p:nvPr>
+        </p:nvSpPr>
+        <p:spPr/>
+        <p:txBody>
+          <a:bodyPr/>
+          <a:lstStyle/>
+          <a:p>
+            <a:fld id="{E31375A4-56A4-47D6-9801-1991572033F7}" type="slidenum">
+              <a:rPr lang="en-US"/>
+              <a:t>12</a:t>
+            </a:fld>
+            <a:endParaRPr lang="en-US"/>
+          </a:p>
+        </p:txBody>
+      </p:sp>
+    </p:spTree>
+    <p:extLst>
+      <p:ext uri="{BB962C8B-B14F-4D97-AF65-F5344CB8AC3E}">
+        <p14:creationId xmlns:p14="http://schemas.microsoft.com/office/powerpoint/2010/main" val="1001865620"/>
+      </p:ext>
+    </p:extLst>
+  </p:cSld>
+  <p:clrMapOvr>
+    <a:masterClrMapping/>
+  </p:clrMapOvr>
+  <mc:AlternateContent xmlns:mc="http://schemas.openxmlformats.org/markup-compatibility/2006">
+    <mc:Choice xmlns:p14="http://schemas.microsoft.com/office/powerpoint/2010/main" Requires="p14">
+      <p:transition spd="med" p14:dur="700">
+        <p:fade/>
+      </p:transition>
+    </mc:Choice>
+    <mc:Fallback>
+      <p:transition spd="med">
+        <p:fade/>
+      </p:transition>
+    </mc:Fallback>
+  </mc:AlternateContent>
+</p:sld>
+</file>
+
+<file path=ppt/slides/slide13.xml><?xml version="1.0" encoding="utf-8"?>
+<p:sld xmlns:a="http://schemas.openxmlformats.org/drawingml/2006/main" xmlns:r="http://schemas.openxmlformats.org/officeDocument/2006/relationships" xmlns:p="http://schemas.openxmlformats.org/presentationml/2006/main">
+  <p:cSld>
+    <p:spTree>
+      <p:nvGrpSpPr>
+        <p:cNvPr id="1" name=""/>
+        <p:cNvGrpSpPr/>
+        <p:nvPr/>
+      </p:nvGrpSpPr>
+      <p:grpSpPr>
+        <a:xfrm>
+          <a:off x="0" y="0"/>
+          <a:ext cx="0" cy="0"/>
+          <a:chOff x="0" y="0"/>
+          <a:chExt cx="0" cy="0"/>
+        </a:xfrm>
+      </p:grpSpPr>
+      <p:sp>
+        <p:nvSpPr>
+          <p:cNvPr id="23" name="Title 1">
+            <a:extLst>
+              <a:ext uri="{FF2B5EF4-FFF2-40B4-BE49-F238E27FC236}">
+                <a16:creationId xmlns:a16="http://schemas.microsoft.com/office/drawing/2014/main" id="{EC735BBD-F366-9934-BD8F-3B3A1248C60A}"/>
+              </a:ext>
+            </a:extLst>
+          </p:cNvPr>
+          <p:cNvSpPr>
+            <a:spLocks noGrp="1"/>
+          </p:cNvSpPr>
+          <p:nvPr>
+            <p:ph type="title" idx="4294967295"/>
+          </p:nvPr>
+        </p:nvSpPr>
+        <p:spPr>
+          <a:xfrm>
+            <a:off x="5923850" y="738111"/>
+            <a:ext cx="6085480" cy="5584371"/>
+          </a:xfrm>
+        </p:spPr>
+        <p:txBody>
+          <a:bodyPr vert="horz" lIns="91440" tIns="45720" rIns="91440" bIns="45720" rtlCol="0" anchor="t">
+            <a:noAutofit/>
+          </a:bodyPr>
+          <a:lstStyle/>
+          <a:p>
+            <a:pPr marL="285750" indent="-285750">
+              <a:lnSpc>
+                <a:spcPct val="150000"/>
+              </a:lnSpc>
+              <a:buFont typeface="Wingdings"/>
+              <a:buChar char="§"/>
+            </a:pPr>
+            <a:r>
+              <a:rPr lang="en-US" sz="2000">
+                <a:solidFill>
+                  <a:schemeClr val="tx1"/>
+                </a:solidFill>
+                <a:latin typeface="Microsoft Sans Serif"/>
+                <a:ea typeface="Microsoft Sans Serif"/>
+                <a:cs typeface="Microsoft Sans Serif"/>
+              </a:rPr>
+              <a:t>The pie chart displays payment amounts split by type: </a:t>
+            </a:r>
+            <a:r>
+              <a:rPr lang="en-US" sz="2000" err="1">
+                <a:solidFill>
+                  <a:schemeClr val="tx1"/>
+                </a:solidFill>
+                <a:latin typeface="Microsoft Sans Serif"/>
+                <a:ea typeface="Microsoft Sans Serif"/>
+                <a:cs typeface="Microsoft Sans Serif"/>
+              </a:rPr>
+              <a:t>GeneralPayment</a:t>
+            </a:r>
+            <a:r>
+              <a:rPr lang="en-US" sz="2000">
+                <a:solidFill>
+                  <a:schemeClr val="tx1"/>
+                </a:solidFill>
+                <a:latin typeface="Microsoft Sans Serif"/>
+                <a:ea typeface="Microsoft Sans Serif"/>
+                <a:cs typeface="Microsoft Sans Serif"/>
+              </a:rPr>
+              <a:t> and </a:t>
+            </a:r>
+            <a:r>
+              <a:rPr lang="en-US" sz="2000" err="1">
+                <a:solidFill>
+                  <a:schemeClr val="tx1"/>
+                </a:solidFill>
+                <a:latin typeface="Microsoft Sans Serif"/>
+                <a:ea typeface="Microsoft Sans Serif"/>
+                <a:cs typeface="Microsoft Sans Serif"/>
+              </a:rPr>
+              <a:t>ResearchPayment</a:t>
+            </a:r>
+            <a:r>
+              <a:rPr lang="en-US" sz="2000">
+                <a:solidFill>
+                  <a:schemeClr val="tx1"/>
+                </a:solidFill>
+                <a:latin typeface="Microsoft Sans Serif"/>
+                <a:ea typeface="Microsoft Sans Serif"/>
+                <a:cs typeface="Microsoft Sans Serif"/>
+              </a:rPr>
+              <a:t>,</a:t>
+            </a:r>
+            <a:br>
+              <a:rPr lang="en-US" sz="2000">
+                <a:latin typeface="Microsoft Sans Serif"/>
+                <a:ea typeface="Microsoft Sans Serif"/>
+                <a:cs typeface="Microsoft Sans Serif"/>
+              </a:rPr>
+            </a:br>
+            <a:r>
+              <a:rPr lang="en-US" sz="2000" err="1">
+                <a:solidFill>
+                  <a:schemeClr val="tx1"/>
+                </a:solidFill>
+                <a:latin typeface="Microsoft Sans Serif"/>
+                <a:ea typeface="Microsoft Sans Serif"/>
+                <a:cs typeface="Microsoft Sans Serif"/>
+              </a:rPr>
+              <a:t>ResearchPayment</a:t>
+            </a:r>
+            <a:r>
+              <a:rPr lang="en-US" sz="2000">
+                <a:solidFill>
+                  <a:schemeClr val="tx1"/>
+                </a:solidFill>
+                <a:latin typeface="Microsoft Sans Serif"/>
+                <a:ea typeface="Microsoft Sans Serif"/>
+                <a:cs typeface="Microsoft Sans Serif"/>
+              </a:rPr>
+              <a:t> accounts for $4.5T, represented by the large orange slice,</a:t>
+            </a:r>
+            <a:br>
+              <a:rPr lang="en-US" sz="2000">
+                <a:latin typeface="Microsoft Sans Serif"/>
+                <a:ea typeface="Microsoft Sans Serif"/>
+                <a:cs typeface="Microsoft Sans Serif"/>
+              </a:rPr>
+            </a:br>
+            <a:r>
+              <a:rPr lang="en-US" sz="2000" err="1">
+                <a:solidFill>
+                  <a:schemeClr val="tx1"/>
+                </a:solidFill>
+                <a:latin typeface="Microsoft Sans Serif"/>
+                <a:ea typeface="Microsoft Sans Serif"/>
+                <a:cs typeface="Microsoft Sans Serif"/>
+              </a:rPr>
+              <a:t>GeneralPayment</a:t>
+            </a:r>
+            <a:r>
+              <a:rPr lang="en-US" sz="2000">
+                <a:solidFill>
+                  <a:schemeClr val="tx1"/>
+                </a:solidFill>
+                <a:latin typeface="Microsoft Sans Serif"/>
+                <a:ea typeface="Microsoft Sans Serif"/>
+                <a:cs typeface="Microsoft Sans Serif"/>
+              </a:rPr>
+              <a:t> amounts to $167B, depicted by the smaller blue slice</a:t>
+            </a:r>
+            <a:br>
+              <a:rPr lang="en-US" sz="2000">
+                <a:latin typeface="Microsoft Sans Serif"/>
+                <a:ea typeface="Microsoft Sans Serif"/>
+                <a:cs typeface="Microsoft Sans Serif"/>
+              </a:rPr>
+            </a:br>
+            <a:endParaRPr lang="en-US" sz="2000">
+              <a:solidFill>
+                <a:schemeClr val="tx1"/>
+              </a:solidFill>
+              <a:latin typeface="Microsoft Sans Serif"/>
+              <a:ea typeface="Microsoft Sans Serif"/>
+              <a:cs typeface="Microsoft Sans Serif"/>
+            </a:endParaRPr>
+          </a:p>
+          <a:p>
+            <a:pPr marL="285750" indent="-285750">
+              <a:lnSpc>
+                <a:spcPct val="150000"/>
+              </a:lnSpc>
+              <a:buFont typeface="Wingdings"/>
+              <a:buChar char="§"/>
+            </a:pPr>
+            <a:r>
+              <a:rPr lang="en-US" sz="2000">
+                <a:solidFill>
+                  <a:schemeClr val="tx1"/>
+                </a:solidFill>
+                <a:latin typeface="Microsoft Sans Serif"/>
+                <a:ea typeface="Microsoft Sans Serif"/>
+                <a:cs typeface="Microsoft Sans Serif"/>
+              </a:rPr>
+              <a:t>Research payment constitutes the majority, while General Payment forms a significant but smaller portion.</a:t>
+            </a:r>
+          </a:p>
+          <a:p>
+            <a:pPr>
+              <a:lnSpc>
+                <a:spcPct val="150000"/>
+              </a:lnSpc>
+            </a:pPr>
+            <a:endParaRPr lang="en-US" sz="1400">
+              <a:solidFill>
+                <a:schemeClr val="tx1"/>
+              </a:solidFill>
+              <a:latin typeface="Microsoft Sans Serif"/>
+              <a:ea typeface="Microsoft Sans Serif"/>
+              <a:cs typeface="Microsoft Sans Serif"/>
+            </a:endParaRPr>
+          </a:p>
+          <a:p>
+            <a:pPr>
+              <a:lnSpc>
+                <a:spcPct val="150000"/>
+              </a:lnSpc>
+            </a:pPr>
+            <a:endParaRPr lang="en-US" sz="1400">
+              <a:solidFill>
+                <a:schemeClr val="tx1"/>
+              </a:solidFill>
+              <a:latin typeface="Microsoft Sans Serif"/>
+              <a:ea typeface="Microsoft Sans Serif"/>
+              <a:cs typeface="Microsoft Sans Serif"/>
+            </a:endParaRPr>
+          </a:p>
+        </p:txBody>
+      </p:sp>
+      <p:pic>
+        <p:nvPicPr>
+          <p:cNvPr id="2" name="Picture 1" descr="A pie chart with a blue and orange circle&#10;&#10;Description automatically generated">
+            <a:extLst>
+              <a:ext uri="{FF2B5EF4-FFF2-40B4-BE49-F238E27FC236}">
+                <a16:creationId xmlns:a16="http://schemas.microsoft.com/office/drawing/2014/main" id="{C8241382-C76D-A2F3-2C5D-8D61B9F73FD1}"/>
+              </a:ext>
+            </a:extLst>
+          </p:cNvPr>
+          <p:cNvPicPr>
+            <a:picLocks noChangeAspect="1"/>
+          </p:cNvPicPr>
+          <p:nvPr/>
+        </p:nvPicPr>
+        <p:blipFill rotWithShape="1">
+          <a:blip r:embed="rId2"/>
+          <a:srcRect l="407" r="34202" b="-368"/>
+          <a:stretch/>
+        </p:blipFill>
+        <p:spPr>
+          <a:xfrm>
+            <a:off x="1" y="736450"/>
+            <a:ext cx="5671829" cy="5932439"/>
+          </a:xfrm>
+          <a:prstGeom prst="rect">
+            <a:avLst/>
+          </a:prstGeom>
+          <a:noFill/>
+        </p:spPr>
+      </p:pic>
+      <p:sp>
+        <p:nvSpPr>
+          <p:cNvPr id="3" name="Slide Number Placeholder 2">
+            <a:extLst>
+              <a:ext uri="{FF2B5EF4-FFF2-40B4-BE49-F238E27FC236}">
+                <a16:creationId xmlns:a16="http://schemas.microsoft.com/office/drawing/2014/main" id="{8614793C-E6A8-6F96-2C89-0D373FBEEA4A}"/>
+              </a:ext>
+            </a:extLst>
+          </p:cNvPr>
+          <p:cNvSpPr>
+            <a:spLocks noGrp="1"/>
+          </p:cNvSpPr>
+          <p:nvPr>
+            <p:ph type="sldNum" sz="quarter" idx="12"/>
+          </p:nvPr>
+        </p:nvSpPr>
+        <p:spPr/>
+        <p:txBody>
+          <a:bodyPr/>
+          <a:lstStyle/>
+          <a:p>
+            <a:fld id="{E31375A4-56A4-47D6-9801-1991572033F7}" type="slidenum">
+              <a:rPr lang="en-US"/>
+              <a:t>13</a:t>
+            </a:fld>
+            <a:endParaRPr lang="en-US"/>
+          </a:p>
+        </p:txBody>
+      </p:sp>
+    </p:spTree>
+    <p:extLst>
+      <p:ext uri="{BB962C8B-B14F-4D97-AF65-F5344CB8AC3E}">
+        <p14:creationId xmlns:p14="http://schemas.microsoft.com/office/powerpoint/2010/main" val="1139537499"/>
+      </p:ext>
+    </p:extLst>
+  </p:cSld>
+  <p:clrMapOvr>
+    <a:masterClrMapping/>
+  </p:clrMapOvr>
+  <mc:AlternateContent xmlns:mc="http://schemas.openxmlformats.org/markup-compatibility/2006" xmlns:p14="http://schemas.microsoft.com/office/powerpoint/2010/main">
+    <mc:Choice Requires="p14">
+      <p:transition spd="med" p14:dur="700">
+        <p:fade/>
+      </p:transition>
+    </mc:Choice>
+    <mc:Fallback xmlns="">
+      <p:transition spd="med">
+        <p:fade/>
+      </p:transition>
+    </mc:Fallback>
+  </mc:AlternateContent>
+</p:sld>
+</file>
+
+<file path=ppt/slides/slide14.xml><?xml version="1.0" encoding="utf-8"?>
+<p:sld xmlns:a="http://schemas.openxmlformats.org/drawingml/2006/main" xmlns:r="http://schemas.openxmlformats.org/officeDocument/2006/relationships" xmlns:p="http://schemas.openxmlformats.org/presentationml/2006/main">
+  <p:cSld>
+    <p:spTree>
+      <p:nvGrpSpPr>
+        <p:cNvPr id="1" name=""/>
+        <p:cNvGrpSpPr/>
+        <p:nvPr/>
+      </p:nvGrpSpPr>
+      <p:grpSpPr>
+        <a:xfrm>
+          <a:off x="0" y="0"/>
+          <a:ext cx="0" cy="0"/>
+          <a:chOff x="0" y="0"/>
+          <a:chExt cx="0" cy="0"/>
+        </a:xfrm>
+      </p:grpSpPr>
+      <p:pic>
+        <p:nvPicPr>
+          <p:cNvPr id="8" name="Content Placeholder 7">
+            <a:extLst>
+              <a:ext uri="{FF2B5EF4-FFF2-40B4-BE49-F238E27FC236}">
+                <a16:creationId xmlns:a16="http://schemas.microsoft.com/office/drawing/2014/main" id="{AC72295A-5A63-952D-61B5-6439E48E9AE7}"/>
+              </a:ext>
+            </a:extLst>
+          </p:cNvPr>
+          <p:cNvPicPr>
+            <a:picLocks noGrp="1" noChangeAspect="1"/>
+          </p:cNvPicPr>
+          <p:nvPr>
+            <p:ph type="pic" idx="1"/>
+          </p:nvPr>
+        </p:nvPicPr>
+        <p:blipFill>
+          <a:blip r:embed="rId2"/>
+          <a:stretch/>
+        </p:blipFill>
+        <p:spPr>
+          <a:xfrm>
+            <a:off x="1" y="432733"/>
+            <a:ext cx="7008810" cy="6096105"/>
+          </a:xfrm>
+          <a:noFill/>
+        </p:spPr>
+      </p:pic>
+      <p:sp>
+        <p:nvSpPr>
+          <p:cNvPr id="17" name="Text Placeholder 3">
+            <a:extLst>
+              <a:ext uri="{FF2B5EF4-FFF2-40B4-BE49-F238E27FC236}">
+                <a16:creationId xmlns:a16="http://schemas.microsoft.com/office/drawing/2014/main" id="{B609265D-4B9A-318C-AAA8-9B618D517F99}"/>
+              </a:ext>
+            </a:extLst>
+          </p:cNvPr>
+          <p:cNvSpPr>
+            <a:spLocks noGrp="1"/>
+          </p:cNvSpPr>
+          <p:nvPr>
+            <p:ph type="body" sz="half" idx="2"/>
+          </p:nvPr>
+        </p:nvSpPr>
+        <p:spPr>
+          <a:xfrm>
+            <a:off x="7310352" y="870104"/>
+            <a:ext cx="4345894" cy="5510511"/>
+          </a:xfrm>
+        </p:spPr>
+        <p:txBody>
+          <a:bodyPr vert="horz" lIns="91440" tIns="45720" rIns="91440" bIns="45720" rtlCol="0" anchor="t">
+            <a:noAutofit/>
+          </a:bodyPr>
+          <a:lstStyle/>
+          <a:p>
+            <a:pPr marL="342900" indent="-342900">
+              <a:lnSpc>
+                <a:spcPct val="100000"/>
+              </a:lnSpc>
+              <a:buFont typeface="Wingdings" pitchFamily="34" charset="0"/>
+              <a:buChar char="§"/>
+            </a:pPr>
+            <a:r>
+              <a:rPr lang="en-US" sz="2000">
+                <a:latin typeface="Microsoft Sans Serif"/>
+                <a:ea typeface="Microsoft Sans Serif"/>
+                <a:cs typeface="Microsoft Sans Serif"/>
+              </a:rPr>
+              <a:t>This chart showcases payment distribution across medical fields</a:t>
+            </a:r>
+          </a:p>
+          <a:p>
+            <a:pPr marL="342900" indent="-342900">
+              <a:lnSpc>
+                <a:spcPct val="100000"/>
+              </a:lnSpc>
+              <a:buFont typeface="Wingdings" pitchFamily="34" charset="0"/>
+              <a:buChar char="§"/>
+            </a:pPr>
+            <a:r>
+              <a:rPr lang="en-US" sz="2000">
+                <a:latin typeface="Microsoft Sans Serif"/>
+                <a:ea typeface="Microsoft Sans Serif"/>
+                <a:cs typeface="Microsoft Sans Serif"/>
+              </a:rPr>
+              <a:t>Each segment represents a different specialty</a:t>
+            </a:r>
+          </a:p>
+          <a:p>
+            <a:pPr marL="342900" indent="-342900">
+              <a:lnSpc>
+                <a:spcPct val="100000"/>
+              </a:lnSpc>
+              <a:buFont typeface="Wingdings" pitchFamily="34" charset="0"/>
+              <a:buChar char="§"/>
+            </a:pPr>
+            <a:r>
+              <a:rPr lang="en-US" sz="2000">
+                <a:latin typeface="Microsoft Sans Serif"/>
+                <a:ea typeface="Microsoft Sans Serif"/>
+                <a:cs typeface="Microsoft Sans Serif"/>
+              </a:rPr>
+              <a:t>Significant amounts like $1.48B for Neurology and $1.83B for Endocrinology, Diabetes &amp; Metabolism indicate substantial financial allocations</a:t>
+            </a:r>
+          </a:p>
+          <a:p>
+            <a:pPr marL="342900" indent="-342900">
+              <a:lnSpc>
+                <a:spcPct val="100000"/>
+              </a:lnSpc>
+              <a:buFont typeface="Wingdings" pitchFamily="34" charset="0"/>
+              <a:buChar char="§"/>
+            </a:pPr>
+            <a:r>
+              <a:rPr lang="en-US" sz="2000">
+                <a:latin typeface="Microsoft Sans Serif"/>
+                <a:ea typeface="Microsoft Sans Serif"/>
+                <a:cs typeface="Microsoft Sans Serif"/>
+              </a:rPr>
+              <a:t>Highlights the importance of investments in healthcare across various specialties</a:t>
+            </a:r>
+          </a:p>
+        </p:txBody>
+      </p:sp>
+    </p:spTree>
+    <p:extLst>
+      <p:ext uri="{BB962C8B-B14F-4D97-AF65-F5344CB8AC3E}">
+        <p14:creationId xmlns:p14="http://schemas.microsoft.com/office/powerpoint/2010/main" val="329655942"/>
+      </p:ext>
+    </p:extLst>
+  </p:cSld>
+  <p:clrMapOvr>
+    <a:masterClrMapping/>
+  </p:clrMapOvr>
+  <mc:AlternateContent xmlns:mc="http://schemas.openxmlformats.org/markup-compatibility/2006">
+    <mc:Choice xmlns:p14="http://schemas.microsoft.com/office/powerpoint/2010/main" Requires="p14">
+      <p:transition spd="med" p14:dur="700">
+        <p:fade/>
+      </p:transition>
+    </mc:Choice>
+    <mc:Fallback>
+      <p:transition spd="med">
+        <p:fade/>
+      </p:transition>
+    </mc:Fallback>
+  </mc:AlternateContent>
+</p:sld>
+</file>
+
+<file path=ppt/slides/slide15.xml><?xml version="1.0" encoding="utf-8"?>
+<p:sld xmlns:a="http://schemas.openxmlformats.org/drawingml/2006/main" xmlns:r="http://schemas.openxmlformats.org/officeDocument/2006/relationships" xmlns:p="http://schemas.openxmlformats.org/presentationml/2006/main">
+  <p:cSld>
+    <p:spTree>
+      <p:nvGrpSpPr>
+        <p:cNvPr id="1" name=""/>
+        <p:cNvGrpSpPr/>
+        <p:nvPr/>
+      </p:nvGrpSpPr>
+      <p:grpSpPr>
+        <a:xfrm>
+          <a:off x="0" y="0"/>
+          <a:ext cx="0" cy="0"/>
+          <a:chOff x="0" y="0"/>
+          <a:chExt cx="0" cy="0"/>
+        </a:xfrm>
+      </p:grpSpPr>
       <p:sp>
         <p:nvSpPr>
           <p:cNvPr id="2" name="Title 1"/>
@@ -8923,21 +9409,132 @@
           <a:bodyPr/>
           <a:lstStyle/>
           <a:p>
-            <a:r>
-              <a:rPr lang="en-US" dirty="0"/>
-              <a:t>Add a Slide Title - 5</a:t>
+            <a:pPr algn="ctr"/>
+            <a:r>
+              <a:rPr lang="en-US">
+                <a:latin typeface="Microsoft Sans Serif"/>
+                <a:ea typeface="Microsoft Sans Serif"/>
+                <a:cs typeface="Microsoft Sans Serif"/>
+              </a:rPr>
+              <a:t>Key Takeaways</a:t>
             </a:r>
           </a:p>
         </p:txBody>
       </p:sp>
       <p:sp>
         <p:nvSpPr>
-          <p:cNvPr id="3" name="Picture Placeholder 2" descr="An empty placeholder to add an image. Click on the placeholder and select the image that you wish to add."/>
+          <p:cNvPr id="4" name="TextBox 3">
+            <a:extLst>
+              <a:ext uri="{FF2B5EF4-FFF2-40B4-BE49-F238E27FC236}">
+                <a16:creationId xmlns:a16="http://schemas.microsoft.com/office/drawing/2014/main" id="{E44F0444-2273-59DB-36D8-7BD90D8FF454}"/>
+              </a:ext>
+            </a:extLst>
+          </p:cNvPr>
+          <p:cNvSpPr txBox="1"/>
+          <p:nvPr/>
+        </p:nvSpPr>
+        <p:spPr>
+          <a:xfrm>
+            <a:off x="1187161" y="2252014"/>
+            <a:ext cx="9547570" cy="2794611"/>
+          </a:xfrm>
+          <a:prstGeom prst="rect">
+            <a:avLst/>
+          </a:prstGeom>
+          <a:noFill/>
+        </p:spPr>
+        <p:txBody>
+          <a:bodyPr rot="0" spcFirstLastPara="0" vertOverflow="overflow" horzOverflow="overflow" vert="horz" wrap="square" lIns="91440" tIns="45720" rIns="91440" bIns="45720" numCol="1" spcCol="0" rtlCol="0" fromWordArt="0" anchor="t" anchorCtr="0" forceAA="0" compatLnSpc="1">
+            <a:prstTxWarp prst="textNoShape">
+              <a:avLst/>
+            </a:prstTxWarp>
+            <a:spAutoFit/>
+          </a:bodyPr>
+          <a:lstStyle/>
+          <a:p>
+            <a:pPr marL="342900" indent="-342900">
+              <a:lnSpc>
+                <a:spcPct val="200000"/>
+              </a:lnSpc>
+              <a:buFont typeface="Wingdings"/>
+              <a:buChar char="§"/>
+            </a:pPr>
+            <a:r>
+              <a:rPr lang="en-US" sz="2400">
+                <a:latin typeface="Microsoft Sans Serif"/>
+                <a:ea typeface="Microsoft Sans Serif"/>
+                <a:cs typeface="Microsoft Sans Serif"/>
+              </a:rPr>
+              <a:t>Healthcare Distribution Disparity</a:t>
+            </a:r>
+            <a:endParaRPr lang="en-US">
+              <a:latin typeface="Microsoft Sans Serif"/>
+              <a:ea typeface="Microsoft Sans Serif"/>
+              <a:cs typeface="Microsoft Sans Serif"/>
+            </a:endParaRPr>
+          </a:p>
+          <a:p>
+            <a:pPr marL="342900" indent="-342900">
+              <a:lnSpc>
+                <a:spcPct val="200000"/>
+              </a:lnSpc>
+              <a:buFont typeface="Wingdings"/>
+              <a:buChar char="§"/>
+            </a:pPr>
+            <a:r>
+              <a:rPr lang="en-US" sz="2400">
+                <a:latin typeface="Microsoft Sans Serif"/>
+                <a:ea typeface="Microsoft Sans Serif"/>
+                <a:cs typeface="Microsoft Sans Serif"/>
+              </a:rPr>
+              <a:t>Payment Allocation Insight</a:t>
+            </a:r>
+          </a:p>
+          <a:p>
+            <a:pPr marL="342900" indent="-342900">
+              <a:lnSpc>
+                <a:spcPct val="200000"/>
+              </a:lnSpc>
+              <a:buFont typeface="Wingdings"/>
+              <a:buChar char="§"/>
+            </a:pPr>
+            <a:r>
+              <a:rPr lang="en-US" sz="2400">
+                <a:latin typeface="Microsoft Sans Serif"/>
+                <a:ea typeface="Microsoft Sans Serif"/>
+                <a:cs typeface="Microsoft Sans Serif"/>
+              </a:rPr>
+              <a:t>Specialty Investment Focus</a:t>
+            </a:r>
+          </a:p>
+          <a:p>
+            <a:pPr>
+              <a:lnSpc>
+                <a:spcPct val="150000"/>
+              </a:lnSpc>
+            </a:pPr>
+            <a:endParaRPr lang="en-US" sz="2400">
+              <a:latin typeface="Microsoft Sans Serif"/>
+              <a:ea typeface="Microsoft Sans Serif"/>
+              <a:cs typeface="Microsoft Sans Serif"/>
+            </a:endParaRPr>
+          </a:p>
+        </p:txBody>
+      </p:sp>
+      <p:sp>
+        <p:nvSpPr>
+          <p:cNvPr id="3" name="Slide Number Placeholder 2">
+            <a:extLst>
+              <a:ext uri="{FF2B5EF4-FFF2-40B4-BE49-F238E27FC236}">
+                <a16:creationId xmlns:a16="http://schemas.microsoft.com/office/drawing/2014/main" id="{8D72ECC9-A441-9C07-815B-DD37FA37E104}"/>
+              </a:ext>
+            </a:extLst>
+          </p:cNvPr>
           <p:cNvSpPr>
             <a:spLocks noGrp="1"/>
           </p:cNvSpPr>
           <p:nvPr>
-            <p:ph type="pic" idx="1"/>
+            <p:ph type="sldNum" sz="quarter" idx="12"/>
           </p:nvPr>
         </p:nvSpPr>
         <p:spPr/>
@@ -8945,26 +9542,133 @@
           <a:bodyPr/>
           <a:lstStyle/>
           <a:p>
+            <a:fld id="{E31375A4-56A4-47D6-9801-1991572033F7}" type="slidenum">
+              <a:rPr lang="en-US"/>
+              <a:t>15</a:t>
+            </a:fld>
             <a:endParaRPr lang="en-US"/>
+          </a:p>
+        </p:txBody>
+      </p:sp>
+    </p:spTree>
+    <p:extLst>
+      <p:ext uri="{BB962C8B-B14F-4D97-AF65-F5344CB8AC3E}">
+        <p14:creationId xmlns:p14="http://schemas.microsoft.com/office/powerpoint/2010/main" val="2637673684"/>
+      </p:ext>
+    </p:extLst>
+  </p:cSld>
+  <p:clrMapOvr>
+    <a:masterClrMapping/>
+  </p:clrMapOvr>
+  <mc:AlternateContent xmlns:mc="http://schemas.openxmlformats.org/markup-compatibility/2006" xmlns:p14="http://schemas.microsoft.com/office/powerpoint/2010/main">
+    <mc:Choice Requires="p14">
+      <p:transition spd="med" p14:dur="700">
+        <p:fade/>
+      </p:transition>
+    </mc:Choice>
+    <mc:Fallback xmlns="">
+      <p:transition spd="med">
+        <p:fade/>
+      </p:transition>
+    </mc:Fallback>
+  </mc:AlternateContent>
+</p:sld>
+</file>
+
+<file path=ppt/slides/slide16.xml><?xml version="1.0" encoding="utf-8"?>
+<p:sld xmlns:a="http://schemas.openxmlformats.org/drawingml/2006/main" xmlns:r="http://schemas.openxmlformats.org/officeDocument/2006/relationships" xmlns:p="http://schemas.openxmlformats.org/presentationml/2006/main">
+  <p:cSld>
+    <p:spTree>
+      <p:nvGrpSpPr>
+        <p:cNvPr id="1" name=""/>
+        <p:cNvGrpSpPr/>
+        <p:nvPr/>
+      </p:nvGrpSpPr>
+      <p:grpSpPr>
+        <a:xfrm>
+          <a:off x="0" y="0"/>
+          <a:ext cx="0" cy="0"/>
+          <a:chOff x="0" y="0"/>
+          <a:chExt cx="0" cy="0"/>
+        </a:xfrm>
+      </p:grpSpPr>
+      <p:sp>
+        <p:nvSpPr>
+          <p:cNvPr id="2" name="Title 1"/>
+          <p:cNvSpPr>
+            <a:spLocks noGrp="1"/>
+          </p:cNvSpPr>
+          <p:nvPr>
+            <p:ph type="ctrTitle"/>
+          </p:nvPr>
+        </p:nvSpPr>
+        <p:spPr>
+          <a:xfrm>
+            <a:off x="507857" y="941034"/>
+            <a:ext cx="3994602" cy="2837069"/>
+          </a:xfrm>
+        </p:spPr>
+        <p:txBody>
+          <a:bodyPr anchor="b">
+            <a:normAutofit/>
+          </a:bodyPr>
+          <a:lstStyle/>
+          <a:p>
+            <a:pPr algn="ctr"/>
+            <a:r>
+              <a:rPr lang="en-US" dirty="0">
+                <a:latin typeface="Microsoft Sans Serif"/>
+                <a:ea typeface="Microsoft Sans Serif"/>
+                <a:cs typeface="Microsoft Sans Serif"/>
+              </a:rPr>
+              <a:t>Thank you for your attention</a:t>
+            </a:r>
           </a:p>
         </p:txBody>
       </p:sp>
       <p:sp>
         <p:nvSpPr>
-          <p:cNvPr id="4" name="Text Placeholder 3"/>
+          <p:cNvPr id="9" name="Subtitle 2">
+            <a:extLst>
+              <a:ext uri="{FF2B5EF4-FFF2-40B4-BE49-F238E27FC236}">
+                <a16:creationId xmlns:a16="http://schemas.microsoft.com/office/drawing/2014/main" id="{5B90E7DB-6DE8-42E3-70C8-81551091D2A9}"/>
+              </a:ext>
+            </a:extLst>
+          </p:cNvPr>
           <p:cNvSpPr>
             <a:spLocks noGrp="1"/>
           </p:cNvSpPr>
           <p:nvPr>
-            <p:ph type="body" sz="half" idx="2"/>
+            <p:ph type="subTitle" idx="1"/>
           </p:nvPr>
         </p:nvSpPr>
-        <p:spPr/>
+        <p:spPr>
+          <a:xfrm>
+            <a:off x="750127" y="3775307"/>
+            <a:ext cx="4098175" cy="685800"/>
+          </a:xfrm>
+        </p:spPr>
         <p:txBody>
-          <a:bodyPr/>
+          <a:bodyPr vert="horz" lIns="91440" tIns="45720" rIns="91440" bIns="45720" rtlCol="0" anchor="t">
+            <a:normAutofit/>
+          </a:bodyPr>
           <a:lstStyle/>
           <a:p>
-            <a:endParaRPr lang="en-US"/>
+            <a:r>
+              <a:rPr lang="en-US">
+                <a:latin typeface="Microsoft Sans Serif"/>
+                <a:ea typeface="Microsoft Sans Serif"/>
+                <a:cs typeface="Microsoft Sans Serif"/>
+              </a:rPr>
+              <a:t>Group 3</a:t>
+            </a:r>
+          </a:p>
+          <a:p>
+            <a:endParaRPr lang="en-US">
+              <a:latin typeface="Microsoft Sans Serif"/>
+              <a:ea typeface="Microsoft Sans Serif"/>
+              <a:cs typeface="Microsoft Sans Serif"/>
+            </a:endParaRPr>
           </a:p>
         </p:txBody>
       </p:sp>
@@ -9026,8 +9730,12 @@
           <a:lstStyle/>
           <a:p>
             <a:r>
-              <a:rPr lang="en-US" dirty="0"/>
-              <a:t>Title and Content Layout with List</a:t>
+              <a:rPr lang="en-US">
+                <a:latin typeface="Microsoft Sans Serif"/>
+                <a:ea typeface="Microsoft Sans Serif"/>
+                <a:cs typeface="Microsoft Sans Serif"/>
+              </a:rPr>
+              <a:t>Table of Contents</a:t>
             </a:r>
           </a:p>
         </p:txBody>
@@ -9042,27 +9750,142 @@
             <p:ph idx="1"/>
           </p:nvPr>
         </p:nvSpPr>
+        <p:spPr>
+          <a:xfrm>
+            <a:off x="1458686" y="1727199"/>
+            <a:ext cx="9209314" cy="4673601"/>
+          </a:xfrm>
+        </p:spPr>
+        <p:txBody>
+          <a:bodyPr vert="horz" lIns="91440" tIns="45720" rIns="91440" bIns="45720" rtlCol="0" anchor="t">
+            <a:normAutofit lnSpcReduction="10000"/>
+          </a:bodyPr>
+          <a:lstStyle/>
+          <a:p>
+            <a:r>
+              <a:rPr lang="en-US">
+                <a:latin typeface="Microsoft Sans Serif"/>
+                <a:ea typeface="Microsoft Sans Serif"/>
+                <a:cs typeface="Microsoft Sans Serif"/>
+              </a:rPr>
+              <a:t>Background information</a:t>
+            </a:r>
+          </a:p>
+          <a:p>
+            <a:r>
+              <a:rPr lang="en-US">
+                <a:latin typeface="Microsoft Sans Serif"/>
+                <a:ea typeface="Microsoft Sans Serif"/>
+                <a:cs typeface="Microsoft Sans Serif"/>
+              </a:rPr>
+              <a:t>Business problems and requirements</a:t>
+            </a:r>
+          </a:p>
+          <a:p>
+            <a:r>
+              <a:rPr lang="en-US">
+                <a:latin typeface="Microsoft Sans Serif"/>
+                <a:ea typeface="Microsoft Sans Serif"/>
+                <a:cs typeface="Microsoft Sans Serif"/>
+              </a:rPr>
+              <a:t>Business impact and persona</a:t>
+            </a:r>
+          </a:p>
+          <a:p>
+            <a:r>
+              <a:rPr lang="en-US">
+                <a:latin typeface="Microsoft Sans Serif"/>
+                <a:ea typeface="Microsoft Sans Serif"/>
+                <a:cs typeface="Microsoft Sans Serif"/>
+              </a:rPr>
+              <a:t>Dataset description</a:t>
+            </a:r>
+          </a:p>
+          <a:p>
+            <a:r>
+              <a:rPr lang="en-US">
+                <a:latin typeface="Microsoft Sans Serif"/>
+                <a:ea typeface="Microsoft Sans Serif"/>
+                <a:cs typeface="Microsoft Sans Serif"/>
+              </a:rPr>
+              <a:t>Dimensional Model</a:t>
+            </a:r>
+          </a:p>
+          <a:p>
+            <a:r>
+              <a:rPr lang="en-US">
+                <a:latin typeface="Microsoft Sans Serif"/>
+                <a:ea typeface="Microsoft Sans Serif"/>
+                <a:cs typeface="Microsoft Sans Serif"/>
+              </a:rPr>
+              <a:t>Method</a:t>
+            </a:r>
+          </a:p>
+          <a:p>
+            <a:r>
+              <a:rPr lang="en-US">
+                <a:latin typeface="Microsoft Sans Serif"/>
+                <a:ea typeface="Microsoft Sans Serif"/>
+                <a:cs typeface="Microsoft Sans Serif"/>
+              </a:rPr>
+              <a:t>Data Tools</a:t>
+            </a:r>
+          </a:p>
+          <a:p>
+            <a:r>
+              <a:rPr lang="en-US">
+                <a:latin typeface="Microsoft Sans Serif"/>
+                <a:ea typeface="Microsoft Sans Serif"/>
+                <a:cs typeface="Microsoft Sans Serif"/>
+              </a:rPr>
+              <a:t>Visualizations</a:t>
+            </a:r>
+          </a:p>
+          <a:p>
+            <a:r>
+              <a:rPr lang="en-US">
+                <a:latin typeface="Microsoft Sans Serif"/>
+                <a:ea typeface="Microsoft Sans Serif"/>
+                <a:cs typeface="Microsoft Sans Serif"/>
+              </a:rPr>
+              <a:t>Key takeaways</a:t>
+            </a:r>
+          </a:p>
+          <a:p>
+            <a:endParaRPr lang="en-US">
+              <a:latin typeface="Microsoft Sans Serif"/>
+              <a:ea typeface="Microsoft Sans Serif"/>
+              <a:cs typeface="Microsoft Sans Serif"/>
+            </a:endParaRPr>
+          </a:p>
+        </p:txBody>
+      </p:sp>
+      <p:sp>
+        <p:nvSpPr>
+          <p:cNvPr id="4" name="Slide Number Placeholder 3">
+            <a:extLst>
+              <a:ext uri="{FF2B5EF4-FFF2-40B4-BE49-F238E27FC236}">
+                <a16:creationId xmlns:a16="http://schemas.microsoft.com/office/drawing/2014/main" id="{A3A11B74-5674-E00E-4F9C-C8C93E2C5A26}"/>
+              </a:ext>
+            </a:extLst>
+          </p:cNvPr>
+          <p:cNvSpPr>
+            <a:spLocks noGrp="1"/>
+          </p:cNvSpPr>
+          <p:nvPr>
+            <p:ph type="sldNum" sz="quarter" idx="12"/>
+          </p:nvPr>
+        </p:nvSpPr>
         <p:spPr/>
         <p:txBody>
           <a:bodyPr/>
           <a:lstStyle/>
           <a:p>
-            <a:r>
-              <a:rPr lang="en-US" dirty="0"/>
-              <a:t>Add your first bullet point here</a:t>
-            </a:r>
-          </a:p>
-          <a:p>
-            <a:r>
-              <a:rPr lang="en-US" dirty="0"/>
-              <a:t>Add your second bullet point here</a:t>
-            </a:r>
-          </a:p>
-          <a:p>
-            <a:r>
-              <a:rPr lang="en-US" dirty="0"/>
-              <a:t>Add your third bullet point here</a:t>
-            </a:r>
+            <a:fld id="{E31375A4-56A4-47D6-9801-1991572033F7}" type="slidenum">
+              <a:rPr lang="en-US"/>
+              <a:t>2</a:t>
+            </a:fld>
+            <a:endParaRPr lang="en-US"/>
           </a:p>
         </p:txBody>
       </p:sp>
@@ -9120,41 +9943,155 @@
         </p:nvSpPr>
         <p:spPr/>
         <p:txBody>
+          <a:bodyPr>
+            <a:normAutofit/>
+          </a:bodyPr>
+          <a:lstStyle/>
+          <a:p>
+            <a:pPr algn="ctr"/>
+            <a:r>
+              <a:rPr lang="en-US" sz="4400">
+                <a:latin typeface="Microsoft Sans Serif"/>
+                <a:ea typeface="Microsoft Sans Serif"/>
+                <a:cs typeface="Microsoft Sans Serif"/>
+              </a:rPr>
+              <a:t>Background Information</a:t>
+            </a:r>
+          </a:p>
+        </p:txBody>
+      </p:sp>
+      <p:sp>
+        <p:nvSpPr>
+          <p:cNvPr id="4" name="Content Placeholder 3">
+            <a:extLst>
+              <a:ext uri="{FF2B5EF4-FFF2-40B4-BE49-F238E27FC236}">
+                <a16:creationId xmlns:a16="http://schemas.microsoft.com/office/drawing/2014/main" id="{171CDC43-6238-E97A-E406-6354F585525B}"/>
+              </a:ext>
+            </a:extLst>
+          </p:cNvPr>
+          <p:cNvSpPr>
+            <a:spLocks noGrp="1"/>
+          </p:cNvSpPr>
+          <p:nvPr>
+            <p:ph idx="1"/>
+          </p:nvPr>
+        </p:nvSpPr>
+        <p:spPr>
+          <a:xfrm>
+            <a:off x="1189703" y="1424783"/>
+            <a:ext cx="10205883" cy="4572001"/>
+          </a:xfrm>
+        </p:spPr>
+        <p:txBody>
+          <a:bodyPr vert="horz" lIns="91440" tIns="45720" rIns="91440" bIns="45720" rtlCol="0" anchor="t">
+            <a:normAutofit/>
+          </a:bodyPr>
+          <a:lstStyle/>
+          <a:p>
+            <a:pPr marL="0" indent="0">
+              <a:buNone/>
+            </a:pPr>
+            <a:endParaRPr lang="en-US" sz="2200">
+              <a:latin typeface="Microsoft Sans Serif"/>
+              <a:ea typeface="Microsoft Sans Serif"/>
+              <a:cs typeface="Microsoft Sans Serif"/>
+            </a:endParaRPr>
+          </a:p>
+          <a:p>
+            <a:r>
+              <a:rPr lang="en-US" sz="2200">
+                <a:latin typeface="Microsoft Sans Serif"/>
+                <a:ea typeface="Microsoft Sans Serif"/>
+                <a:cs typeface="Microsoft Sans Serif"/>
+              </a:rPr>
+              <a:t>We are a dedicated team of data scientists and engineers hired by The Centers for Medicare &amp; Medicaid Services (CMS) to generate useful business insights</a:t>
+            </a:r>
+          </a:p>
+          <a:p>
+            <a:endParaRPr lang="en-US" sz="2200">
+              <a:latin typeface="Microsoft Sans Serif"/>
+              <a:ea typeface="Microsoft Sans Serif"/>
+              <a:cs typeface="Microsoft Sans Serif"/>
+            </a:endParaRPr>
+          </a:p>
+          <a:p>
+            <a:r>
+              <a:rPr lang="en-US" sz="2200">
+                <a:latin typeface="Microsoft Sans Serif"/>
+                <a:ea typeface="Microsoft Sans Serif"/>
+                <a:cs typeface="Microsoft Sans Serif"/>
+              </a:rPr>
+              <a:t>CMS: an agency within the U.S. Department of Health and Human Services</a:t>
+            </a:r>
+          </a:p>
+          <a:p>
+            <a:pPr marL="0" indent="0">
+              <a:buNone/>
+            </a:pPr>
+            <a:endParaRPr lang="en-US" sz="2200">
+              <a:latin typeface="Microsoft Sans Serif"/>
+              <a:ea typeface="Microsoft Sans Serif"/>
+              <a:cs typeface="Microsoft Sans Serif"/>
+            </a:endParaRPr>
+          </a:p>
+          <a:p>
+            <a:r>
+              <a:rPr lang="en-US" sz="2200">
+                <a:latin typeface="Microsoft Sans Serif"/>
+                <a:ea typeface="Microsoft Sans Serif"/>
+                <a:cs typeface="Microsoft Sans Serif"/>
+              </a:rPr>
+              <a:t>CMS conducts US healthcare programs including Medicare and Medicaid, oversees healthcare regulatory standards</a:t>
+            </a:r>
+          </a:p>
+          <a:p>
+            <a:pPr marL="0" indent="0">
+              <a:buNone/>
+            </a:pPr>
+            <a:endParaRPr lang="en-US" sz="2200">
+              <a:latin typeface="Microsoft Sans Serif"/>
+              <a:ea typeface="Microsoft Sans Serif"/>
+              <a:cs typeface="Microsoft Sans Serif"/>
+            </a:endParaRPr>
+          </a:p>
+          <a:p>
+            <a:endParaRPr lang="en-US" sz="2200">
+              <a:latin typeface="Microsoft Sans Serif"/>
+              <a:ea typeface="Microsoft Sans Serif"/>
+              <a:cs typeface="Microsoft Sans Serif"/>
+            </a:endParaRPr>
+          </a:p>
+        </p:txBody>
+      </p:sp>
+      <p:sp>
+        <p:nvSpPr>
+          <p:cNvPr id="3" name="Slide Number Placeholder 2">
+            <a:extLst>
+              <a:ext uri="{FF2B5EF4-FFF2-40B4-BE49-F238E27FC236}">
+                <a16:creationId xmlns:a16="http://schemas.microsoft.com/office/drawing/2014/main" id="{465FABC6-8987-1546-1676-C951C2EB50AF}"/>
+              </a:ext>
+            </a:extLst>
+          </p:cNvPr>
+          <p:cNvSpPr>
+            <a:spLocks noGrp="1"/>
+          </p:cNvSpPr>
+          <p:nvPr>
+            <p:ph type="sldNum" sz="quarter" idx="12"/>
+          </p:nvPr>
+        </p:nvSpPr>
+        <p:spPr/>
+        <p:txBody>
           <a:bodyPr/>
           <a:lstStyle/>
           <a:p>
-            <a:r>
-              <a:rPr lang="en-US" dirty="0"/>
-              <a:t>Title and Content Layout with Chart</a:t>
-            </a:r>
+            <a:fld id="{E31375A4-56A4-47D6-9801-1991572033F7}" type="slidenum">
+              <a:rPr lang="en-US"/>
+              <a:t>3</a:t>
+            </a:fld>
+            <a:endParaRPr lang="en-US"/>
           </a:p>
         </p:txBody>
       </p:sp>
-      <p:graphicFrame>
-        <p:nvGraphicFramePr>
-          <p:cNvPr id="6" name="Content Placeholder 5" descr="Clustered column chart showing the values of 3 series for 4 categories. Vertical major axis gridlines are present for each of the 4 categories."/>
-          <p:cNvGraphicFramePr>
-            <a:graphicFrameLocks noGrp="1"/>
-          </p:cNvGraphicFramePr>
-          <p:nvPr>
-            <p:ph idx="1"/>
-            <p:extLst>
-              <p:ext uri="{D42A27DB-BD31-4B8C-83A1-F6EECF244321}">
-                <p14:modId xmlns:p14="http://schemas.microsoft.com/office/powerpoint/2010/main" val="2504373538"/>
-              </p:ext>
-            </p:extLst>
-          </p:nvPr>
-        </p:nvGraphicFramePr>
-        <p:xfrm>
-          <a:off x="1524000" y="1828800"/>
-          <a:ext cx="9144000" cy="4572000"/>
-        </p:xfrm>
-        <a:graphic>
-          <a:graphicData uri="http://schemas.openxmlformats.org/drawingml/2006/chart">
-            <c:chart xmlns:c="http://schemas.openxmlformats.org/drawingml/2006/chart" xmlns:r="http://schemas.openxmlformats.org/officeDocument/2006/relationships" r:id="rId2"/>
-          </a:graphicData>
-        </a:graphic>
-      </p:graphicFrame>
     </p:spTree>
     <p:extLst>
       <p:ext uri="{BB962C8B-B14F-4D97-AF65-F5344CB8AC3E}">
@@ -9209,12 +10146,19 @@
         </p:nvSpPr>
         <p:spPr/>
         <p:txBody>
-          <a:bodyPr/>
+          <a:bodyPr>
+            <a:normAutofit/>
+          </a:bodyPr>
           <a:lstStyle/>
           <a:p>
-            <a:r>
-              <a:rPr lang="en-US" dirty="0"/>
-              <a:t>Two Content Layout with Table</a:t>
+            <a:pPr algn="ctr"/>
+            <a:r>
+              <a:rPr lang="en-US" sz="4400" dirty="0">
+                <a:latin typeface="Microsoft Sans Serif"/>
+                <a:ea typeface="Microsoft Sans Serif"/>
+                <a:cs typeface="Microsoft Sans Serif"/>
+              </a:rPr>
+              <a:t>Business Problems and Requirements</a:t>
             </a:r>
           </a:p>
         </p:txBody>
@@ -9229,278 +10173,118 @@
             <p:ph sz="half" idx="1"/>
           </p:nvPr>
         </p:nvSpPr>
+        <p:spPr>
+          <a:xfrm>
+            <a:off x="924232" y="1825625"/>
+            <a:ext cx="10579510" cy="4417860"/>
+          </a:xfrm>
+        </p:spPr>
+        <p:txBody>
+          <a:bodyPr/>
+          <a:lstStyle/>
+          <a:p>
+            <a:r>
+              <a:rPr lang="en-US" dirty="0">
+                <a:latin typeface="Microsoft Sans Serif"/>
+                <a:ea typeface="Microsoft Sans Serif"/>
+                <a:cs typeface="Microsoft Sans Serif"/>
+              </a:rPr>
+              <a:t>Problem: To determine the profession and earnings of the all the doctors that are getting paid by state by analyzing CMS data </a:t>
+            </a:r>
+          </a:p>
+          <a:p>
+            <a:r>
+              <a:rPr lang="en-US" dirty="0">
+                <a:latin typeface="Microsoft Sans Serif"/>
+                <a:ea typeface="Microsoft Sans Serif"/>
+                <a:cs typeface="Microsoft Sans Serif"/>
+              </a:rPr>
+              <a:t>Requirements:</a:t>
+            </a:r>
+          </a:p>
+          <a:p>
+            <a:pPr marL="0" indent="0">
+              <a:buNone/>
+            </a:pPr>
+            <a:r>
+              <a:rPr lang="en-US" dirty="0">
+                <a:latin typeface="Microsoft Sans Serif"/>
+                <a:ea typeface="Microsoft Sans Serif"/>
+                <a:cs typeface="Microsoft Sans Serif"/>
+              </a:rPr>
+              <a:t>	-  Total doctors and companies by state</a:t>
+            </a:r>
+          </a:p>
+          <a:p>
+            <a:pPr marL="0" indent="0">
+              <a:buNone/>
+            </a:pPr>
+            <a:r>
+              <a:rPr lang="en-US" dirty="0">
+                <a:latin typeface="Microsoft Sans Serif"/>
+                <a:ea typeface="Microsoft Sans Serif"/>
+                <a:cs typeface="Microsoft Sans Serif"/>
+              </a:rPr>
+              <a:t>	-  Number of doctors per state, by specialty</a:t>
+            </a:r>
+          </a:p>
+          <a:p>
+            <a:pPr marL="0" indent="0">
+              <a:buNone/>
+            </a:pPr>
+            <a:r>
+              <a:rPr lang="en-US" dirty="0">
+                <a:latin typeface="Microsoft Sans Serif"/>
+                <a:ea typeface="Microsoft Sans Serif"/>
+                <a:cs typeface="Microsoft Sans Serif"/>
+              </a:rPr>
+              <a:t>	-  Funding by state, broken down into general pay and research</a:t>
+            </a:r>
+          </a:p>
+          <a:p>
+            <a:pPr marL="0" indent="0">
+              <a:buNone/>
+            </a:pPr>
+            <a:r>
+              <a:rPr lang="en-US" dirty="0">
+                <a:latin typeface="Microsoft Sans Serif"/>
+                <a:ea typeface="Microsoft Sans Serif"/>
+                <a:cs typeface="Microsoft Sans Serif"/>
+              </a:rPr>
+              <a:t>	-  No identification of doctors by name</a:t>
+            </a:r>
+          </a:p>
+        </p:txBody>
+      </p:sp>
+      <p:sp>
+        <p:nvSpPr>
+          <p:cNvPr id="4" name="Slide Number Placeholder 3">
+            <a:extLst>
+              <a:ext uri="{FF2B5EF4-FFF2-40B4-BE49-F238E27FC236}">
+                <a16:creationId xmlns:a16="http://schemas.microsoft.com/office/drawing/2014/main" id="{F2A858A2-1A36-9375-6931-835CA0DBE645}"/>
+              </a:ext>
+            </a:extLst>
+          </p:cNvPr>
+          <p:cNvSpPr>
+            <a:spLocks noGrp="1"/>
+          </p:cNvSpPr>
+          <p:nvPr>
+            <p:ph type="sldNum" sz="quarter" idx="12"/>
+          </p:nvPr>
+        </p:nvSpPr>
         <p:spPr/>
         <p:txBody>
           <a:bodyPr/>
           <a:lstStyle/>
           <a:p>
-            <a:r>
-              <a:rPr lang="en-US" dirty="0"/>
-              <a:t>First bullet point here</a:t>
-            </a:r>
-          </a:p>
-          <a:p>
-            <a:r>
-              <a:rPr lang="en-US" dirty="0"/>
-              <a:t>Second bullet point here</a:t>
-            </a:r>
-          </a:p>
-          <a:p>
-            <a:r>
-              <a:rPr lang="en-US" dirty="0"/>
-              <a:t>Third bullet point here</a:t>
-            </a:r>
+            <a:fld id="{E31375A4-56A4-47D6-9801-1991572033F7}" type="slidenum">
+              <a:rPr lang="en-US"/>
+              <a:t>4</a:t>
+            </a:fld>
+            <a:endParaRPr lang="en-US"/>
           </a:p>
         </p:txBody>
       </p:sp>
-      <p:graphicFrame>
-        <p:nvGraphicFramePr>
-          <p:cNvPr id="5" name="Content Placeholder 4"/>
-          <p:cNvGraphicFramePr>
-            <a:graphicFrameLocks noGrp="1"/>
-          </p:cNvGraphicFramePr>
-          <p:nvPr>
-            <p:ph sz="half" idx="2"/>
-            <p:extLst>
-              <p:ext uri="{D42A27DB-BD31-4B8C-83A1-F6EECF244321}">
-                <p14:modId xmlns:p14="http://schemas.microsoft.com/office/powerpoint/2010/main" val="3754893533"/>
-              </p:ext>
-            </p:extLst>
-          </p:nvPr>
-        </p:nvGraphicFramePr>
-        <p:xfrm>
-          <a:off x="6324600" y="1825623"/>
-          <a:ext cx="4800600" cy="2289176"/>
-        </p:xfrm>
-        <a:graphic>
-          <a:graphicData uri="http://schemas.openxmlformats.org/drawingml/2006/table">
-            <a:tbl>
-              <a:tblPr firstRow="1" bandRow="1">
-                <a:tableStyleId>{21E4AEA4-8DFA-4A89-87EB-49C32662AFE0}</a:tableStyleId>
-              </a:tblPr>
-              <a:tblGrid>
-                <a:gridCol w="1600200">
-                  <a:extLst>
-                    <a:ext uri="{9D8B030D-6E8A-4147-A177-3AD203B41FA5}">
-                      <a16:colId xmlns:a16="http://schemas.microsoft.com/office/drawing/2014/main" val="20000"/>
-                    </a:ext>
-                  </a:extLst>
-                </a:gridCol>
-                <a:gridCol w="1600200">
-                  <a:extLst>
-                    <a:ext uri="{9D8B030D-6E8A-4147-A177-3AD203B41FA5}">
-                      <a16:colId xmlns:a16="http://schemas.microsoft.com/office/drawing/2014/main" val="20001"/>
-                    </a:ext>
-                  </a:extLst>
-                </a:gridCol>
-                <a:gridCol w="1600200">
-                  <a:extLst>
-                    <a:ext uri="{9D8B030D-6E8A-4147-A177-3AD203B41FA5}">
-                      <a16:colId xmlns:a16="http://schemas.microsoft.com/office/drawing/2014/main" val="20002"/>
-                    </a:ext>
-                  </a:extLst>
-                </a:gridCol>
-              </a:tblGrid>
-              <a:tr h="572294">
-                <a:tc>
-                  <a:txBody>
-                    <a:bodyPr/>
-                    <a:lstStyle/>
-                    <a:p>
-                      <a:pPr algn="ctr"/>
-                      <a:r>
-                        <a:rPr lang="en-US" b="0" dirty="0"/>
-                        <a:t>Class</a:t>
-                      </a:r>
-                    </a:p>
-                  </a:txBody>
-                  <a:tcPr anchor="ctr"/>
-                </a:tc>
-                <a:tc>
-                  <a:txBody>
-                    <a:bodyPr/>
-                    <a:lstStyle/>
-                    <a:p>
-                      <a:pPr algn="ctr"/>
-                      <a:r>
-                        <a:rPr lang="en-US" b="0" dirty="0"/>
-                        <a:t>Group A</a:t>
-                      </a:r>
-                    </a:p>
-                  </a:txBody>
-                  <a:tcPr anchor="ctr"/>
-                </a:tc>
-                <a:tc>
-                  <a:txBody>
-                    <a:bodyPr/>
-                    <a:lstStyle/>
-                    <a:p>
-                      <a:pPr algn="ctr"/>
-                      <a:r>
-                        <a:rPr lang="en-US" b="0" dirty="0"/>
-                        <a:t>Group B</a:t>
-                      </a:r>
-                    </a:p>
-                  </a:txBody>
-                  <a:tcPr anchor="ctr"/>
-                </a:tc>
-                <a:extLst>
-                  <a:ext uri="{0D108BD9-81ED-4DB2-BD59-A6C34878D82A}">
-                    <a16:rowId xmlns:a16="http://schemas.microsoft.com/office/drawing/2014/main" val="10000"/>
-                  </a:ext>
-                </a:extLst>
-              </a:tr>
-              <a:tr h="572294">
-                <a:tc>
-                  <a:txBody>
-                    <a:bodyPr/>
-                    <a:lstStyle/>
-                    <a:p>
-                      <a:pPr algn="ctr"/>
-                      <a:r>
-                        <a:rPr lang="en-US" dirty="0"/>
-                        <a:t>Class 1</a:t>
-                      </a:r>
-                    </a:p>
-                  </a:txBody>
-                  <a:tcPr anchor="ctr"/>
-                </a:tc>
-                <a:tc>
-                  <a:txBody>
-                    <a:bodyPr/>
-                    <a:lstStyle/>
-                    <a:p>
-                      <a:pPr algn="ctr"/>
-                      <a:r>
-                        <a:rPr lang="en-US" dirty="0"/>
-                        <a:t>82</a:t>
-                      </a:r>
-                    </a:p>
-                  </a:txBody>
-                  <a:tcPr anchor="ctr"/>
-                </a:tc>
-                <a:tc>
-                  <a:txBody>
-                    <a:bodyPr/>
-                    <a:lstStyle/>
-                    <a:p>
-                      <a:pPr algn="ctr"/>
-                      <a:r>
-                        <a:rPr lang="en-US" dirty="0"/>
-                        <a:t>95</a:t>
-                      </a:r>
-                    </a:p>
-                  </a:txBody>
-                  <a:tcPr anchor="ctr"/>
-                </a:tc>
-                <a:extLst>
-                  <a:ext uri="{0D108BD9-81ED-4DB2-BD59-A6C34878D82A}">
-                    <a16:rowId xmlns:a16="http://schemas.microsoft.com/office/drawing/2014/main" val="10001"/>
-                  </a:ext>
-                </a:extLst>
-              </a:tr>
-              <a:tr h="572294">
-                <a:tc>
-                  <a:txBody>
-                    <a:bodyPr/>
-                    <a:lstStyle/>
-                    <a:p>
-                      <a:pPr algn="ctr"/>
-                      <a:r>
-                        <a:rPr lang="en-US" dirty="0"/>
-                        <a:t>Class 2</a:t>
-                      </a:r>
-                    </a:p>
-                  </a:txBody>
-                  <a:tcPr anchor="ctr"/>
-                </a:tc>
-                <a:tc>
-                  <a:txBody>
-                    <a:bodyPr/>
-                    <a:lstStyle/>
-                    <a:p>
-                      <a:pPr algn="ctr"/>
-                      <a:r>
-                        <a:rPr lang="en-US" dirty="0"/>
-                        <a:t>76</a:t>
-                      </a:r>
-                    </a:p>
-                  </a:txBody>
-                  <a:tcPr anchor="ctr"/>
-                </a:tc>
-                <a:tc>
-                  <a:txBody>
-                    <a:bodyPr/>
-                    <a:lstStyle/>
-                    <a:p>
-                      <a:pPr algn="ctr"/>
-                      <a:r>
-                        <a:rPr lang="en-US" dirty="0"/>
-                        <a:t>88</a:t>
-                      </a:r>
-                    </a:p>
-                  </a:txBody>
-                  <a:tcPr anchor="ctr"/>
-                </a:tc>
-                <a:extLst>
-                  <a:ext uri="{0D108BD9-81ED-4DB2-BD59-A6C34878D82A}">
-                    <a16:rowId xmlns:a16="http://schemas.microsoft.com/office/drawing/2014/main" val="10002"/>
-                  </a:ext>
-                </a:extLst>
-              </a:tr>
-              <a:tr h="572294">
-                <a:tc>
-                  <a:txBody>
-                    <a:bodyPr/>
-                    <a:lstStyle/>
-                    <a:p>
-                      <a:pPr algn="ctr"/>
-                      <a:r>
-                        <a:rPr lang="en-US" dirty="0"/>
-                        <a:t>Class 3</a:t>
-                      </a:r>
-                    </a:p>
-                  </a:txBody>
-                  <a:tcPr anchor="ctr"/>
-                </a:tc>
-                <a:tc>
-                  <a:txBody>
-                    <a:bodyPr/>
-                    <a:lstStyle/>
-                    <a:p>
-                      <a:pPr algn="ctr"/>
-                      <a:r>
-                        <a:rPr lang="en-US" dirty="0"/>
-                        <a:t>84</a:t>
-                      </a:r>
-                    </a:p>
-                  </a:txBody>
-                  <a:tcPr anchor="ctr"/>
-                </a:tc>
-                <a:tc>
-                  <a:txBody>
-                    <a:bodyPr/>
-                    <a:lstStyle/>
-                    <a:p>
-                      <a:pPr algn="ctr"/>
-                      <a:r>
-                        <a:rPr lang="en-US" dirty="0"/>
-                        <a:t>90</a:t>
-                      </a:r>
-                    </a:p>
-                  </a:txBody>
-                  <a:tcPr anchor="ctr"/>
-                </a:tc>
-                <a:extLst>
-                  <a:ext uri="{0D108BD9-81ED-4DB2-BD59-A6C34878D82A}">
-                    <a16:rowId xmlns:a16="http://schemas.microsoft.com/office/drawing/2014/main" val="10003"/>
-                  </a:ext>
-                </a:extLst>
-              </a:tr>
-            </a:tbl>
-          </a:graphicData>
-        </a:graphic>
-      </p:graphicFrame>
     </p:spTree>
     <p:extLst>
       <p:ext uri="{BB962C8B-B14F-4D97-AF65-F5344CB8AC3E}">
@@ -9545,7 +10329,13 @@
       </p:grpSpPr>
       <p:sp>
         <p:nvSpPr>
-          <p:cNvPr id="2" name="Title 1"/>
+          <p:cNvPr id="2" name="Title 1">
+            <a:extLst>
+              <a:ext uri="{FF2B5EF4-FFF2-40B4-BE49-F238E27FC236}">
+                <a16:creationId xmlns:a16="http://schemas.microsoft.com/office/drawing/2014/main" id="{42C1FAB9-DD13-3491-225B-91E8729CC635}"/>
+              </a:ext>
+            </a:extLst>
+          </p:cNvPr>
           <p:cNvSpPr>
             <a:spLocks noGrp="1"/>
           </p:cNvSpPr>
@@ -9555,19 +10345,32 @@
         </p:nvSpPr>
         <p:spPr/>
         <p:txBody>
-          <a:bodyPr/>
+          <a:bodyPr>
+            <a:normAutofit/>
+          </a:bodyPr>
           <a:lstStyle/>
           <a:p>
-            <a:r>
-              <a:rPr lang="en-US" dirty="0"/>
-              <a:t>Two Content Layout with SmartArt</a:t>
+            <a:pPr algn="ctr"/>
+            <a:r>
+              <a:rPr lang="en-US" sz="4400">
+                <a:latin typeface="Microsoft Sans Serif"/>
+                <a:ea typeface="Microsoft Sans Serif"/>
+                <a:cs typeface="Microsoft Sans Serif"/>
+              </a:rPr>
+              <a:t>Business Impact</a:t>
             </a:r>
           </a:p>
         </p:txBody>
       </p:sp>
       <p:sp>
         <p:nvSpPr>
-          <p:cNvPr id="3" name="Content Placeholder 2"/>
+          <p:cNvPr id="3" name="Content Placeholder 2">
+            <a:extLst>
+              <a:ext uri="{FF2B5EF4-FFF2-40B4-BE49-F238E27FC236}">
+                <a16:creationId xmlns:a16="http://schemas.microsoft.com/office/drawing/2014/main" id="{F84B1F26-9F82-EB37-A6D1-C4356C6736C9}"/>
+              </a:ext>
+            </a:extLst>
+          </p:cNvPr>
           <p:cNvSpPr>
             <a:spLocks noGrp="1"/>
           </p:cNvSpPr>
@@ -9575,59 +10378,188 @@
             <p:ph sz="half" idx="1"/>
           </p:nvPr>
         </p:nvSpPr>
+        <p:spPr>
+          <a:xfrm>
+            <a:off x="540774" y="1612490"/>
+            <a:ext cx="11287431" cy="4778477"/>
+          </a:xfrm>
+        </p:spPr>
+        <p:txBody>
+          <a:bodyPr vert="horz" lIns="91440" tIns="45720" rIns="91440" bIns="45720" rtlCol="0" anchor="t">
+            <a:noAutofit/>
+          </a:bodyPr>
+          <a:lstStyle/>
+          <a:p>
+            <a:r>
+              <a:rPr lang="en-US" dirty="0">
+                <a:latin typeface="Microsoft Sans Serif"/>
+                <a:ea typeface="Microsoft Sans Serif"/>
+                <a:cs typeface="Microsoft Sans Serif"/>
+              </a:rPr>
+              <a:t>Risks:</a:t>
+            </a:r>
+          </a:p>
+          <a:p>
+            <a:pPr marL="0" indent="0">
+              <a:lnSpc>
+                <a:spcPct val="100000"/>
+              </a:lnSpc>
+              <a:buNone/>
+            </a:pPr>
+            <a:r>
+              <a:rPr lang="en-US" dirty="0">
+                <a:latin typeface="Microsoft Sans Serif"/>
+                <a:ea typeface="Microsoft Sans Serif"/>
+                <a:cs typeface="Microsoft Sans Serif"/>
+              </a:rPr>
+              <a:t>	-  </a:t>
+            </a:r>
+            <a:r>
+              <a:rPr lang="en-US" b="0" i="0" u="none" strike="noStrike" dirty="0">
+                <a:effectLst/>
+                <a:latin typeface="Microsoft Sans Serif"/>
+                <a:ea typeface="Microsoft Sans Serif"/>
+                <a:cs typeface="Microsoft Sans Serif"/>
+              </a:rPr>
+              <a:t>Data </a:t>
+            </a:r>
+            <a:r>
+              <a:rPr lang="en-US" dirty="0">
+                <a:latin typeface="Microsoft Sans Serif"/>
+                <a:ea typeface="Microsoft Sans Serif"/>
+                <a:cs typeface="Microsoft Sans Serif"/>
+              </a:rPr>
+              <a:t>Privacy</a:t>
+            </a:r>
+          </a:p>
+          <a:p>
+            <a:pPr marL="0" indent="0">
+              <a:lnSpc>
+                <a:spcPct val="100000"/>
+              </a:lnSpc>
+              <a:buNone/>
+            </a:pPr>
+            <a:r>
+              <a:rPr lang="en-US" dirty="0">
+                <a:latin typeface="Microsoft Sans Serif"/>
+                <a:ea typeface="Microsoft Sans Serif"/>
+                <a:cs typeface="Microsoft Sans Serif"/>
+              </a:rPr>
+              <a:t>	-  Data Accuracy</a:t>
+            </a:r>
+          </a:p>
+          <a:p>
+            <a:r>
+              <a:rPr lang="en-US" dirty="0">
+                <a:latin typeface="Microsoft Sans Serif"/>
+                <a:ea typeface="Microsoft Sans Serif"/>
+                <a:cs typeface="Microsoft Sans Serif"/>
+              </a:rPr>
+              <a:t>Costs:</a:t>
+            </a:r>
+            <a:endParaRPr lang="en-US">
+              <a:latin typeface="Microsoft Sans Serif"/>
+              <a:ea typeface="Microsoft Sans Serif"/>
+              <a:cs typeface="Microsoft Sans Serif"/>
+            </a:endParaRPr>
+          </a:p>
+          <a:p>
+            <a:pPr marL="0" indent="0">
+              <a:buNone/>
+            </a:pPr>
+            <a:r>
+              <a:rPr lang="en-US" dirty="0">
+                <a:latin typeface="Microsoft Sans Serif"/>
+                <a:ea typeface="Microsoft Sans Serif"/>
+                <a:cs typeface="Microsoft Sans Serif"/>
+              </a:rPr>
+              <a:t>	-  Data Infrastructure</a:t>
+            </a:r>
+          </a:p>
+          <a:p>
+            <a:r>
+              <a:rPr lang="en-US" dirty="0">
+                <a:latin typeface="Microsoft Sans Serif"/>
+                <a:ea typeface="Microsoft Sans Serif"/>
+                <a:cs typeface="Microsoft Sans Serif"/>
+              </a:rPr>
+              <a:t>Benefits:</a:t>
+            </a:r>
+          </a:p>
+          <a:p>
+            <a:pPr marL="0" indent="0">
+              <a:lnSpc>
+                <a:spcPct val="100000"/>
+              </a:lnSpc>
+              <a:buNone/>
+            </a:pPr>
+            <a:r>
+              <a:rPr lang="en-US" dirty="0">
+                <a:latin typeface="Microsoft Sans Serif"/>
+                <a:ea typeface="Microsoft Sans Serif"/>
+                <a:cs typeface="Microsoft Sans Serif"/>
+              </a:rPr>
+              <a:t>	-  Transparency &amp; Accountability</a:t>
+            </a:r>
+          </a:p>
+          <a:p>
+            <a:pPr marL="0" indent="0">
+              <a:lnSpc>
+                <a:spcPct val="100000"/>
+              </a:lnSpc>
+              <a:buNone/>
+            </a:pPr>
+            <a:br>
+              <a:rPr lang="en-US" dirty="0">
+                <a:latin typeface="Microsoft Sans Serif"/>
+                <a:ea typeface="Microsoft Sans Serif"/>
+                <a:cs typeface="Microsoft Sans Serif"/>
+              </a:rPr>
+            </a:br>
+            <a:r>
+              <a:rPr lang="en-US" dirty="0">
+                <a:latin typeface="Microsoft Sans Serif"/>
+                <a:ea typeface="Microsoft Sans Serif"/>
+                <a:cs typeface="Microsoft Sans Serif"/>
+              </a:rPr>
+              <a:t>	-  Policy Making/Enforcement</a:t>
+            </a:r>
+          </a:p>
+        </p:txBody>
+      </p:sp>
+      <p:sp>
+        <p:nvSpPr>
+          <p:cNvPr id="4" name="Slide Number Placeholder 3">
+            <a:extLst>
+              <a:ext uri="{FF2B5EF4-FFF2-40B4-BE49-F238E27FC236}">
+                <a16:creationId xmlns:a16="http://schemas.microsoft.com/office/drawing/2014/main" id="{F113AE99-C1C0-A4D9-7F29-E1A08FE8C2AA}"/>
+              </a:ext>
+            </a:extLst>
+          </p:cNvPr>
+          <p:cNvSpPr>
+            <a:spLocks noGrp="1"/>
+          </p:cNvSpPr>
+          <p:nvPr>
+            <p:ph type="sldNum" sz="quarter" idx="12"/>
+          </p:nvPr>
+        </p:nvSpPr>
         <p:spPr/>
         <p:txBody>
           <a:bodyPr/>
           <a:lstStyle/>
           <a:p>
-            <a:r>
-              <a:rPr lang="en-US" dirty="0"/>
-              <a:t>First bullet point here</a:t>
-            </a:r>
-          </a:p>
-          <a:p>
-            <a:r>
-              <a:rPr lang="en-US" dirty="0"/>
-              <a:t>Second bullet point here</a:t>
-            </a:r>
-          </a:p>
-          <a:p>
-            <a:r>
-              <a:rPr lang="en-US" dirty="0"/>
-              <a:t>Third bullet point here</a:t>
-            </a:r>
+            <a:fld id="{E31375A4-56A4-47D6-9801-1991572033F7}" type="slidenum">
+              <a:rPr lang="en-US"/>
+              <a:t>5</a:t>
+            </a:fld>
+            <a:endParaRPr lang="en-US"/>
           </a:p>
         </p:txBody>
       </p:sp>
-      <p:graphicFrame>
-        <p:nvGraphicFramePr>
-          <p:cNvPr id="7" name="Content Placeholder 6" descr="Segmented process showing 3 tasks arranged one below the other with downward pointing arrows to indicate progression from first task to second task and second task to third task. Placeholder text for task description   present under each group."/>
-          <p:cNvGraphicFramePr>
-            <a:graphicFrameLocks noGrp="1"/>
-          </p:cNvGraphicFramePr>
-          <p:nvPr>
-            <p:ph sz="half" idx="2"/>
-            <p:extLst>
-              <p:ext uri="{D42A27DB-BD31-4B8C-83A1-F6EECF244321}">
-                <p14:modId xmlns:p14="http://schemas.microsoft.com/office/powerpoint/2010/main" val="2057455494"/>
-              </p:ext>
-            </p:extLst>
-          </p:nvPr>
-        </p:nvGraphicFramePr>
-        <p:xfrm>
-          <a:off x="6324600" y="1825625"/>
-          <a:ext cx="4800600" cy="4575175"/>
-        </p:xfrm>
-        <a:graphic>
-          <a:graphicData uri="http://schemas.openxmlformats.org/drawingml/2006/diagram">
-            <dgm:relIds xmlns:dgm="http://schemas.openxmlformats.org/drawingml/2006/diagram" xmlns:r="http://schemas.openxmlformats.org/officeDocument/2006/relationships" r:dm="rId2" r:lo="rId3" r:qs="rId4" r:cs="rId5"/>
-          </a:graphicData>
-        </a:graphic>
-      </p:graphicFrame>
     </p:spTree>
     <p:extLst>
       <p:ext uri="{BB962C8B-B14F-4D97-AF65-F5344CB8AC3E}">
-        <p14:creationId xmlns:p14="http://schemas.microsoft.com/office/powerpoint/2010/main" val="3948826341"/>
+        <p14:creationId xmlns:p14="http://schemas.microsoft.com/office/powerpoint/2010/main" val="520717296"/>
       </p:ext>
     </p:extLst>
   </p:cSld>
@@ -9668,7 +10600,13 @@
       </p:grpSpPr>
       <p:sp>
         <p:nvSpPr>
-          <p:cNvPr id="2" name="Title 1"/>
+          <p:cNvPr id="2" name="Title 1">
+            <a:extLst>
+              <a:ext uri="{FF2B5EF4-FFF2-40B4-BE49-F238E27FC236}">
+                <a16:creationId xmlns:a16="http://schemas.microsoft.com/office/drawing/2014/main" id="{2B7392F9-2DEB-A598-B637-8EBA01040C57}"/>
+              </a:ext>
+            </a:extLst>
+          </p:cNvPr>
           <p:cNvSpPr>
             <a:spLocks noGrp="1"/>
           </p:cNvSpPr>
@@ -9678,24 +10616,203 @@
         </p:nvSpPr>
         <p:spPr/>
         <p:txBody>
-          <a:bodyPr/>
+          <a:bodyPr>
+            <a:normAutofit/>
+          </a:bodyPr>
           <a:lstStyle/>
           <a:p>
-            <a:r>
-              <a:rPr lang="en-US" dirty="0"/>
-              <a:t>Add a Slide Title - 1</a:t>
+            <a:pPr algn="ctr"/>
+            <a:r>
+              <a:rPr lang="en-US" sz="4400">
+                <a:latin typeface="Microsoft Sans Serif"/>
+                <a:ea typeface="Microsoft Sans Serif"/>
+                <a:cs typeface="Microsoft Sans Serif"/>
+              </a:rPr>
+              <a:t>Business Persona</a:t>
             </a:r>
           </a:p>
         </p:txBody>
       </p:sp>
       <p:sp>
         <p:nvSpPr>
-          <p:cNvPr id="3" name="Text Placeholder 2"/>
+          <p:cNvPr id="3" name="Content Placeholder 2">
+            <a:extLst>
+              <a:ext uri="{FF2B5EF4-FFF2-40B4-BE49-F238E27FC236}">
+                <a16:creationId xmlns:a16="http://schemas.microsoft.com/office/drawing/2014/main" id="{5C76BFBF-8CB3-8D26-740E-8B615F5FA359}"/>
+              </a:ext>
+            </a:extLst>
+          </p:cNvPr>
           <p:cNvSpPr>
             <a:spLocks noGrp="1"/>
           </p:cNvSpPr>
           <p:nvPr>
-            <p:ph type="body" idx="1"/>
+            <p:ph sz="half" idx="1"/>
+          </p:nvPr>
+        </p:nvSpPr>
+        <p:spPr>
+          <a:xfrm>
+            <a:off x="786581" y="1825624"/>
+            <a:ext cx="10825315" cy="4575175"/>
+          </a:xfrm>
+        </p:spPr>
+        <p:txBody>
+          <a:bodyPr/>
+          <a:lstStyle/>
+          <a:p>
+            <a:r>
+              <a:rPr lang="en-US">
+                <a:latin typeface="Microsoft Sans Serif"/>
+                <a:ea typeface="Microsoft Sans Serif"/>
+                <a:cs typeface="Microsoft Sans Serif"/>
+              </a:rPr>
+              <a:t>Main users of the system:</a:t>
+            </a:r>
+          </a:p>
+          <a:p>
+            <a:pPr marL="228600" lvl="1" indent="0">
+              <a:lnSpc>
+                <a:spcPct val="150000"/>
+              </a:lnSpc>
+              <a:buNone/>
+            </a:pPr>
+            <a:r>
+              <a:rPr lang="en-US">
+                <a:latin typeface="Microsoft Sans Serif"/>
+                <a:ea typeface="Microsoft Sans Serif"/>
+                <a:cs typeface="Microsoft Sans Serif"/>
+              </a:rPr>
+              <a:t>	-  Public Health Officials: Use the data to ensure compliance with healthcare standards and fairness in provider payments</a:t>
+            </a:r>
+          </a:p>
+          <a:p>
+            <a:pPr marL="228600" lvl="1" indent="0">
+              <a:lnSpc>
+                <a:spcPct val="150000"/>
+              </a:lnSpc>
+              <a:buNone/>
+            </a:pPr>
+            <a:r>
+              <a:rPr lang="en-US">
+                <a:latin typeface="Microsoft Sans Serif"/>
+                <a:ea typeface="Microsoft Sans Serif"/>
+                <a:cs typeface="Microsoft Sans Serif"/>
+              </a:rPr>
+              <a:t>	-  Doctors: Interested in understanding how their payments compare with others across different states or specialties</a:t>
+            </a:r>
+          </a:p>
+          <a:p>
+            <a:pPr marL="228600" lvl="1" indent="0">
+              <a:buNone/>
+            </a:pPr>
+            <a:endParaRPr lang="en-US">
+              <a:latin typeface="Microsoft Sans Serif"/>
+              <a:ea typeface="Microsoft Sans Serif"/>
+              <a:cs typeface="Microsoft Sans Serif"/>
+            </a:endParaRPr>
+          </a:p>
+          <a:p>
+            <a:pPr lvl="1"/>
+            <a:r>
+              <a:rPr lang="en-US" sz="2400">
+                <a:latin typeface="Microsoft Sans Serif"/>
+                <a:ea typeface="Microsoft Sans Serif"/>
+                <a:cs typeface="Microsoft Sans Serif"/>
+              </a:rPr>
+              <a:t>System Actors:</a:t>
+            </a:r>
+          </a:p>
+          <a:p>
+            <a:pPr marL="228600" lvl="1" indent="0">
+              <a:lnSpc>
+                <a:spcPct val="150000"/>
+              </a:lnSpc>
+              <a:buNone/>
+            </a:pPr>
+            <a:r>
+              <a:rPr lang="en-US" sz="2400">
+                <a:latin typeface="Microsoft Sans Serif"/>
+                <a:ea typeface="Microsoft Sans Serif"/>
+                <a:cs typeface="Microsoft Sans Serif"/>
+              </a:rPr>
+              <a:t>	</a:t>
+            </a:r>
+            <a:r>
+              <a:rPr lang="en-US">
+                <a:latin typeface="Microsoft Sans Serif"/>
+                <a:ea typeface="Microsoft Sans Serif"/>
+                <a:cs typeface="Microsoft Sans Serif"/>
+              </a:rPr>
+              <a:t>-</a:t>
+            </a:r>
+            <a:r>
+              <a:rPr lang="en-US" sz="2400">
+                <a:latin typeface="Microsoft Sans Serif"/>
+                <a:ea typeface="Microsoft Sans Serif"/>
+                <a:cs typeface="Microsoft Sans Serif"/>
+              </a:rPr>
+              <a:t>  </a:t>
+            </a:r>
+            <a:r>
+              <a:rPr lang="en-US">
+                <a:latin typeface="Microsoft Sans Serif"/>
+                <a:ea typeface="Microsoft Sans Serif"/>
+                <a:cs typeface="Microsoft Sans Serif"/>
+              </a:rPr>
+              <a:t>Data Engineers: Structure and manage vast amounts of data into usable formats</a:t>
+            </a:r>
+          </a:p>
+          <a:p>
+            <a:pPr marL="228600" lvl="1" indent="0">
+              <a:lnSpc>
+                <a:spcPct val="150000"/>
+              </a:lnSpc>
+              <a:buNone/>
+            </a:pPr>
+            <a:r>
+              <a:rPr lang="en-US">
+                <a:latin typeface="Microsoft Sans Serif"/>
+                <a:ea typeface="Microsoft Sans Serif"/>
+                <a:cs typeface="Microsoft Sans Serif"/>
+              </a:rPr>
+              <a:t>	-  Data Scientists: Analyze the data to identify trends, correlations, and insights</a:t>
+            </a:r>
+          </a:p>
+          <a:p>
+            <a:pPr marL="228600" lvl="1" indent="0">
+              <a:buNone/>
+            </a:pPr>
+            <a:endParaRPr lang="en-US" sz="2000">
+              <a:latin typeface="Microsoft Sans Serif"/>
+              <a:ea typeface="Microsoft Sans Serif"/>
+              <a:cs typeface="Microsoft Sans Serif"/>
+            </a:endParaRPr>
+          </a:p>
+          <a:p>
+            <a:pPr marL="228600" lvl="1" indent="0">
+              <a:buNone/>
+            </a:pPr>
+            <a:endParaRPr lang="en-US">
+              <a:latin typeface="Microsoft Sans Serif"/>
+              <a:ea typeface="Microsoft Sans Serif"/>
+              <a:cs typeface="Microsoft Sans Serif"/>
+            </a:endParaRPr>
+          </a:p>
+        </p:txBody>
+      </p:sp>
+      <p:sp>
+        <p:nvSpPr>
+          <p:cNvPr id="4" name="Slide Number Placeholder 3">
+            <a:extLst>
+              <a:ext uri="{FF2B5EF4-FFF2-40B4-BE49-F238E27FC236}">
+                <a16:creationId xmlns:a16="http://schemas.microsoft.com/office/drawing/2014/main" id="{6725FFE6-845D-296C-1DEF-B21B1C1D81A6}"/>
+              </a:ext>
+            </a:extLst>
+          </p:cNvPr>
+          <p:cNvSpPr>
+            <a:spLocks noGrp="1"/>
+          </p:cNvSpPr>
+          <p:nvPr>
+            <p:ph type="sldNum" sz="quarter" idx="12"/>
           </p:nvPr>
         </p:nvSpPr>
         <p:spPr/>
@@ -9703,6 +10820,10 @@
           <a:bodyPr/>
           <a:lstStyle/>
           <a:p>
+            <a:fld id="{E31375A4-56A4-47D6-9801-1991572033F7}" type="slidenum">
+              <a:rPr lang="en-US"/>
+              <a:t>6</a:t>
+            </a:fld>
             <a:endParaRPr lang="en-US"/>
           </a:p>
         </p:txBody>
@@ -9710,7 +10831,7 @@
     </p:spTree>
     <p:extLst>
       <p:ext uri="{BB962C8B-B14F-4D97-AF65-F5344CB8AC3E}">
-        <p14:creationId xmlns:p14="http://schemas.microsoft.com/office/powerpoint/2010/main" val="3537718460"/>
+        <p14:creationId xmlns:p14="http://schemas.microsoft.com/office/powerpoint/2010/main" val="346937706"/>
       </p:ext>
     </p:extLst>
   </p:cSld>
@@ -9751,7 +10872,13 @@
       </p:grpSpPr>
       <p:sp>
         <p:nvSpPr>
-          <p:cNvPr id="2" name="Title 1"/>
+          <p:cNvPr id="2" name="Title 1">
+            <a:extLst>
+              <a:ext uri="{FF2B5EF4-FFF2-40B4-BE49-F238E27FC236}">
+                <a16:creationId xmlns:a16="http://schemas.microsoft.com/office/drawing/2014/main" id="{2B7392F9-2DEB-A598-B637-8EBA01040C57}"/>
+              </a:ext>
+            </a:extLst>
+          </p:cNvPr>
           <p:cNvSpPr>
             <a:spLocks noGrp="1"/>
           </p:cNvSpPr>
@@ -9761,24 +10888,163 @@
         </p:nvSpPr>
         <p:spPr/>
         <p:txBody>
-          <a:bodyPr/>
+          <a:bodyPr>
+            <a:normAutofit/>
+          </a:bodyPr>
           <a:lstStyle/>
           <a:p>
-            <a:r>
-              <a:rPr lang="en-US" dirty="0"/>
-              <a:t>Add a Slide Title - 2</a:t>
+            <a:pPr algn="ctr"/>
+            <a:r>
+              <a:rPr lang="en-US" sz="4400" dirty="0">
+                <a:latin typeface="Microsoft Sans Serif"/>
+                <a:ea typeface="Microsoft Sans Serif"/>
+                <a:cs typeface="Microsoft Sans Serif"/>
+              </a:rPr>
+              <a:t>Datasets Description</a:t>
             </a:r>
           </a:p>
         </p:txBody>
       </p:sp>
       <p:sp>
         <p:nvSpPr>
-          <p:cNvPr id="3" name="Text Placeholder 2"/>
+          <p:cNvPr id="3" name="Content Placeholder 2">
+            <a:extLst>
+              <a:ext uri="{FF2B5EF4-FFF2-40B4-BE49-F238E27FC236}">
+                <a16:creationId xmlns:a16="http://schemas.microsoft.com/office/drawing/2014/main" id="{5C76BFBF-8CB3-8D26-740E-8B615F5FA359}"/>
+              </a:ext>
+            </a:extLst>
+          </p:cNvPr>
           <p:cNvSpPr>
             <a:spLocks noGrp="1"/>
           </p:cNvSpPr>
           <p:nvPr>
-            <p:ph type="body" idx="1"/>
+            <p:ph sz="half" idx="1"/>
+          </p:nvPr>
+        </p:nvSpPr>
+        <p:spPr>
+          <a:xfrm>
+            <a:off x="786581" y="1934481"/>
+            <a:ext cx="10825315" cy="4466318"/>
+          </a:xfrm>
+        </p:spPr>
+        <p:txBody>
+          <a:bodyPr vert="horz" lIns="91440" tIns="45720" rIns="91440" bIns="45720" rtlCol="0" anchor="t">
+            <a:normAutofit/>
+          </a:bodyPr>
+          <a:lstStyle/>
+          <a:p>
+            <a:pPr>
+              <a:lnSpc>
+                <a:spcPct val="150000"/>
+              </a:lnSpc>
+            </a:pPr>
+            <a:r>
+              <a:rPr lang="en-US" dirty="0">
+                <a:latin typeface="Microsoft Sans Serif"/>
+                <a:ea typeface="Microsoft Sans Serif"/>
+                <a:cs typeface="Microsoft Sans Serif"/>
+              </a:rPr>
+              <a:t>Source: CMS Open Payments Data portal</a:t>
+            </a:r>
+          </a:p>
+          <a:p>
+            <a:pPr>
+              <a:lnSpc>
+                <a:spcPct val="150000"/>
+              </a:lnSpc>
+            </a:pPr>
+            <a:r>
+              <a:rPr lang="en-US" dirty="0">
+                <a:latin typeface="Microsoft Sans Serif"/>
+                <a:ea typeface="Microsoft Sans Serif"/>
+                <a:cs typeface="Microsoft Sans Serif"/>
+              </a:rPr>
+              <a:t>Two dataset types</a:t>
+            </a:r>
+          </a:p>
+          <a:p>
+            <a:pPr>
+              <a:lnSpc>
+                <a:spcPct val="150000"/>
+              </a:lnSpc>
+            </a:pPr>
+            <a:r>
+              <a:rPr lang="en-US" dirty="0">
+                <a:latin typeface="Microsoft Sans Serif"/>
+                <a:ea typeface="Microsoft Sans Serif"/>
+                <a:cs typeface="Microsoft Sans Serif"/>
+              </a:rPr>
+              <a:t>Span over 5 years</a:t>
+            </a:r>
+          </a:p>
+          <a:p>
+            <a:pPr>
+              <a:lnSpc>
+                <a:spcPct val="150000"/>
+              </a:lnSpc>
+            </a:pPr>
+            <a:r>
+              <a:rPr lang="en-US" dirty="0">
+                <a:latin typeface="Microsoft Sans Serif"/>
+                <a:ea typeface="Microsoft Sans Serif"/>
+                <a:cs typeface="Microsoft Sans Serif"/>
+              </a:rPr>
+              <a:t>Over 52 million rows</a:t>
+            </a:r>
+            <a:endParaRPr lang="en-US" dirty="0"/>
+          </a:p>
+          <a:p>
+            <a:pPr marL="228600"/>
+            <a:endParaRPr lang="en-US">
+              <a:latin typeface="Microsoft Sans Serif"/>
+              <a:ea typeface="Microsoft Sans Serif"/>
+              <a:cs typeface="Microsoft Sans Serif"/>
+            </a:endParaRPr>
+          </a:p>
+          <a:p>
+            <a:pPr marL="228600"/>
+            <a:endParaRPr lang="en-US">
+              <a:latin typeface="Microsoft Sans Serif"/>
+              <a:ea typeface="Microsoft Sans Serif"/>
+              <a:cs typeface="Microsoft Sans Serif"/>
+            </a:endParaRPr>
+          </a:p>
+          <a:p>
+            <a:pPr marL="228600" lvl="1" indent="0">
+              <a:buNone/>
+            </a:pPr>
+            <a:endParaRPr lang="en-US">
+              <a:latin typeface="Microsoft Sans Serif"/>
+              <a:ea typeface="Microsoft Sans Serif"/>
+              <a:cs typeface="Microsoft Sans Serif"/>
+            </a:endParaRPr>
+          </a:p>
+          <a:p>
+            <a:pPr marL="228600" lvl="1" indent="0">
+              <a:buNone/>
+            </a:pPr>
+            <a:endParaRPr lang="en-US">
+              <a:latin typeface="Microsoft Sans Serif"/>
+              <a:ea typeface="Microsoft Sans Serif"/>
+              <a:cs typeface="Microsoft Sans Serif"/>
+            </a:endParaRPr>
+          </a:p>
+        </p:txBody>
+      </p:sp>
+      <p:sp>
+        <p:nvSpPr>
+          <p:cNvPr id="4" name="Slide Number Placeholder 3">
+            <a:extLst>
+              <a:ext uri="{FF2B5EF4-FFF2-40B4-BE49-F238E27FC236}">
+                <a16:creationId xmlns:a16="http://schemas.microsoft.com/office/drawing/2014/main" id="{BC60EE89-3725-6EC8-6F95-024957095000}"/>
+              </a:ext>
+            </a:extLst>
+          </p:cNvPr>
+          <p:cNvSpPr>
+            <a:spLocks noGrp="1"/>
+          </p:cNvSpPr>
+          <p:nvPr>
+            <p:ph type="sldNum" sz="quarter" idx="12"/>
           </p:nvPr>
         </p:nvSpPr>
         <p:spPr/>
@@ -9786,63 +11052,10 @@
           <a:bodyPr/>
           <a:lstStyle/>
           <a:p>
-            <a:endParaRPr lang="en-US"/>
-          </a:p>
-        </p:txBody>
-      </p:sp>
-      <p:sp>
-        <p:nvSpPr>
-          <p:cNvPr id="4" name="Content Placeholder 3"/>
-          <p:cNvSpPr>
-            <a:spLocks noGrp="1"/>
-          </p:cNvSpPr>
-          <p:nvPr>
-            <p:ph sz="half" idx="2"/>
-          </p:nvPr>
-        </p:nvSpPr>
-        <p:spPr/>
-        <p:txBody>
-          <a:bodyPr/>
-          <a:lstStyle/>
-          <a:p>
-            <a:endParaRPr lang="en-US"/>
-          </a:p>
-        </p:txBody>
-      </p:sp>
-      <p:sp>
-        <p:nvSpPr>
-          <p:cNvPr id="5" name="Text Placeholder 4"/>
-          <p:cNvSpPr>
-            <a:spLocks noGrp="1"/>
-          </p:cNvSpPr>
-          <p:nvPr>
-            <p:ph type="body" sz="quarter" idx="3"/>
-          </p:nvPr>
-        </p:nvSpPr>
-        <p:spPr/>
-        <p:txBody>
-          <a:bodyPr/>
-          <a:lstStyle/>
-          <a:p>
-            <a:endParaRPr lang="en-US"/>
-          </a:p>
-        </p:txBody>
-      </p:sp>
-      <p:sp>
-        <p:nvSpPr>
-          <p:cNvPr id="6" name="Content Placeholder 5"/>
-          <p:cNvSpPr>
-            <a:spLocks noGrp="1"/>
-          </p:cNvSpPr>
-          <p:nvPr>
-            <p:ph sz="quarter" idx="4"/>
-          </p:nvPr>
-        </p:nvSpPr>
-        <p:spPr/>
-        <p:txBody>
-          <a:bodyPr/>
-          <a:lstStyle/>
-          <a:p>
+            <a:fld id="{E31375A4-56A4-47D6-9801-1991572033F7}" type="slidenum">
+              <a:rPr lang="en-US"/>
+              <a:t>7</a:t>
+            </a:fld>
             <a:endParaRPr lang="en-US"/>
           </a:p>
         </p:txBody>
@@ -9850,7 +11063,7 @@
     </p:spTree>
     <p:extLst>
       <p:ext uri="{BB962C8B-B14F-4D97-AF65-F5344CB8AC3E}">
-        <p14:creationId xmlns:p14="http://schemas.microsoft.com/office/powerpoint/2010/main" val="2637673684"/>
+        <p14:creationId xmlns:p14="http://schemas.microsoft.com/office/powerpoint/2010/main" val="3346913510"/>
       </p:ext>
     </p:extLst>
   </p:cSld>
@@ -9875,6 +11088,16 @@
 <file path=ppt/slides/slide8.xml><?xml version="1.0" encoding="utf-8"?>
 <p:sld xmlns:a="http://schemas.openxmlformats.org/drawingml/2006/main" xmlns:r="http://schemas.openxmlformats.org/officeDocument/2006/relationships" xmlns:p="http://schemas.openxmlformats.org/presentationml/2006/main">
   <p:cSld>
+    <p:bg>
+      <p:bgPr>
+        <a:solidFill>
+          <a:schemeClr val="bg1">
+            <a:lumMod val="95000"/>
+          </a:schemeClr>
+        </a:solidFill>
+        <a:effectLst/>
+      </p:bgPr>
+    </p:bg>
     <p:spTree>
       <p:nvGrpSpPr>
         <p:cNvPr id="1" name=""/>
@@ -9891,7 +11114,13 @@
       </p:grpSpPr>
       <p:sp>
         <p:nvSpPr>
-          <p:cNvPr id="2" name="Title 1"/>
+          <p:cNvPr id="2" name="Title 1">
+            <a:extLst>
+              <a:ext uri="{FF2B5EF4-FFF2-40B4-BE49-F238E27FC236}">
+                <a16:creationId xmlns:a16="http://schemas.microsoft.com/office/drawing/2014/main" id="{2B7392F9-2DEB-A598-B637-8EBA01040C57}"/>
+              </a:ext>
+            </a:extLst>
+          </p:cNvPr>
           <p:cNvSpPr>
             <a:spLocks noGrp="1"/>
           </p:cNvSpPr>
@@ -9899,22 +11128,129 @@
             <p:ph type="title"/>
           </p:nvPr>
         </p:nvSpPr>
-        <p:spPr/>
+        <p:spPr>
+          <a:xfrm>
+            <a:off x="7635240" y="3200400"/>
+            <a:ext cx="3932237" cy="1143000"/>
+          </a:xfrm>
+        </p:spPr>
         <p:txBody>
-          <a:bodyPr/>
+          <a:bodyPr anchor="b">
+            <a:normAutofit/>
+          </a:bodyPr>
           <a:lstStyle/>
           <a:p>
             <a:r>
-              <a:rPr lang="en-US" dirty="0"/>
-              <a:t>Add a Slide Title - 3</a:t>
-            </a:r>
+              <a:rPr lang="en-US">
+                <a:latin typeface="Microsoft Sans Serif"/>
+                <a:ea typeface="Microsoft Sans Serif"/>
+                <a:cs typeface="Microsoft Sans Serif"/>
+              </a:rPr>
+              <a:t>Dimensional Model</a:t>
+            </a:r>
+          </a:p>
+        </p:txBody>
+      </p:sp>
+      <p:pic>
+        <p:nvPicPr>
+          <p:cNvPr id="5" name="Picture 4" descr="A screenshot of a computer&#10;&#10;Description automatically generated">
+            <a:extLst>
+              <a:ext uri="{FF2B5EF4-FFF2-40B4-BE49-F238E27FC236}">
+                <a16:creationId xmlns:a16="http://schemas.microsoft.com/office/drawing/2014/main" id="{9A9FA7A0-E5D5-E57B-0DC8-CCBF5C5F35DC}"/>
+              </a:ext>
+            </a:extLst>
+          </p:cNvPr>
+          <p:cNvPicPr>
+            <a:picLocks noChangeAspect="1"/>
+          </p:cNvPicPr>
+          <p:nvPr/>
+        </p:nvPicPr>
+        <p:blipFill>
+          <a:blip r:embed="rId2"/>
+          <a:stretch>
+            <a:fillRect/>
+          </a:stretch>
+        </p:blipFill>
+        <p:spPr>
+          <a:xfrm>
+            <a:off x="1" y="388929"/>
+            <a:ext cx="7008810" cy="6080140"/>
+          </a:xfrm>
+          <a:prstGeom prst="rect">
+            <a:avLst/>
+          </a:prstGeom>
+          <a:noFill/>
+        </p:spPr>
+      </p:pic>
+      <p:sp>
+        <p:nvSpPr>
+          <p:cNvPr id="3" name="Content Placeholder 2">
+            <a:extLst>
+              <a:ext uri="{FF2B5EF4-FFF2-40B4-BE49-F238E27FC236}">
+                <a16:creationId xmlns:a16="http://schemas.microsoft.com/office/drawing/2014/main" id="{5C76BFBF-8CB3-8D26-740E-8B615F5FA359}"/>
+              </a:ext>
+            </a:extLst>
+          </p:cNvPr>
+          <p:cNvSpPr>
+            <a:spLocks noGrp="1"/>
+          </p:cNvSpPr>
+          <p:nvPr>
+            <p:ph type="body" sz="half" idx="2"/>
+          </p:nvPr>
+        </p:nvSpPr>
+        <p:spPr>
+          <a:xfrm>
+            <a:off x="7635240" y="5029200"/>
+            <a:ext cx="3932237" cy="1374648"/>
+          </a:xfrm>
+        </p:spPr>
+        <p:txBody>
+          <a:bodyPr vert="horz" lIns="91440" tIns="45720" rIns="91440" bIns="45720" rtlCol="0">
+            <a:normAutofit/>
+          </a:bodyPr>
+          <a:lstStyle/>
+          <a:p>
+            <a:pPr marL="0" indent="0">
+              <a:buNone/>
+            </a:pPr>
+            <a:endParaRPr lang="en-US">
+              <a:latin typeface="Microsoft Sans Serif"/>
+              <a:ea typeface="Microsoft Sans Serif"/>
+              <a:cs typeface="Microsoft Sans Serif"/>
+            </a:endParaRPr>
+          </a:p>
+          <a:p>
+            <a:pPr marL="228600" lvl="1" indent="0">
+              <a:buNone/>
+            </a:pPr>
+            <a:endParaRPr lang="en-US" sz="1600">
+              <a:solidFill>
+                <a:schemeClr val="bg1"/>
+              </a:solidFill>
+              <a:latin typeface="Microsoft Sans Serif"/>
+              <a:ea typeface="Microsoft Sans Serif"/>
+              <a:cs typeface="Microsoft Sans Serif"/>
+            </a:endParaRPr>
+          </a:p>
+          <a:p>
+            <a:pPr marL="228600" lvl="1" indent="0">
+              <a:buNone/>
+            </a:pPr>
+            <a:endParaRPr lang="en-US" sz="1600">
+              <a:solidFill>
+                <a:schemeClr val="bg1"/>
+              </a:solidFill>
+              <a:latin typeface="Microsoft Sans Serif"/>
+              <a:ea typeface="Microsoft Sans Serif"/>
+              <a:cs typeface="Microsoft Sans Serif"/>
+            </a:endParaRPr>
           </a:p>
         </p:txBody>
       </p:sp>
     </p:spTree>
     <p:extLst>
       <p:ext uri="{BB962C8B-B14F-4D97-AF65-F5344CB8AC3E}">
-        <p14:creationId xmlns:p14="http://schemas.microsoft.com/office/powerpoint/2010/main" val="547100618"/>
+        <p14:creationId xmlns:p14="http://schemas.microsoft.com/office/powerpoint/2010/main" val="3286322245"/>
       </p:ext>
     </p:extLst>
   </p:cSld>
@@ -9953,23 +11289,298 @@
           <a:chExt cx="0" cy="0"/>
         </a:xfrm>
       </p:grpSpPr>
+      <p:sp>
+        <p:nvSpPr>
+          <p:cNvPr id="2" name="Title 1">
+            <a:extLst>
+              <a:ext uri="{FF2B5EF4-FFF2-40B4-BE49-F238E27FC236}">
+                <a16:creationId xmlns:a16="http://schemas.microsoft.com/office/drawing/2014/main" id="{2B7392F9-2DEB-A598-B637-8EBA01040C57}"/>
+              </a:ext>
+            </a:extLst>
+          </p:cNvPr>
+          <p:cNvSpPr>
+            <a:spLocks noGrp="1"/>
+          </p:cNvSpPr>
+          <p:nvPr>
+            <p:ph type="title"/>
+          </p:nvPr>
+        </p:nvSpPr>
+        <p:spPr/>
+        <p:txBody>
+          <a:bodyPr>
+            <a:normAutofit/>
+          </a:bodyPr>
+          <a:lstStyle/>
+          <a:p>
+            <a:pPr algn="ctr"/>
+            <a:r>
+              <a:rPr lang="en-US" sz="4400" dirty="0">
+                <a:latin typeface="Microsoft Sans Serif"/>
+                <a:ea typeface="Microsoft Sans Serif"/>
+                <a:cs typeface="Microsoft Sans Serif"/>
+              </a:rPr>
+              <a:t>Methods: ELT</a:t>
+            </a:r>
+            <a:endParaRPr lang="en-US" dirty="0">
+              <a:latin typeface="Microsoft Sans Serif"/>
+              <a:ea typeface="Microsoft Sans Serif"/>
+              <a:cs typeface="Microsoft Sans Serif"/>
+            </a:endParaRPr>
+          </a:p>
+        </p:txBody>
+      </p:sp>
+      <p:sp>
+        <p:nvSpPr>
+          <p:cNvPr id="3" name="Content Placeholder 2">
+            <a:extLst>
+              <a:ext uri="{FF2B5EF4-FFF2-40B4-BE49-F238E27FC236}">
+                <a16:creationId xmlns:a16="http://schemas.microsoft.com/office/drawing/2014/main" id="{5C76BFBF-8CB3-8D26-740E-8B615F5FA359}"/>
+              </a:ext>
+            </a:extLst>
+          </p:cNvPr>
+          <p:cNvSpPr>
+            <a:spLocks noGrp="1"/>
+          </p:cNvSpPr>
+          <p:nvPr>
+            <p:ph sz="half" idx="1"/>
+          </p:nvPr>
+        </p:nvSpPr>
+        <p:spPr>
+          <a:xfrm>
+            <a:off x="648696" y="1956252"/>
+            <a:ext cx="5692305" cy="4444547"/>
+          </a:xfrm>
+        </p:spPr>
+        <p:txBody>
+          <a:bodyPr vert="horz" lIns="91440" tIns="45720" rIns="91440" bIns="45720" rtlCol="0" anchor="t">
+            <a:normAutofit/>
+          </a:bodyPr>
+          <a:lstStyle/>
+          <a:p>
+            <a:r>
+              <a:rPr lang="en-US" dirty="0">
+                <a:solidFill>
+                  <a:srgbClr val="404040"/>
+                </a:solidFill>
+                <a:latin typeface="Microsoft Sans Serif"/>
+                <a:ea typeface="Microsoft Sans Serif"/>
+                <a:cs typeface="Microsoft Sans Serif"/>
+              </a:rPr>
+              <a:t>ELT Process: Extract, Load, Transform</a:t>
+            </a:r>
+          </a:p>
+          <a:p>
+            <a:endParaRPr lang="en-US">
+              <a:solidFill>
+                <a:srgbClr val="404040"/>
+              </a:solidFill>
+              <a:latin typeface="Microsoft Sans Serif"/>
+              <a:ea typeface="Microsoft Sans Serif"/>
+              <a:cs typeface="Microsoft Sans Serif"/>
+            </a:endParaRPr>
+          </a:p>
+          <a:p>
+            <a:r>
+              <a:rPr lang="en-US" b="1" dirty="0">
+                <a:solidFill>
+                  <a:srgbClr val="404040"/>
+                </a:solidFill>
+                <a:latin typeface="Microsoft Sans Serif"/>
+                <a:ea typeface="Microsoft Sans Serif"/>
+                <a:cs typeface="Microsoft Sans Serif"/>
+              </a:rPr>
+              <a:t>Why ELT?</a:t>
+            </a:r>
+            <a:endParaRPr lang="en-US" b="1" dirty="0">
+              <a:latin typeface="Microsoft Sans Serif"/>
+              <a:ea typeface="Microsoft Sans Serif"/>
+              <a:cs typeface="Microsoft Sans Serif"/>
+            </a:endParaRPr>
+          </a:p>
+          <a:p>
+            <a:pPr lvl="1"/>
+            <a:r>
+              <a:rPr lang="en-US" dirty="0">
+                <a:solidFill>
+                  <a:srgbClr val="404040"/>
+                </a:solidFill>
+                <a:latin typeface="Microsoft Sans Serif"/>
+                <a:ea typeface="Microsoft Sans Serif"/>
+                <a:cs typeface="Microsoft Sans Serif"/>
+              </a:rPr>
+              <a:t>Preserves data integrity by extracting raw data first</a:t>
+            </a:r>
+            <a:endParaRPr lang="en-US" dirty="0">
+              <a:latin typeface="Microsoft Sans Serif"/>
+              <a:ea typeface="Microsoft Sans Serif"/>
+              <a:cs typeface="Microsoft Sans Serif"/>
+            </a:endParaRPr>
+          </a:p>
+          <a:p>
+            <a:pPr lvl="1"/>
+            <a:endParaRPr lang="en-US">
+              <a:solidFill>
+                <a:srgbClr val="404040"/>
+              </a:solidFill>
+              <a:latin typeface="Microsoft Sans Serif"/>
+              <a:ea typeface="Microsoft Sans Serif"/>
+              <a:cs typeface="Microsoft Sans Serif"/>
+            </a:endParaRPr>
+          </a:p>
+          <a:p>
+            <a:pPr lvl="1"/>
+            <a:r>
+              <a:rPr lang="en-US" dirty="0">
+                <a:solidFill>
+                  <a:srgbClr val="404040"/>
+                </a:solidFill>
+                <a:latin typeface="Microsoft Sans Serif"/>
+                <a:ea typeface="Microsoft Sans Serif"/>
+                <a:cs typeface="Microsoft Sans Serif"/>
+              </a:rPr>
+              <a:t>Enables scalable storage and processing</a:t>
+            </a:r>
+            <a:endParaRPr lang="en-US" dirty="0">
+              <a:latin typeface="Microsoft Sans Serif"/>
+              <a:ea typeface="Microsoft Sans Serif"/>
+              <a:cs typeface="Microsoft Sans Serif"/>
+            </a:endParaRPr>
+          </a:p>
+          <a:p>
+            <a:pPr lvl="1"/>
+            <a:endParaRPr lang="en-US">
+              <a:solidFill>
+                <a:srgbClr val="404040"/>
+              </a:solidFill>
+              <a:latin typeface="Microsoft Sans Serif"/>
+              <a:ea typeface="Microsoft Sans Serif"/>
+              <a:cs typeface="Microsoft Sans Serif"/>
+            </a:endParaRPr>
+          </a:p>
+          <a:p>
+            <a:pPr lvl="1"/>
+            <a:r>
+              <a:rPr lang="en-US" dirty="0">
+                <a:solidFill>
+                  <a:srgbClr val="404040"/>
+                </a:solidFill>
+                <a:latin typeface="Microsoft Sans Serif"/>
+                <a:ea typeface="Microsoft Sans Serif"/>
+                <a:cs typeface="Microsoft Sans Serif"/>
+              </a:rPr>
+              <a:t>Simplifies pipeline and leverages warehouse computing power for transformations</a:t>
+            </a:r>
+            <a:endParaRPr lang="en-US" dirty="0">
+              <a:latin typeface="Microsoft Sans Serif"/>
+              <a:ea typeface="Microsoft Sans Serif"/>
+              <a:cs typeface="Microsoft Sans Serif"/>
+            </a:endParaRPr>
+          </a:p>
+          <a:p>
+            <a:endParaRPr lang="en-US">
+              <a:latin typeface="Microsoft Sans Serif"/>
+              <a:ea typeface="Microsoft Sans Serif"/>
+              <a:cs typeface="Microsoft Sans Serif"/>
+            </a:endParaRPr>
+          </a:p>
+          <a:p>
+            <a:pPr marL="228600" lvl="1" indent="0">
+              <a:buNone/>
+            </a:pPr>
+            <a:endParaRPr lang="en-US">
+              <a:latin typeface="Microsoft Sans Serif"/>
+              <a:ea typeface="Microsoft Sans Serif"/>
+              <a:cs typeface="Microsoft Sans Serif"/>
+            </a:endParaRPr>
+          </a:p>
+          <a:p>
+            <a:pPr marL="228600" lvl="1" indent="0">
+              <a:buNone/>
+            </a:pPr>
+            <a:endParaRPr lang="en-US">
+              <a:latin typeface="Microsoft Sans Serif"/>
+              <a:ea typeface="Microsoft Sans Serif"/>
+              <a:cs typeface="Microsoft Sans Serif"/>
+            </a:endParaRPr>
+          </a:p>
+        </p:txBody>
+      </p:sp>
+      <p:graphicFrame>
+        <p:nvGraphicFramePr>
+          <p:cNvPr id="4" name="Content Placeholder 6" descr="Segmented process showing 3 tasks arranged one below the other with downward pointing arrows to indicate progression from first task to second task and second task to third task. Placeholder text for task description   present under each group.">
+            <a:extLst>
+              <a:ext uri="{FF2B5EF4-FFF2-40B4-BE49-F238E27FC236}">
+                <a16:creationId xmlns:a16="http://schemas.microsoft.com/office/drawing/2014/main" id="{231BAB6B-B6D9-125F-D5B4-B0FCA1041D56}"/>
+              </a:ext>
+            </a:extLst>
+          </p:cNvPr>
+          <p:cNvGraphicFramePr>
+            <a:graphicFrameLocks noGrp="1"/>
+          </p:cNvGraphicFramePr>
+          <p:nvPr>
+            <p:extLst>
+              <p:ext uri="{D42A27DB-BD31-4B8C-83A1-F6EECF244321}">
+                <p14:modId xmlns:p14="http://schemas.microsoft.com/office/powerpoint/2010/main" val="2823236297"/>
+              </p:ext>
+            </p:extLst>
+          </p:nvPr>
+        </p:nvGraphicFramePr>
+        <p:xfrm>
+          <a:off x="6876143" y="1840139"/>
+          <a:ext cx="4249058" cy="4270375"/>
+        </p:xfrm>
+        <a:graphic>
+          <a:graphicData uri="http://schemas.openxmlformats.org/drawingml/2006/diagram">
+            <dgm:relIds xmlns:dgm="http://schemas.openxmlformats.org/drawingml/2006/diagram" xmlns:r="http://schemas.openxmlformats.org/officeDocument/2006/relationships" r:dm="rId2" r:lo="rId3" r:qs="rId4" r:cs="rId5"/>
+          </a:graphicData>
+        </a:graphic>
+      </p:graphicFrame>
+      <p:sp>
+        <p:nvSpPr>
+          <p:cNvPr id="201" name="Slide Number Placeholder 200">
+            <a:extLst>
+              <a:ext uri="{FF2B5EF4-FFF2-40B4-BE49-F238E27FC236}">
+                <a16:creationId xmlns:a16="http://schemas.microsoft.com/office/drawing/2014/main" id="{A3FCE53C-6387-2A2C-7688-D3521A5D50BC}"/>
+              </a:ext>
+            </a:extLst>
+          </p:cNvPr>
+          <p:cNvSpPr>
+            <a:spLocks noGrp="1"/>
+          </p:cNvSpPr>
+          <p:nvPr>
+            <p:ph type="sldNum" sz="quarter" idx="12"/>
+          </p:nvPr>
+        </p:nvSpPr>
+        <p:spPr/>
+        <p:txBody>
+          <a:bodyPr/>
+          <a:lstStyle/>
+          <a:p>
+            <a:fld id="{E31375A4-56A4-47D6-9801-1991572033F7}" type="slidenum">
+              <a:rPr lang="en-US"/>
+              <a:t>9</a:t>
+            </a:fld>
+            <a:endParaRPr lang="en-US"/>
+          </a:p>
+        </p:txBody>
+      </p:sp>
     </p:spTree>
     <p:extLst>
       <p:ext uri="{BB962C8B-B14F-4D97-AF65-F5344CB8AC3E}">
-        <p14:creationId xmlns:p14="http://schemas.microsoft.com/office/powerpoint/2010/main" val="1001865620"/>
+        <p14:creationId xmlns:p14="http://schemas.microsoft.com/office/powerpoint/2010/main" val="2416806187"/>
       </p:ext>
     </p:extLst>
   </p:cSld>
   <p:clrMapOvr>
     <a:masterClrMapping/>
   </p:clrMapOvr>
-  <mc:AlternateContent xmlns:mc="http://schemas.openxmlformats.org/markup-compatibility/2006" xmlns:p14="http://schemas.microsoft.com/office/powerpoint/2010/main">
-    <mc:Choice Requires="p14">
+  <mc:AlternateContent xmlns:mc="http://schemas.openxmlformats.org/markup-compatibility/2006">
+    <mc:Choice xmlns:p14="http://schemas.microsoft.com/office/powerpoint/2010/main" Requires="p14">
       <p:transition spd="med" p14:dur="700">
         <p:fade/>
       </p:transition>
     </mc:Choice>
-    <mc:Fallback xmlns="">
+    <mc:Fallback>
       <p:transition spd="med">
         <p:fade/>
       </p:transition>
@@ -10759,4 +12370,205 @@
     </a:ext>
   </a:extLst>
 </a:theme>
+</file>
+
+<file path=customXml/item1.xml><?xml version="1.0" encoding="utf-8"?>
+<ct:contentTypeSchema xmlns:ct="http://schemas.microsoft.com/office/2006/metadata/contentType" xmlns:ma="http://schemas.microsoft.com/office/2006/metadata/properties/metaAttributes" ct:_="" ma:_="" ma:contentTypeName="Document" ma:contentTypeID="0x0101006FBF316B1A2EE44F82C8B3A0018B8C2D" ma:contentTypeVersion="4" ma:contentTypeDescription="Create a new document." ma:contentTypeScope="" ma:versionID="aff1f26f9eb29157237eaeff1ca3f0f5">
+  <xsd:schema xmlns:xsd="http://www.w3.org/2001/XMLSchema" xmlns:xs="http://www.w3.org/2001/XMLSchema" xmlns:p="http://schemas.microsoft.com/office/2006/metadata/properties" xmlns:ns3="6ad86112-fefb-4bc6-95a8-bc214290da37" targetNamespace="http://schemas.microsoft.com/office/2006/metadata/properties" ma:root="true" ma:fieldsID="eb99dd652b1d236993ad90f469fcca8e" ns3:_="">
+    <xsd:import namespace="6ad86112-fefb-4bc6-95a8-bc214290da37"/>
+    <xsd:element name="properties">
+      <xsd:complexType>
+        <xsd:sequence>
+          <xsd:element name="documentManagement">
+            <xsd:complexType>
+              <xsd:all>
+                <xsd:element ref="ns3:MediaServiceMetadata" minOccurs="0"/>
+                <xsd:element ref="ns3:MediaServiceFastMetadata" minOccurs="0"/>
+                <xsd:element ref="ns3:MediaServiceSearchProperties" minOccurs="0"/>
+                <xsd:element ref="ns3:MediaServiceObjectDetectorVersions" minOccurs="0"/>
+              </xsd:all>
+            </xsd:complexType>
+          </xsd:element>
+        </xsd:sequence>
+      </xsd:complexType>
+    </xsd:element>
+  </xsd:schema>
+  <xsd:schema xmlns:xsd="http://www.w3.org/2001/XMLSchema" xmlns:xs="http://www.w3.org/2001/XMLSchema" xmlns:dms="http://schemas.microsoft.com/office/2006/documentManagement/types" xmlns:pc="http://schemas.microsoft.com/office/infopath/2007/PartnerControls" targetNamespace="6ad86112-fefb-4bc6-95a8-bc214290da37" elementFormDefault="qualified">
+    <xsd:import namespace="http://schemas.microsoft.com/office/2006/documentManagement/types"/>
+    <xsd:import namespace="http://schemas.microsoft.com/office/infopath/2007/PartnerControls"/>
+    <xsd:element name="MediaServiceMetadata" ma:index="8" nillable="true" ma:displayName="MediaServiceMetadata" ma:hidden="true" ma:internalName="MediaServiceMetadata" ma:readOnly="true">
+      <xsd:simpleType>
+        <xsd:restriction base="dms:Note"/>
+      </xsd:simpleType>
+    </xsd:element>
+    <xsd:element name="MediaServiceFastMetadata" ma:index="9" nillable="true" ma:displayName="MediaServiceFastMetadata" ma:hidden="true" ma:internalName="MediaServiceFastMetadata" ma:readOnly="true">
+      <xsd:simpleType>
+        <xsd:restriction base="dms:Note"/>
+      </xsd:simpleType>
+    </xsd:element>
+    <xsd:element name="MediaServiceSearchProperties" ma:index="10" nillable="true" ma:displayName="MediaServiceSearchProperties" ma:hidden="true" ma:internalName="MediaServiceSearchProperties" ma:readOnly="true">
+      <xsd:simpleType>
+        <xsd:restriction base="dms:Note"/>
+      </xsd:simpleType>
+    </xsd:element>
+    <xsd:element name="MediaServiceObjectDetectorVersions" ma:index="11" nillable="true" ma:displayName="MediaServiceObjectDetectorVersions" ma:hidden="true" ma:indexed="true" ma:internalName="MediaServiceObjectDetectorVersions" ma:readOnly="true">
+      <xsd:simpleType>
+        <xsd:restriction base="dms:Text"/>
+      </xsd:simpleType>
+    </xsd:element>
+  </xsd:schema>
+  <xsd:schema xmlns="http://schemas.openxmlformats.org/package/2006/metadata/core-properties" xmlns:xsd="http://www.w3.org/2001/XMLSchema" xmlns:xsi="http://www.w3.org/2001/XMLSchema-instance" xmlns:dc="http://purl.org/dc/elements/1.1/" xmlns:dcterms="http://purl.org/dc/terms/" xmlns:odoc="http://schemas.microsoft.com/internal/obd" targetNamespace="http://schemas.openxmlformats.org/package/2006/metadata/core-properties" elementFormDefault="qualified" attributeFormDefault="unqualified" blockDefault="#all">
+    <xsd:import namespace="http://purl.org/dc/elements/1.1/" schemaLocation="http://dublincore.org/schemas/xmls/qdc/2003/04/02/dc.xsd"/>
+    <xsd:import namespace="http://purl.org/dc/terms/" schemaLocation="http://dublincore.org/schemas/xmls/qdc/2003/04/02/dcterms.xsd"/>
+    <xsd:element name="coreProperties" type="CT_coreProperties"/>
+    <xsd:complexType name="CT_coreProperties">
+      <xsd:all>
+        <xsd:element ref="dc:creator" minOccurs="0" maxOccurs="1"/>
+        <xsd:element ref="dcterms:created" minOccurs="0" maxOccurs="1"/>
+        <xsd:element ref="dc:identifier" minOccurs="0" maxOccurs="1"/>
+        <xsd:element name="contentType" minOccurs="0" maxOccurs="1" type="xsd:string" ma:index="0" ma:displayName="Content Type"/>
+        <xsd:element ref="dc:title" minOccurs="0" maxOccurs="1" ma:index="4" ma:displayName="Title"/>
+        <xsd:element ref="dc:subject" minOccurs="0" maxOccurs="1"/>
+        <xsd:element ref="dc:description" minOccurs="0" maxOccurs="1"/>
+        <xsd:element name="keywords" minOccurs="0" maxOccurs="1" type="xsd:string"/>
+        <xsd:element ref="dc:language" minOccurs="0" maxOccurs="1"/>
+        <xsd:element name="category" minOccurs="0" maxOccurs="1" type="xsd:string"/>
+        <xsd:element name="version" minOccurs="0" maxOccurs="1" type="xsd:string"/>
+        <xsd:element name="revision" minOccurs="0" maxOccurs="1" type="xsd:string">
+          <xsd:annotation>
+            <xsd:documentation>
+                        This value indicates the number of saves or revisions. The application is responsible for updating this value after each revision.
+                    </xsd:documentation>
+          </xsd:annotation>
+        </xsd:element>
+        <xsd:element name="lastModifiedBy" minOccurs="0" maxOccurs="1" type="xsd:string"/>
+        <xsd:element ref="dcterms:modified" minOccurs="0" maxOccurs="1"/>
+        <xsd:element name="contentStatus" minOccurs="0" maxOccurs="1" type="xsd:string"/>
+      </xsd:all>
+    </xsd:complexType>
+  </xsd:schema>
+  <xs:schema xmlns:pc="http://schemas.microsoft.com/office/infopath/2007/PartnerControls" xmlns:xs="http://www.w3.org/2001/XMLSchema" targetNamespace="http://schemas.microsoft.com/office/infopath/2007/PartnerControls" elementFormDefault="qualified" attributeFormDefault="unqualified">
+    <xs:element name="Person">
+      <xs:complexType>
+        <xs:sequence>
+          <xs:element ref="pc:DisplayName" minOccurs="0"/>
+          <xs:element ref="pc:AccountId" minOccurs="0"/>
+          <xs:element ref="pc:AccountType" minOccurs="0"/>
+        </xs:sequence>
+      </xs:complexType>
+    </xs:element>
+    <xs:element name="DisplayName" type="xs:string"/>
+    <xs:element name="AccountId" type="xs:string"/>
+    <xs:element name="AccountType" type="xs:string"/>
+    <xs:element name="BDCAssociatedEntity">
+      <xs:complexType>
+        <xs:sequence>
+          <xs:element ref="pc:BDCEntity" minOccurs="0" maxOccurs="unbounded"/>
+        </xs:sequence>
+        <xs:attribute ref="pc:EntityNamespace"/>
+        <xs:attribute ref="pc:EntityName"/>
+        <xs:attribute ref="pc:SystemInstanceName"/>
+        <xs:attribute ref="pc:AssociationName"/>
+      </xs:complexType>
+    </xs:element>
+    <xs:attribute name="EntityNamespace" type="xs:string"/>
+    <xs:attribute name="EntityName" type="xs:string"/>
+    <xs:attribute name="SystemInstanceName" type="xs:string"/>
+    <xs:attribute name="AssociationName" type="xs:string"/>
+    <xs:element name="BDCEntity">
+      <xs:complexType>
+        <xs:sequence>
+          <xs:element ref="pc:EntityDisplayName" minOccurs="0"/>
+          <xs:element ref="pc:EntityInstanceReference" minOccurs="0"/>
+          <xs:element ref="pc:EntityId1" minOccurs="0"/>
+          <xs:element ref="pc:EntityId2" minOccurs="0"/>
+          <xs:element ref="pc:EntityId3" minOccurs="0"/>
+          <xs:element ref="pc:EntityId4" minOccurs="0"/>
+          <xs:element ref="pc:EntityId5" minOccurs="0"/>
+        </xs:sequence>
+      </xs:complexType>
+    </xs:element>
+    <xs:element name="EntityDisplayName" type="xs:string"/>
+    <xs:element name="EntityInstanceReference" type="xs:string"/>
+    <xs:element name="EntityId1" type="xs:string"/>
+    <xs:element name="EntityId2" type="xs:string"/>
+    <xs:element name="EntityId3" type="xs:string"/>
+    <xs:element name="EntityId4" type="xs:string"/>
+    <xs:element name="EntityId5" type="xs:string"/>
+    <xs:element name="Terms">
+      <xs:complexType>
+        <xs:sequence>
+          <xs:element ref="pc:TermInfo" minOccurs="0" maxOccurs="unbounded"/>
+        </xs:sequence>
+      </xs:complexType>
+    </xs:element>
+    <xs:element name="TermInfo">
+      <xs:complexType>
+        <xs:sequence>
+          <xs:element ref="pc:TermName" minOccurs="0"/>
+          <xs:element ref="pc:TermId" minOccurs="0"/>
+        </xs:sequence>
+      </xs:complexType>
+    </xs:element>
+    <xs:element name="TermName" type="xs:string"/>
+    <xs:element name="TermId" type="xs:string"/>
+  </xs:schema>
+</ct:contentTypeSchema>
+</file>
+
+<file path=customXml/item2.xml><?xml version="1.0" encoding="utf-8"?>
+<?mso-contentType ?>
+<FormTemplates xmlns="http://schemas.microsoft.com/sharepoint/v3/contenttype/forms">
+  <Display>DocumentLibraryForm</Display>
+  <Edit>DocumentLibraryForm</Edit>
+  <New>DocumentLibraryForm</New>
+</FormTemplates>
+</file>
+
+<file path=customXml/item3.xml><?xml version="1.0" encoding="utf-8"?>
+<p:properties xmlns:p="http://schemas.microsoft.com/office/2006/metadata/properties" xmlns:xsi="http://www.w3.org/2001/XMLSchema-instance" xmlns:pc="http://schemas.microsoft.com/office/infopath/2007/PartnerControls">
+  <documentManagement/>
+</p:properties>
+</file>
+
+<file path=customXml/itemProps1.xml><?xml version="1.0" encoding="utf-8"?>
+<ds:datastoreItem xmlns:ds="http://schemas.openxmlformats.org/officeDocument/2006/customXml" ds:itemID="{CBDF2D8F-1FC6-4678-AE3A-7F5EB635F273}">
+  <ds:schemaRefs>
+    <ds:schemaRef ds:uri="6ad86112-fefb-4bc6-95a8-bc214290da37"/>
+    <ds:schemaRef ds:uri="http://purl.org/dc/elements/1.1/"/>
+    <ds:schemaRef ds:uri="http://purl.org/dc/terms/"/>
+    <ds:schemaRef ds:uri="http://schemas.microsoft.com/internal/obd"/>
+    <ds:schemaRef ds:uri="http://schemas.microsoft.com/office/2006/documentManagement/types"/>
+    <ds:schemaRef ds:uri="http://schemas.microsoft.com/office/2006/metadata/contentType"/>
+    <ds:schemaRef ds:uri="http://schemas.microsoft.com/office/2006/metadata/properties"/>
+    <ds:schemaRef ds:uri="http://schemas.microsoft.com/office/2006/metadata/properties/metaAttributes"/>
+    <ds:schemaRef ds:uri="http://schemas.microsoft.com/office/infopath/2007/PartnerControls"/>
+    <ds:schemaRef ds:uri="http://schemas.openxmlformats.org/package/2006/metadata/core-properties"/>
+    <ds:schemaRef ds:uri="http://www.w3.org/2001/XMLSchema"/>
+  </ds:schemaRefs>
+</ds:datastoreItem>
+</file>
+
+<file path=customXml/itemProps2.xml><?xml version="1.0" encoding="utf-8"?>
+<ds:datastoreItem xmlns:ds="http://schemas.openxmlformats.org/officeDocument/2006/customXml" ds:itemID="{0E3164F7-BEEC-4492-BF87-EC8A49556381}">
+  <ds:schemaRefs>
+    <ds:schemaRef ds:uri="http://schemas.microsoft.com/sharepoint/v3/contenttype/forms"/>
+  </ds:schemaRefs>
+</ds:datastoreItem>
+</file>
+
+<file path=customXml/itemProps3.xml><?xml version="1.0" encoding="utf-8"?>
+<ds:datastoreItem xmlns:ds="http://schemas.openxmlformats.org/officeDocument/2006/customXml" ds:itemID="{2861A5F0-49A5-40F2-BAC9-CAE262631BB6}">
+  <ds:schemaRefs>
+    <ds:schemaRef ds:uri="6ad86112-fefb-4bc6-95a8-bc214290da37"/>
+    <ds:schemaRef ds:uri="http://purl.org/dc/dcmitype/"/>
+    <ds:schemaRef ds:uri="http://purl.org/dc/elements/1.1/"/>
+    <ds:schemaRef ds:uri="http://purl.org/dc/terms/"/>
+    <ds:schemaRef ds:uri="http://schemas.microsoft.com/office/2006/documentManagement/types"/>
+    <ds:schemaRef ds:uri="http://schemas.microsoft.com/office/2006/metadata/properties"/>
+    <ds:schemaRef ds:uri="http://schemas.microsoft.com/office/infopath/2007/PartnerControls"/>
+    <ds:schemaRef ds:uri="http://schemas.openxmlformats.org/package/2006/metadata/core-properties"/>
+    <ds:schemaRef ds:uri="http://www.w3.org/XML/1998/namespace"/>
+  </ds:schemaRefs>
+</ds:datastoreItem>
 </file>